--- a/MicroFrontends/MicroFrontEnds.pptx
+++ b/MicroFrontends/MicroFrontEnds.pptx
@@ -5,15 +5,17 @@
     <p:sldMasterId id="2147483648" r:id="rId1"/>
   </p:sldMasterIdLst>
   <p:notesMasterIdLst>
-    <p:notesMasterId r:id="rId5"/>
+    <p:notesMasterId r:id="rId7"/>
   </p:notesMasterIdLst>
   <p:handoutMasterIdLst>
-    <p:handoutMasterId r:id="rId6"/>
+    <p:handoutMasterId r:id="rId8"/>
   </p:handoutMasterIdLst>
   <p:sldIdLst>
     <p:sldId id="256" r:id="rId2"/>
     <p:sldId id="258" r:id="rId3"/>
     <p:sldId id="257" r:id="rId4"/>
+    <p:sldId id="259" r:id="rId5"/>
+    <p:sldId id="260" r:id="rId6"/>
   </p:sldIdLst>
   <p:sldSz cx="12192000" cy="6858000"/>
   <p:notesSz cx="6858000" cy="9144000"/>
@@ -217,7 +219,7 @@
           <a:p>
             <a:fld id="{BA35FD46-AEB9-4C59-AC85-4055F2AA7DF2}" type="datetimeFigureOut">
               <a:rPr lang="zh-CN" altLang="en-US" smtClean="0"/>
-              <a:t>2021/9/6</a:t>
+              <a:t>2021/9/7</a:t>
             </a:fld>
             <a:endParaRPr lang="zh-CN" altLang="en-US"/>
           </a:p>
@@ -394,7 +396,7 @@
           <a:p>
             <a:fld id="{8B9BF9A6-4856-4844-83F7-E6C95F935DBC}" type="datetimeFigureOut">
               <a:rPr lang="zh-CN" altLang="en-US" smtClean="0"/>
-              <a:t>2021/9/6</a:t>
+              <a:t>2021/9/7</a:t>
             </a:fld>
             <a:endParaRPr lang="zh-CN" altLang="en-US"/>
           </a:p>
@@ -822,7 +824,7 @@
           <a:p>
             <a:fld id="{760FBDFE-C587-4B4C-A407-44438C67B59E}" type="datetimeFigureOut">
               <a:rPr lang="zh-CN" altLang="en-US" smtClean="0"/>
-              <a:t>2021/9/6</a:t>
+              <a:t>2021/9/7</a:t>
             </a:fld>
             <a:endParaRPr lang="zh-CN" altLang="en-US"/>
           </a:p>
@@ -921,7 +923,7 @@
           <a:p>
             <a:fld id="{760FBDFE-C587-4B4C-A407-44438C67B59E}" type="datetimeFigureOut">
               <a:rPr lang="zh-CN" altLang="en-US" smtClean="0"/>
-              <a:t>2021/9/6</a:t>
+              <a:t>2021/9/7</a:t>
             </a:fld>
             <a:endParaRPr lang="zh-CN" altLang="en-US"/>
           </a:p>
@@ -1079,7 +1081,7 @@
           <a:p>
             <a:fld id="{760FBDFE-C587-4B4C-A407-44438C67B59E}" type="datetimeFigureOut">
               <a:rPr lang="zh-CN" altLang="en-US" smtClean="0"/>
-              <a:t>2021/9/6</a:t>
+              <a:t>2021/9/7</a:t>
             </a:fld>
             <a:endParaRPr lang="zh-CN" altLang="en-US"/>
           </a:p>
@@ -1364,7 +1366,7 @@
           <a:p>
             <a:fld id="{760FBDFE-C587-4B4C-A407-44438C67B59E}" type="datetimeFigureOut">
               <a:rPr lang="zh-CN" altLang="en-US" smtClean="0"/>
-              <a:t>2021/9/6</a:t>
+              <a:t>2021/9/7</a:t>
             </a:fld>
             <a:endParaRPr lang="zh-CN" altLang="en-US"/>
           </a:p>
@@ -1624,7 +1626,7 @@
           <a:p>
             <a:fld id="{760FBDFE-C587-4B4C-A407-44438C67B59E}" type="datetimeFigureOut">
               <a:rPr lang="zh-CN" altLang="en-US" smtClean="0"/>
-              <a:t>2021/9/6</a:t>
+              <a:t>2021/9/7</a:t>
             </a:fld>
             <a:endParaRPr lang="zh-CN" altLang="en-US"/>
           </a:p>
@@ -1890,7 +1892,7 @@
           <a:p>
             <a:fld id="{760FBDFE-C587-4B4C-A407-44438C67B59E}" type="datetimeFigureOut">
               <a:rPr lang="zh-CN" altLang="en-US" smtClean="0"/>
-              <a:t>2021/9/6</a:t>
+              <a:t>2021/9/7</a:t>
             </a:fld>
             <a:endParaRPr lang="zh-CN" altLang="en-US"/>
           </a:p>
@@ -2328,7 +2330,7 @@
           <a:p>
             <a:fld id="{760FBDFE-C587-4B4C-A407-44438C67B59E}" type="datetimeFigureOut">
               <a:rPr lang="zh-CN" altLang="en-US" smtClean="0"/>
-              <a:t>2021/9/6</a:t>
+              <a:t>2021/9/7</a:t>
             </a:fld>
             <a:endParaRPr lang="zh-CN" altLang="en-US"/>
           </a:p>
@@ -2462,7 +2464,7 @@
           <a:p>
             <a:fld id="{760FBDFE-C587-4B4C-A407-44438C67B59E}" type="datetimeFigureOut">
               <a:rPr lang="zh-CN" altLang="en-US" smtClean="0"/>
-              <a:t>2021/9/6</a:t>
+              <a:t>2021/9/7</a:t>
             </a:fld>
             <a:endParaRPr lang="zh-CN" altLang="en-US"/>
           </a:p>
@@ -2561,7 +2563,7 @@
           <a:p>
             <a:fld id="{760FBDFE-C587-4B4C-A407-44438C67B59E}" type="datetimeFigureOut">
               <a:rPr lang="zh-CN" altLang="en-US" smtClean="0"/>
-              <a:t>2021/9/6</a:t>
+              <a:t>2021/9/7</a:t>
             </a:fld>
             <a:endParaRPr lang="zh-CN" altLang="en-US"/>
           </a:p>
@@ -2737,7 +2739,7 @@
           <a:p>
             <a:fld id="{9EFD9D74-47D9-4702-A33C-335B63B48DBF}" type="datetimeFigureOut">
               <a:rPr lang="zh-CN" altLang="en-US" smtClean="0"/>
-              <a:t>2021/9/6</a:t>
+              <a:t>2021/9/7</a:t>
             </a:fld>
             <a:endParaRPr lang="zh-CN" altLang="en-US" dirty="0"/>
           </a:p>
@@ -2979,7 +2981,7 @@
           <a:p>
             <a:fld id="{760FBDFE-C587-4B4C-A407-44438C67B59E}" type="datetimeFigureOut">
               <a:rPr lang="zh-CN" altLang="en-US" smtClean="0"/>
-              <a:t>2021/9/6</a:t>
+              <a:t>2021/9/7</a:t>
             </a:fld>
             <a:endParaRPr lang="zh-CN" altLang="en-US"/>
           </a:p>
@@ -3213,7 +3215,7 @@
           <a:p>
             <a:fld id="{760FBDFE-C587-4B4C-A407-44438C67B59E}" type="datetimeFigureOut">
               <a:rPr lang="zh-CN" altLang="en-US" smtClean="0"/>
-              <a:t>2021/9/6</a:t>
+              <a:t>2021/9/7</a:t>
             </a:fld>
             <a:endParaRPr lang="zh-CN" altLang="en-US"/>
           </a:p>
@@ -5943,6 +5945,224 @@
 </p:sld>
 </file>
 
+<file path=ppt/slides/slide4.xml><?xml version="1.0" encoding="utf-8"?>
+<p:sld xmlns:a="http://schemas.openxmlformats.org/drawingml/2006/main" xmlns:r="http://schemas.openxmlformats.org/officeDocument/2006/relationships" xmlns:p="http://schemas.openxmlformats.org/presentationml/2006/main">
+  <p:cSld>
+    <p:spTree>
+      <p:nvGrpSpPr>
+        <p:cNvPr id="1" name=""/>
+        <p:cNvGrpSpPr/>
+        <p:nvPr/>
+      </p:nvGrpSpPr>
+      <p:grpSpPr>
+        <a:xfrm>
+          <a:off x="0" y="0"/>
+          <a:ext cx="0" cy="0"/>
+          <a:chOff x="0" y="0"/>
+          <a:chExt cx="0" cy="0"/>
+        </a:xfrm>
+      </p:grpSpPr>
+      <p:sp>
+        <p:nvSpPr>
+          <p:cNvPr id="2" name="标题 1">
+            <a:extLst>
+              <a:ext uri="{FF2B5EF4-FFF2-40B4-BE49-F238E27FC236}">
+                <a16:creationId xmlns:a16="http://schemas.microsoft.com/office/drawing/2014/main" id="{7CB36DE7-400B-4129-8A1C-C0E494945F4C}"/>
+              </a:ext>
+            </a:extLst>
+          </p:cNvPr>
+          <p:cNvSpPr>
+            <a:spLocks noGrp="1"/>
+          </p:cNvSpPr>
+          <p:nvPr>
+            <p:ph type="title"/>
+          </p:nvPr>
+        </p:nvSpPr>
+        <p:spPr>
+          <a:xfrm>
+            <a:off x="3201629" y="608400"/>
+            <a:ext cx="5788742" cy="705600"/>
+          </a:xfrm>
+        </p:spPr>
+        <p:txBody>
+          <a:bodyPr/>
+          <a:lstStyle/>
+          <a:p>
+            <a:r>
+              <a:rPr lang="zh-CN" altLang="en-US" dirty="0">
+                <a:solidFill>
+                  <a:schemeClr val="bg1"/>
+                </a:solidFill>
+              </a:rPr>
+              <a:t>微前端的核心是什么？</a:t>
+            </a:r>
+          </a:p>
+        </p:txBody>
+      </p:sp>
+      <p:pic>
+        <p:nvPicPr>
+          <p:cNvPr id="9" name="内容占位符 8">
+            <a:extLst>
+              <a:ext uri="{FF2B5EF4-FFF2-40B4-BE49-F238E27FC236}">
+                <a16:creationId xmlns:a16="http://schemas.microsoft.com/office/drawing/2014/main" id="{61462BDB-F4F3-4210-A22F-410AF1E4490C}"/>
+              </a:ext>
+            </a:extLst>
+          </p:cNvPr>
+          <p:cNvPicPr>
+            <a:picLocks noGrp="1" noChangeAspect="1"/>
+          </p:cNvPicPr>
+          <p:nvPr>
+            <p:ph idx="1"/>
+          </p:nvPr>
+        </p:nvPicPr>
+        <p:blipFill>
+          <a:blip r:embed="rId2">
+            <a:extLst>
+              <a:ext uri="{28A0092B-C50C-407E-A947-70E740481C1C}">
+                <a14:useLocalDpi xmlns:a14="http://schemas.microsoft.com/office/drawing/2010/main" val="0"/>
+              </a:ext>
+            </a:extLst>
+          </a:blip>
+          <a:stretch>
+            <a:fillRect/>
+          </a:stretch>
+        </p:blipFill>
+        <p:spPr>
+          <a:xfrm>
+            <a:off x="2287664" y="1708377"/>
+            <a:ext cx="6931055" cy="4759325"/>
+          </a:xfrm>
+        </p:spPr>
+      </p:pic>
+    </p:spTree>
+    <p:extLst>
+      <p:ext uri="{BB962C8B-B14F-4D97-AF65-F5344CB8AC3E}">
+        <p14:creationId xmlns:p14="http://schemas.microsoft.com/office/powerpoint/2010/main" val="3116453119"/>
+      </p:ext>
+    </p:extLst>
+  </p:cSld>
+  <p:clrMapOvr>
+    <a:masterClrMapping/>
+  </p:clrMapOvr>
+</p:sld>
+</file>
+
+<file path=ppt/slides/slide5.xml><?xml version="1.0" encoding="utf-8"?>
+<p:sld xmlns:a="http://schemas.openxmlformats.org/drawingml/2006/main" xmlns:r="http://schemas.openxmlformats.org/officeDocument/2006/relationships" xmlns:p="http://schemas.openxmlformats.org/presentationml/2006/main">
+  <p:cSld>
+    <p:spTree>
+      <p:nvGrpSpPr>
+        <p:cNvPr id="1" name=""/>
+        <p:cNvGrpSpPr/>
+        <p:nvPr/>
+      </p:nvGrpSpPr>
+      <p:grpSpPr>
+        <a:xfrm>
+          <a:off x="0" y="0"/>
+          <a:ext cx="0" cy="0"/>
+          <a:chOff x="0" y="0"/>
+          <a:chExt cx="0" cy="0"/>
+        </a:xfrm>
+      </p:grpSpPr>
+      <p:sp>
+        <p:nvSpPr>
+          <p:cNvPr id="2" name="标题 1">
+            <a:extLst>
+              <a:ext uri="{FF2B5EF4-FFF2-40B4-BE49-F238E27FC236}">
+                <a16:creationId xmlns:a16="http://schemas.microsoft.com/office/drawing/2014/main" id="{2D14E5D4-F319-4D8D-ADC0-4EDA3413A65F}"/>
+              </a:ext>
+            </a:extLst>
+          </p:cNvPr>
+          <p:cNvSpPr>
+            <a:spLocks noGrp="1"/>
+          </p:cNvSpPr>
+          <p:nvPr>
+            <p:ph type="title"/>
+          </p:nvPr>
+        </p:nvSpPr>
+        <p:spPr/>
+        <p:txBody>
+          <a:bodyPr/>
+          <a:lstStyle/>
+          <a:p>
+            <a:r>
+              <a:rPr lang="zh-CN" altLang="en-US" dirty="0">
+                <a:solidFill>
+                  <a:schemeClr val="bg1"/>
+                </a:solidFill>
+              </a:rPr>
+              <a:t>为什么要拆？</a:t>
+            </a:r>
+          </a:p>
+        </p:txBody>
+      </p:sp>
+      <p:sp>
+        <p:nvSpPr>
+          <p:cNvPr id="3" name="内容占位符 2">
+            <a:extLst>
+              <a:ext uri="{FF2B5EF4-FFF2-40B4-BE49-F238E27FC236}">
+                <a16:creationId xmlns:a16="http://schemas.microsoft.com/office/drawing/2014/main" id="{99A4CCAA-B15F-41FE-9C77-E77433A296A5}"/>
+              </a:ext>
+            </a:extLst>
+          </p:cNvPr>
+          <p:cNvSpPr>
+            <a:spLocks noGrp="1"/>
+          </p:cNvSpPr>
+          <p:nvPr>
+            <p:ph idx="1"/>
+          </p:nvPr>
+        </p:nvSpPr>
+        <p:spPr>
+          <a:xfrm>
+            <a:off x="608400" y="1490400"/>
+            <a:ext cx="10364400" cy="4544640"/>
+          </a:xfrm>
+        </p:spPr>
+        <p:txBody>
+          <a:bodyPr>
+            <a:normAutofit/>
+          </a:bodyPr>
+          <a:lstStyle/>
+          <a:p>
+            <a:r>
+              <a:rPr lang="zh-CN" altLang="en-US" sz="2800" dirty="0">
+                <a:solidFill>
+                  <a:schemeClr val="bg1"/>
+                </a:solidFill>
+              </a:rPr>
+              <a:t>巨石应用</a:t>
+            </a:r>
+            <a:endParaRPr lang="en-US" altLang="zh-CN" sz="2800" dirty="0">
+              <a:solidFill>
+                <a:schemeClr val="bg1"/>
+              </a:solidFill>
+            </a:endParaRPr>
+          </a:p>
+          <a:p>
+            <a:r>
+              <a:rPr lang="zh-CN" altLang="en-US" sz="2800" dirty="0">
+                <a:solidFill>
+                  <a:schemeClr val="bg1"/>
+                </a:solidFill>
+              </a:rPr>
+              <a:t>历史遗留项目</a:t>
+            </a:r>
+          </a:p>
+        </p:txBody>
+      </p:sp>
+    </p:spTree>
+    <p:extLst>
+      <p:ext uri="{BB962C8B-B14F-4D97-AF65-F5344CB8AC3E}">
+        <p14:creationId xmlns:p14="http://schemas.microsoft.com/office/powerpoint/2010/main" val="3405610736"/>
+      </p:ext>
+    </p:extLst>
+  </p:cSld>
+  <p:clrMapOvr>
+    <a:masterClrMapping/>
+  </p:clrMapOvr>
+</p:sld>
+</file>
+
 <file path=ppt/tags/tag1.xml><?xml version="1.0" encoding="utf-8"?>
 <p:tagLst xmlns:a="http://schemas.openxmlformats.org/drawingml/2006/main" xmlns:r="http://schemas.openxmlformats.org/officeDocument/2006/relationships" xmlns:p="http://schemas.openxmlformats.org/presentationml/2006/main">
   <p:tag name="KSO_WM_TEMPLATE_THUMBS_INDEX" val="1、4、7、12、13、14、15、16、17、18、20、24、25、28、33、36、40、43、44"/>

--- a/MicroFrontends/MicroFrontEnds.pptx
+++ b/MicroFrontends/MicroFrontEnds.pptx
@@ -12,9 +12,9 @@
   </p:handoutMasterIdLst>
   <p:sldIdLst>
     <p:sldId id="256" r:id="rId2"/>
-    <p:sldId id="258" r:id="rId3"/>
-    <p:sldId id="257" r:id="rId4"/>
-    <p:sldId id="259" r:id="rId5"/>
+    <p:sldId id="259" r:id="rId3"/>
+    <p:sldId id="258" r:id="rId4"/>
+    <p:sldId id="257" r:id="rId5"/>
     <p:sldId id="260" r:id="rId6"/>
   </p:sldIdLst>
   <p:sldSz cx="12192000" cy="6858000"/>
@@ -219,7 +219,7 @@
           <a:p>
             <a:fld id="{BA35FD46-AEB9-4C59-AC85-4055F2AA7DF2}" type="datetimeFigureOut">
               <a:rPr lang="zh-CN" altLang="en-US" smtClean="0"/>
-              <a:t>2021/9/7</a:t>
+              <a:t>2021/9/15</a:t>
             </a:fld>
             <a:endParaRPr lang="zh-CN" altLang="en-US"/>
           </a:p>
@@ -396,7 +396,7 @@
           <a:p>
             <a:fld id="{8B9BF9A6-4856-4844-83F7-E6C95F935DBC}" type="datetimeFigureOut">
               <a:rPr lang="zh-CN" altLang="en-US" smtClean="0"/>
-              <a:t>2021/9/7</a:t>
+              <a:t>2021/9/15</a:t>
             </a:fld>
             <a:endParaRPr lang="zh-CN" altLang="en-US"/>
           </a:p>
@@ -679,6 +679,168 @@
 </p:notesMaster>
 </file>
 
+<file path=ppt/notesSlides/notesSlide1.xml><?xml version="1.0" encoding="utf-8"?>
+<p:notes xmlns:a="http://schemas.openxmlformats.org/drawingml/2006/main" xmlns:r="http://schemas.openxmlformats.org/officeDocument/2006/relationships" xmlns:p="http://schemas.openxmlformats.org/presentationml/2006/main">
+  <p:cSld>
+    <p:spTree>
+      <p:nvGrpSpPr>
+        <p:cNvPr id="1" name=""/>
+        <p:cNvGrpSpPr/>
+        <p:nvPr/>
+      </p:nvGrpSpPr>
+      <p:grpSpPr>
+        <a:xfrm>
+          <a:off x="0" y="0"/>
+          <a:ext cx="0" cy="0"/>
+          <a:chOff x="0" y="0"/>
+          <a:chExt cx="0" cy="0"/>
+        </a:xfrm>
+      </p:grpSpPr>
+      <p:sp>
+        <p:nvSpPr>
+          <p:cNvPr id="2" name="幻灯片图像占位符 1"/>
+          <p:cNvSpPr>
+            <a:spLocks noGrp="1" noRot="1" noChangeAspect="1"/>
+          </p:cNvSpPr>
+          <p:nvPr>
+            <p:ph type="sldImg"/>
+          </p:nvPr>
+        </p:nvSpPr>
+        <p:spPr/>
+      </p:sp>
+      <p:sp>
+        <p:nvSpPr>
+          <p:cNvPr id="3" name="备注占位符 2"/>
+          <p:cNvSpPr>
+            <a:spLocks noGrp="1"/>
+          </p:cNvSpPr>
+          <p:nvPr>
+            <p:ph type="body" idx="1"/>
+          </p:nvPr>
+        </p:nvSpPr>
+        <p:spPr/>
+        <p:txBody>
+          <a:bodyPr/>
+          <a:lstStyle/>
+          <a:p>
+            <a:pPr marL="0" marR="0" lvl="0" indent="0" algn="l" defTabSz="914400" rtl="0" eaLnBrk="1" fontAlgn="auto" latinLnBrk="0" hangingPunct="1">
+              <a:lnSpc>
+                <a:spcPct val="100000"/>
+              </a:lnSpc>
+              <a:spcBef>
+                <a:spcPts val="0"/>
+              </a:spcBef>
+              <a:spcAft>
+                <a:spcPts val="0"/>
+              </a:spcAft>
+              <a:buClrTx/>
+              <a:buSzTx/>
+              <a:buFontTx/>
+              <a:buNone/>
+              <a:tabLst/>
+              <a:defRPr/>
+            </a:pPr>
+            <a:r>
+              <a:rPr lang="zh-CN" altLang="en-US" dirty="0">
+                <a:solidFill>
+                  <a:schemeClr val="bg1"/>
+                </a:solidFill>
+              </a:rPr>
+              <a:t>巨石应用：</a:t>
+            </a:r>
+            <a:r>
+              <a:rPr lang="zh-CN" altLang="en-US" i="0" dirty="0">
+                <a:solidFill>
+                  <a:schemeClr val="bg1"/>
+                </a:solidFill>
+                <a:effectLst/>
+                <a:latin typeface="-apple-system"/>
+              </a:rPr>
+              <a:t>随着公司业务的不断发展，应用开始变得庞大臃肿，逐渐成为一个巨石应用，难以维护不说，每次开发、上线新需求时还需要花费不少的时间来构建项目，对开发人员的开发效率和体验都造成了不好的影响。</a:t>
+            </a:r>
+            <a:endParaRPr lang="en-US" altLang="zh-CN" i="0" dirty="0">
+              <a:solidFill>
+                <a:schemeClr val="bg1"/>
+              </a:solidFill>
+              <a:effectLst/>
+              <a:latin typeface="-apple-system"/>
+            </a:endParaRPr>
+          </a:p>
+          <a:p>
+            <a:pPr marL="0" marR="0" lvl="0" indent="0" algn="l" defTabSz="914400" rtl="0" eaLnBrk="1" fontAlgn="auto" latinLnBrk="0" hangingPunct="1">
+              <a:lnSpc>
+                <a:spcPct val="100000"/>
+              </a:lnSpc>
+              <a:spcBef>
+                <a:spcPts val="0"/>
+              </a:spcBef>
+              <a:spcAft>
+                <a:spcPts val="0"/>
+              </a:spcAft>
+              <a:buClrTx/>
+              <a:buSzTx/>
+              <a:buFontTx/>
+              <a:buNone/>
+              <a:tabLst/>
+              <a:defRPr/>
+            </a:pPr>
+            <a:r>
+              <a:rPr lang="zh-CN" altLang="en-US" i="0" dirty="0">
+                <a:solidFill>
+                  <a:schemeClr val="bg1"/>
+                </a:solidFill>
+                <a:effectLst/>
+                <a:latin typeface="-apple-system"/>
+              </a:rPr>
+              <a:t>因此将一个巨石应用拆分为多个子应用势在必行。一般情况下，我们会基于业务来拆分应用。每个应用都有一个自己的仓库，独立开发、独立部署、独立访问、独立维护，还可以根据团队的特点自主选择适合自己的技术栈，极大的提升了开发人员的效率和体验。</a:t>
+            </a:r>
+            <a:endParaRPr lang="zh-CN" altLang="en-US" dirty="0">
+              <a:solidFill>
+                <a:schemeClr val="bg1"/>
+              </a:solidFill>
+            </a:endParaRPr>
+          </a:p>
+          <a:p>
+            <a:endParaRPr lang="zh-CN" altLang="en-US" dirty="0"/>
+          </a:p>
+        </p:txBody>
+      </p:sp>
+      <p:sp>
+        <p:nvSpPr>
+          <p:cNvPr id="4" name="灯片编号占位符 3"/>
+          <p:cNvSpPr>
+            <a:spLocks noGrp="1"/>
+          </p:cNvSpPr>
+          <p:nvPr>
+            <p:ph type="sldNum" sz="quarter" idx="5"/>
+          </p:nvPr>
+        </p:nvSpPr>
+        <p:spPr/>
+        <p:txBody>
+          <a:bodyPr/>
+          <a:lstStyle/>
+          <a:p>
+            <a:fld id="{2EA3E182-4875-4591-9938-0BEA291C19C1}" type="slidenum">
+              <a:rPr lang="zh-CN" altLang="en-US" smtClean="0"/>
+              <a:t>3</a:t>
+            </a:fld>
+            <a:endParaRPr lang="zh-CN" altLang="en-US"/>
+          </a:p>
+        </p:txBody>
+      </p:sp>
+    </p:spTree>
+    <p:extLst>
+      <p:ext uri="{BB962C8B-B14F-4D97-AF65-F5344CB8AC3E}">
+        <p14:creationId xmlns:p14="http://schemas.microsoft.com/office/powerpoint/2010/main" val="1396333788"/>
+      </p:ext>
+    </p:extLst>
+  </p:cSld>
+  <p:clrMapOvr>
+    <a:masterClrMapping/>
+  </p:clrMapOvr>
+</p:notes>
+</file>
+
 <file path=ppt/slideLayouts/slideLayout1.xml><?xml version="1.0" encoding="utf-8"?>
 <p:sldLayout xmlns:a="http://schemas.openxmlformats.org/drawingml/2006/main" xmlns:r="http://schemas.openxmlformats.org/officeDocument/2006/relationships" xmlns:p="http://schemas.openxmlformats.org/presentationml/2006/main" type="title" preserve="1">
   <p:cSld name="标题幻灯片">
@@ -824,7 +986,7 @@
           <a:p>
             <a:fld id="{760FBDFE-C587-4B4C-A407-44438C67B59E}" type="datetimeFigureOut">
               <a:rPr lang="zh-CN" altLang="en-US" smtClean="0"/>
-              <a:t>2021/9/7</a:t>
+              <a:t>2021/9/15</a:t>
             </a:fld>
             <a:endParaRPr lang="zh-CN" altLang="en-US"/>
           </a:p>
@@ -923,7 +1085,7 @@
           <a:p>
             <a:fld id="{760FBDFE-C587-4B4C-A407-44438C67B59E}" type="datetimeFigureOut">
               <a:rPr lang="zh-CN" altLang="en-US" smtClean="0"/>
-              <a:t>2021/9/7</a:t>
+              <a:t>2021/9/15</a:t>
             </a:fld>
             <a:endParaRPr lang="zh-CN" altLang="en-US"/>
           </a:p>
@@ -1081,7 +1243,7 @@
           <a:p>
             <a:fld id="{760FBDFE-C587-4B4C-A407-44438C67B59E}" type="datetimeFigureOut">
               <a:rPr lang="zh-CN" altLang="en-US" smtClean="0"/>
-              <a:t>2021/9/7</a:t>
+              <a:t>2021/9/15</a:t>
             </a:fld>
             <a:endParaRPr lang="zh-CN" altLang="en-US"/>
           </a:p>
@@ -1366,7 +1528,7 @@
           <a:p>
             <a:fld id="{760FBDFE-C587-4B4C-A407-44438C67B59E}" type="datetimeFigureOut">
               <a:rPr lang="zh-CN" altLang="en-US" smtClean="0"/>
-              <a:t>2021/9/7</a:t>
+              <a:t>2021/9/15</a:t>
             </a:fld>
             <a:endParaRPr lang="zh-CN" altLang="en-US"/>
           </a:p>
@@ -1626,7 +1788,7 @@
           <a:p>
             <a:fld id="{760FBDFE-C587-4B4C-A407-44438C67B59E}" type="datetimeFigureOut">
               <a:rPr lang="zh-CN" altLang="en-US" smtClean="0"/>
-              <a:t>2021/9/7</a:t>
+              <a:t>2021/9/15</a:t>
             </a:fld>
             <a:endParaRPr lang="zh-CN" altLang="en-US"/>
           </a:p>
@@ -1892,7 +2054,7 @@
           <a:p>
             <a:fld id="{760FBDFE-C587-4B4C-A407-44438C67B59E}" type="datetimeFigureOut">
               <a:rPr lang="zh-CN" altLang="en-US" smtClean="0"/>
-              <a:t>2021/9/7</a:t>
+              <a:t>2021/9/15</a:t>
             </a:fld>
             <a:endParaRPr lang="zh-CN" altLang="en-US"/>
           </a:p>
@@ -2330,7 +2492,7 @@
           <a:p>
             <a:fld id="{760FBDFE-C587-4B4C-A407-44438C67B59E}" type="datetimeFigureOut">
               <a:rPr lang="zh-CN" altLang="en-US" smtClean="0"/>
-              <a:t>2021/9/7</a:t>
+              <a:t>2021/9/15</a:t>
             </a:fld>
             <a:endParaRPr lang="zh-CN" altLang="en-US"/>
           </a:p>
@@ -2464,7 +2626,7 @@
           <a:p>
             <a:fld id="{760FBDFE-C587-4B4C-A407-44438C67B59E}" type="datetimeFigureOut">
               <a:rPr lang="zh-CN" altLang="en-US" smtClean="0"/>
-              <a:t>2021/9/7</a:t>
+              <a:t>2021/9/15</a:t>
             </a:fld>
             <a:endParaRPr lang="zh-CN" altLang="en-US"/>
           </a:p>
@@ -2563,7 +2725,7 @@
           <a:p>
             <a:fld id="{760FBDFE-C587-4B4C-A407-44438C67B59E}" type="datetimeFigureOut">
               <a:rPr lang="zh-CN" altLang="en-US" smtClean="0"/>
-              <a:t>2021/9/7</a:t>
+              <a:t>2021/9/15</a:t>
             </a:fld>
             <a:endParaRPr lang="zh-CN" altLang="en-US"/>
           </a:p>
@@ -2739,7 +2901,7 @@
           <a:p>
             <a:fld id="{9EFD9D74-47D9-4702-A33C-335B63B48DBF}" type="datetimeFigureOut">
               <a:rPr lang="zh-CN" altLang="en-US" smtClean="0"/>
-              <a:t>2021/9/7</a:t>
+              <a:t>2021/9/15</a:t>
             </a:fld>
             <a:endParaRPr lang="zh-CN" altLang="en-US" dirty="0"/>
           </a:p>
@@ -2981,7 +3143,7 @@
           <a:p>
             <a:fld id="{760FBDFE-C587-4B4C-A407-44438C67B59E}" type="datetimeFigureOut">
               <a:rPr lang="zh-CN" altLang="en-US" smtClean="0"/>
-              <a:t>2021/9/7</a:t>
+              <a:t>2021/9/15</a:t>
             </a:fld>
             <a:endParaRPr lang="zh-CN" altLang="en-US"/>
           </a:p>
@@ -3215,7 +3377,7 @@
           <a:p>
             <a:fld id="{760FBDFE-C587-4B4C-A407-44438C67B59E}" type="datetimeFigureOut">
               <a:rPr lang="zh-CN" altLang="en-US" smtClean="0"/>
-              <a:t>2021/9/7</a:t>
+              <a:t>2021/9/15</a:t>
             </a:fld>
             <a:endParaRPr lang="zh-CN" altLang="en-US"/>
           </a:p>
@@ -5682,291 +5844,6 @@
           <p:cNvPr id="2" name="标题 1">
             <a:extLst>
               <a:ext uri="{FF2B5EF4-FFF2-40B4-BE49-F238E27FC236}">
-                <a16:creationId xmlns:a16="http://schemas.microsoft.com/office/drawing/2014/main" id="{AACAAD80-7958-4CD5-8224-91AFD122E695}"/>
-              </a:ext>
-            </a:extLst>
-          </p:cNvPr>
-          <p:cNvSpPr>
-            <a:spLocks noGrp="1"/>
-          </p:cNvSpPr>
-          <p:nvPr>
-            <p:ph type="title"/>
-          </p:nvPr>
-        </p:nvSpPr>
-        <p:spPr/>
-        <p:txBody>
-          <a:bodyPr/>
-          <a:lstStyle/>
-          <a:p>
-            <a:r>
-              <a:rPr lang="zh-CN" altLang="en-US" dirty="0">
-                <a:solidFill>
-                  <a:schemeClr val="bg1"/>
-                </a:solidFill>
-              </a:rPr>
-              <a:t>前言</a:t>
-            </a:r>
-          </a:p>
-        </p:txBody>
-      </p:sp>
-      <p:sp>
-        <p:nvSpPr>
-          <p:cNvPr id="3" name="内容占位符 2">
-            <a:extLst>
-              <a:ext uri="{FF2B5EF4-FFF2-40B4-BE49-F238E27FC236}">
-                <a16:creationId xmlns:a16="http://schemas.microsoft.com/office/drawing/2014/main" id="{9D106469-89A7-416E-B016-6815A680CBD0}"/>
-              </a:ext>
-            </a:extLst>
-          </p:cNvPr>
-          <p:cNvSpPr>
-            <a:spLocks noGrp="1"/>
-          </p:cNvSpPr>
-          <p:nvPr>
-            <p:ph idx="1"/>
-          </p:nvPr>
-        </p:nvSpPr>
-        <p:spPr/>
-        <p:txBody>
-          <a:bodyPr/>
-          <a:lstStyle/>
-          <a:p>
-            <a:r>
-              <a:rPr lang="zh-CN" altLang="en-US" dirty="0">
-                <a:solidFill>
-                  <a:schemeClr val="bg1"/>
-                </a:solidFill>
-              </a:rPr>
-              <a:t>巨石应用：</a:t>
-            </a:r>
-            <a:r>
-              <a:rPr lang="zh-CN" altLang="en-US" i="0" dirty="0">
-                <a:solidFill>
-                  <a:schemeClr val="bg1"/>
-                </a:solidFill>
-                <a:effectLst/>
-                <a:latin typeface="-apple-system"/>
-              </a:rPr>
-              <a:t>随着公司业务的不断发展，应用开始变得庞大臃肿，逐渐成为一个巨石应用，难以维护不说，每次开发、上线新需求时还需要花费不少的时间来构建项目，对开发人员的开发效率和体验都造成了不好的影响。</a:t>
-            </a:r>
-            <a:endParaRPr lang="en-US" altLang="zh-CN" i="0" dirty="0">
-              <a:solidFill>
-                <a:schemeClr val="bg1"/>
-              </a:solidFill>
-              <a:effectLst/>
-              <a:latin typeface="-apple-system"/>
-            </a:endParaRPr>
-          </a:p>
-          <a:p>
-            <a:r>
-              <a:rPr lang="zh-CN" altLang="en-US" i="0" dirty="0">
-                <a:solidFill>
-                  <a:schemeClr val="bg1"/>
-                </a:solidFill>
-                <a:effectLst/>
-                <a:latin typeface="-apple-system"/>
-              </a:rPr>
-              <a:t>因此将一个巨石应用拆分为多个子应用势在必行。一般情况下，我们会基于业务来拆分应用。每个应用都有一个自己的仓库，独立开发、独立部署、独立访问、独立维护，还可以根据团队的特点自主选择适合自己的技术栈，极大的提升了开发人员的效率和体验。</a:t>
-            </a:r>
-            <a:endParaRPr lang="zh-CN" altLang="en-US" dirty="0">
-              <a:solidFill>
-                <a:schemeClr val="bg1"/>
-              </a:solidFill>
-            </a:endParaRPr>
-          </a:p>
-        </p:txBody>
-      </p:sp>
-    </p:spTree>
-    <p:extLst>
-      <p:ext uri="{BB962C8B-B14F-4D97-AF65-F5344CB8AC3E}">
-        <p14:creationId xmlns:p14="http://schemas.microsoft.com/office/powerpoint/2010/main" val="2279415007"/>
-      </p:ext>
-    </p:extLst>
-  </p:cSld>
-  <p:clrMapOvr>
-    <a:masterClrMapping/>
-  </p:clrMapOvr>
-</p:sld>
-</file>
-
-<file path=ppt/slides/slide3.xml><?xml version="1.0" encoding="utf-8"?>
-<p:sld xmlns:a="http://schemas.openxmlformats.org/drawingml/2006/main" xmlns:r="http://schemas.openxmlformats.org/officeDocument/2006/relationships" xmlns:p="http://schemas.openxmlformats.org/presentationml/2006/main">
-  <p:cSld>
-    <p:spTree>
-      <p:nvGrpSpPr>
-        <p:cNvPr id="1" name=""/>
-        <p:cNvGrpSpPr/>
-        <p:nvPr/>
-      </p:nvGrpSpPr>
-      <p:grpSpPr>
-        <a:xfrm>
-          <a:off x="0" y="0"/>
-          <a:ext cx="0" cy="0"/>
-          <a:chOff x="0" y="0"/>
-          <a:chExt cx="0" cy="0"/>
-        </a:xfrm>
-      </p:grpSpPr>
-      <p:sp>
-        <p:nvSpPr>
-          <p:cNvPr id="2" name="标题 1">
-            <a:extLst>
-              <a:ext uri="{FF2B5EF4-FFF2-40B4-BE49-F238E27FC236}">
-                <a16:creationId xmlns:a16="http://schemas.microsoft.com/office/drawing/2014/main" id="{8CC9DFCA-6BEF-4526-A5A9-66EFCE5AFDBC}"/>
-              </a:ext>
-            </a:extLst>
-          </p:cNvPr>
-          <p:cNvSpPr>
-            <a:spLocks noGrp="1"/>
-          </p:cNvSpPr>
-          <p:nvPr>
-            <p:ph type="title"/>
-          </p:nvPr>
-        </p:nvSpPr>
-        <p:spPr/>
-        <p:txBody>
-          <a:bodyPr/>
-          <a:lstStyle/>
-          <a:p>
-            <a:r>
-              <a:rPr lang="zh-CN" altLang="en-US" dirty="0">
-                <a:solidFill>
-                  <a:schemeClr val="bg1"/>
-                </a:solidFill>
-              </a:rPr>
-              <a:t>什么是微前端</a:t>
-            </a:r>
-          </a:p>
-        </p:txBody>
-      </p:sp>
-      <p:sp>
-        <p:nvSpPr>
-          <p:cNvPr id="3" name="内容占位符 2">
-            <a:extLst>
-              <a:ext uri="{FF2B5EF4-FFF2-40B4-BE49-F238E27FC236}">
-                <a16:creationId xmlns:a16="http://schemas.microsoft.com/office/drawing/2014/main" id="{0957C590-63CB-412E-89CC-C8B4BD41B4DB}"/>
-              </a:ext>
-            </a:extLst>
-          </p:cNvPr>
-          <p:cNvSpPr>
-            <a:spLocks noGrp="1"/>
-          </p:cNvSpPr>
-          <p:nvPr>
-            <p:ph idx="1"/>
-          </p:nvPr>
-        </p:nvSpPr>
-        <p:spPr/>
-        <p:txBody>
-          <a:bodyPr/>
-          <a:lstStyle/>
-          <a:p>
-            <a:r>
-              <a:rPr lang="zh-CN" altLang="en-US" dirty="0">
-                <a:solidFill>
-                  <a:schemeClr val="bg1"/>
-                </a:solidFill>
-              </a:rPr>
-              <a:t>微前端（</a:t>
-            </a:r>
-            <a:r>
-              <a:rPr lang="en-US" altLang="zh-CN" dirty="0">
-                <a:solidFill>
-                  <a:schemeClr val="bg1"/>
-                </a:solidFill>
-              </a:rPr>
-              <a:t>Micro-Frontends</a:t>
-            </a:r>
-            <a:r>
-              <a:rPr lang="zh-CN" altLang="en-US" dirty="0">
-                <a:solidFill>
-                  <a:schemeClr val="bg1"/>
-                </a:solidFill>
-              </a:rPr>
-              <a:t>）是一种类似于微服务的架构，它将微服务的理念应用于浏览器端，即将</a:t>
-            </a:r>
-            <a:r>
-              <a:rPr lang="en-US" altLang="zh-CN" dirty="0">
-                <a:solidFill>
-                  <a:schemeClr val="bg1"/>
-                </a:solidFill>
-              </a:rPr>
-              <a:t>Web</a:t>
-            </a:r>
-            <a:r>
-              <a:rPr lang="zh-CN" altLang="en-US" dirty="0">
-                <a:solidFill>
-                  <a:schemeClr val="bg1"/>
-                </a:solidFill>
-              </a:rPr>
-              <a:t>应用由单一的单体应用转变为由多个小型前端应用聚合在一起的应用。各个前端应用还可以独立运行、独立开发、独立部署。微前端不再是单纯的前端框架或者工具，而是一套架构体系。</a:t>
-            </a:r>
-            <a:endParaRPr lang="en-US" altLang="zh-CN" dirty="0">
-              <a:solidFill>
-                <a:schemeClr val="bg1"/>
-              </a:solidFill>
-            </a:endParaRPr>
-          </a:p>
-          <a:p>
-            <a:r>
-              <a:rPr lang="zh-CN" altLang="en-US" dirty="0">
-                <a:solidFill>
-                  <a:schemeClr val="bg1"/>
-                </a:solidFill>
-              </a:rPr>
-              <a:t>微前端是一种多个团队通过独立发布功能的方式来共同构建现代化 </a:t>
-            </a:r>
-            <a:r>
-              <a:rPr lang="en-US" altLang="zh-CN" dirty="0">
-                <a:solidFill>
-                  <a:schemeClr val="bg1"/>
-                </a:solidFill>
-              </a:rPr>
-              <a:t>web </a:t>
-            </a:r>
-            <a:r>
-              <a:rPr lang="zh-CN" altLang="en-US" dirty="0">
-                <a:solidFill>
-                  <a:schemeClr val="bg1"/>
-                </a:solidFill>
-              </a:rPr>
-              <a:t>应用的技术手段及方法策略。</a:t>
-            </a:r>
-          </a:p>
-        </p:txBody>
-      </p:sp>
-    </p:spTree>
-    <p:extLst>
-      <p:ext uri="{BB962C8B-B14F-4D97-AF65-F5344CB8AC3E}">
-        <p14:creationId xmlns:p14="http://schemas.microsoft.com/office/powerpoint/2010/main" val="2868383086"/>
-      </p:ext>
-    </p:extLst>
-  </p:cSld>
-  <p:clrMapOvr>
-    <a:masterClrMapping/>
-  </p:clrMapOvr>
-</p:sld>
-</file>
-
-<file path=ppt/slides/slide4.xml><?xml version="1.0" encoding="utf-8"?>
-<p:sld xmlns:a="http://schemas.openxmlformats.org/drawingml/2006/main" xmlns:r="http://schemas.openxmlformats.org/officeDocument/2006/relationships" xmlns:p="http://schemas.openxmlformats.org/presentationml/2006/main">
-  <p:cSld>
-    <p:spTree>
-      <p:nvGrpSpPr>
-        <p:cNvPr id="1" name=""/>
-        <p:cNvGrpSpPr/>
-        <p:nvPr/>
-      </p:nvGrpSpPr>
-      <p:grpSpPr>
-        <a:xfrm>
-          <a:off x="0" y="0"/>
-          <a:ext cx="0" cy="0"/>
-          <a:chOff x="0" y="0"/>
-          <a:chExt cx="0" cy="0"/>
-        </a:xfrm>
-      </p:grpSpPr>
-      <p:sp>
-        <p:nvSpPr>
-          <p:cNvPr id="2" name="标题 1">
-            <a:extLst>
-              <a:ext uri="{FF2B5EF4-FFF2-40B4-BE49-F238E27FC236}">
                 <a16:creationId xmlns:a16="http://schemas.microsoft.com/office/drawing/2014/main" id="{7CB36DE7-400B-4129-8A1C-C0E494945F4C}"/>
               </a:ext>
             </a:extLst>
@@ -6038,6 +5915,259 @@
     <p:extLst>
       <p:ext uri="{BB962C8B-B14F-4D97-AF65-F5344CB8AC3E}">
         <p14:creationId xmlns:p14="http://schemas.microsoft.com/office/powerpoint/2010/main" val="3116453119"/>
+      </p:ext>
+    </p:extLst>
+  </p:cSld>
+  <p:clrMapOvr>
+    <a:masterClrMapping/>
+  </p:clrMapOvr>
+</p:sld>
+</file>
+
+<file path=ppt/slides/slide3.xml><?xml version="1.0" encoding="utf-8"?>
+<p:sld xmlns:a="http://schemas.openxmlformats.org/drawingml/2006/main" xmlns:r="http://schemas.openxmlformats.org/officeDocument/2006/relationships" xmlns:p="http://schemas.openxmlformats.org/presentationml/2006/main">
+  <p:cSld>
+    <p:spTree>
+      <p:nvGrpSpPr>
+        <p:cNvPr id="1" name=""/>
+        <p:cNvGrpSpPr/>
+        <p:nvPr/>
+      </p:nvGrpSpPr>
+      <p:grpSpPr>
+        <a:xfrm>
+          <a:off x="0" y="0"/>
+          <a:ext cx="0" cy="0"/>
+          <a:chOff x="0" y="0"/>
+          <a:chExt cx="0" cy="0"/>
+        </a:xfrm>
+      </p:grpSpPr>
+      <p:sp>
+        <p:nvSpPr>
+          <p:cNvPr id="2" name="标题 1">
+            <a:extLst>
+              <a:ext uri="{FF2B5EF4-FFF2-40B4-BE49-F238E27FC236}">
+                <a16:creationId xmlns:a16="http://schemas.microsoft.com/office/drawing/2014/main" id="{AACAAD80-7958-4CD5-8224-91AFD122E695}"/>
+              </a:ext>
+            </a:extLst>
+          </p:cNvPr>
+          <p:cNvSpPr>
+            <a:spLocks noGrp="1"/>
+          </p:cNvSpPr>
+          <p:nvPr>
+            <p:ph type="title"/>
+          </p:nvPr>
+        </p:nvSpPr>
+        <p:spPr/>
+        <p:txBody>
+          <a:bodyPr/>
+          <a:lstStyle/>
+          <a:p>
+            <a:r>
+              <a:rPr lang="zh-CN" altLang="en-US" dirty="0">
+                <a:solidFill>
+                  <a:schemeClr val="bg1"/>
+                </a:solidFill>
+              </a:rPr>
+              <a:t>巨石应用</a:t>
+            </a:r>
+          </a:p>
+        </p:txBody>
+      </p:sp>
+      <p:sp>
+        <p:nvSpPr>
+          <p:cNvPr id="3" name="内容占位符 2">
+            <a:extLst>
+              <a:ext uri="{FF2B5EF4-FFF2-40B4-BE49-F238E27FC236}">
+                <a16:creationId xmlns:a16="http://schemas.microsoft.com/office/drawing/2014/main" id="{9D106469-89A7-416E-B016-6815A680CBD0}"/>
+              </a:ext>
+            </a:extLst>
+          </p:cNvPr>
+          <p:cNvSpPr>
+            <a:spLocks noGrp="1"/>
+          </p:cNvSpPr>
+          <p:nvPr>
+            <p:ph idx="1"/>
+          </p:nvPr>
+        </p:nvSpPr>
+        <p:spPr>
+          <a:xfrm>
+            <a:off x="608400" y="1393371"/>
+            <a:ext cx="10969200" cy="4856229"/>
+          </a:xfrm>
+        </p:spPr>
+        <p:txBody>
+          <a:bodyPr/>
+          <a:lstStyle/>
+          <a:p>
+            <a:endParaRPr lang="zh-CN" altLang="en-US" dirty="0">
+              <a:solidFill>
+                <a:schemeClr val="bg1"/>
+              </a:solidFill>
+            </a:endParaRPr>
+          </a:p>
+        </p:txBody>
+      </p:sp>
+    </p:spTree>
+    <p:extLst>
+      <p:ext uri="{BB962C8B-B14F-4D97-AF65-F5344CB8AC3E}">
+        <p14:creationId xmlns:p14="http://schemas.microsoft.com/office/powerpoint/2010/main" val="2279415007"/>
+      </p:ext>
+    </p:extLst>
+  </p:cSld>
+  <p:clrMapOvr>
+    <a:masterClrMapping/>
+  </p:clrMapOvr>
+</p:sld>
+</file>
+
+<file path=ppt/slides/slide4.xml><?xml version="1.0" encoding="utf-8"?>
+<p:sld xmlns:a="http://schemas.openxmlformats.org/drawingml/2006/main" xmlns:r="http://schemas.openxmlformats.org/officeDocument/2006/relationships" xmlns:p="http://schemas.openxmlformats.org/presentationml/2006/main">
+  <p:cSld>
+    <p:spTree>
+      <p:nvGrpSpPr>
+        <p:cNvPr id="1" name=""/>
+        <p:cNvGrpSpPr/>
+        <p:nvPr/>
+      </p:nvGrpSpPr>
+      <p:grpSpPr>
+        <a:xfrm>
+          <a:off x="0" y="0"/>
+          <a:ext cx="0" cy="0"/>
+          <a:chOff x="0" y="0"/>
+          <a:chExt cx="0" cy="0"/>
+        </a:xfrm>
+      </p:grpSpPr>
+      <p:sp>
+        <p:nvSpPr>
+          <p:cNvPr id="2" name="标题 1">
+            <a:extLst>
+              <a:ext uri="{FF2B5EF4-FFF2-40B4-BE49-F238E27FC236}">
+                <a16:creationId xmlns:a16="http://schemas.microsoft.com/office/drawing/2014/main" id="{8CC9DFCA-6BEF-4526-A5A9-66EFCE5AFDBC}"/>
+              </a:ext>
+            </a:extLst>
+          </p:cNvPr>
+          <p:cNvSpPr>
+            <a:spLocks noGrp="1"/>
+          </p:cNvSpPr>
+          <p:nvPr>
+            <p:ph type="title"/>
+          </p:nvPr>
+        </p:nvSpPr>
+        <p:spPr/>
+        <p:txBody>
+          <a:bodyPr/>
+          <a:lstStyle/>
+          <a:p>
+            <a:r>
+              <a:rPr lang="zh-CN" altLang="en-US" dirty="0">
+                <a:solidFill>
+                  <a:schemeClr val="bg1"/>
+                </a:solidFill>
+              </a:rPr>
+              <a:t>什么是微前端</a:t>
+            </a:r>
+          </a:p>
+        </p:txBody>
+      </p:sp>
+      <p:sp>
+        <p:nvSpPr>
+          <p:cNvPr id="3" name="内容占位符 2">
+            <a:extLst>
+              <a:ext uri="{FF2B5EF4-FFF2-40B4-BE49-F238E27FC236}">
+                <a16:creationId xmlns:a16="http://schemas.microsoft.com/office/drawing/2014/main" id="{0957C590-63CB-412E-89CC-C8B4BD41B4DB}"/>
+              </a:ext>
+            </a:extLst>
+          </p:cNvPr>
+          <p:cNvSpPr>
+            <a:spLocks noGrp="1"/>
+          </p:cNvSpPr>
+          <p:nvPr>
+            <p:ph idx="1"/>
+          </p:nvPr>
+        </p:nvSpPr>
+        <p:spPr/>
+        <p:txBody>
+          <a:bodyPr/>
+          <a:lstStyle/>
+          <a:p>
+            <a:r>
+              <a:rPr lang="zh-CN" altLang="en-US" dirty="0">
+                <a:solidFill>
+                  <a:schemeClr val="bg1"/>
+                </a:solidFill>
+              </a:rPr>
+              <a:t>微前端（</a:t>
+            </a:r>
+            <a:r>
+              <a:rPr lang="en-US" altLang="zh-CN" dirty="0">
+                <a:solidFill>
+                  <a:schemeClr val="bg1"/>
+                </a:solidFill>
+              </a:rPr>
+              <a:t>Micro-Frontends</a:t>
+            </a:r>
+            <a:r>
+              <a:rPr lang="zh-CN" altLang="en-US" dirty="0">
+                <a:solidFill>
+                  <a:schemeClr val="bg1"/>
+                </a:solidFill>
+              </a:rPr>
+              <a:t>）是一种类似于微服务的架构，它将微服务的理念应用于浏览器端，即将</a:t>
+            </a:r>
+            <a:r>
+              <a:rPr lang="en-US" altLang="zh-CN" dirty="0">
+                <a:solidFill>
+                  <a:schemeClr val="bg1"/>
+                </a:solidFill>
+              </a:rPr>
+              <a:t>Web</a:t>
+            </a:r>
+            <a:r>
+              <a:rPr lang="zh-CN" altLang="en-US" dirty="0">
+                <a:solidFill>
+                  <a:schemeClr val="bg1"/>
+                </a:solidFill>
+              </a:rPr>
+              <a:t>应用由单一的单体应用转变为由多个小型前端应用聚合在一起的应用。各个前端应用还可以独立运行、独立开发、独立部署。微前端不再是单纯的前端框架或者工具，而是一套架构体系。</a:t>
+            </a:r>
+            <a:endParaRPr lang="en-US" altLang="zh-CN" dirty="0">
+              <a:solidFill>
+                <a:schemeClr val="bg1"/>
+              </a:solidFill>
+            </a:endParaRPr>
+          </a:p>
+          <a:p>
+            <a:r>
+              <a:rPr lang="zh-CN" altLang="en-US" dirty="0">
+                <a:solidFill>
+                  <a:schemeClr val="bg1"/>
+                </a:solidFill>
+              </a:rPr>
+              <a:t>微前端是一种多个团队通过独立发布功能的方式来共同构建现代化 </a:t>
+            </a:r>
+            <a:r>
+              <a:rPr lang="en-US" altLang="zh-CN" dirty="0">
+                <a:solidFill>
+                  <a:schemeClr val="bg1"/>
+                </a:solidFill>
+              </a:rPr>
+              <a:t>web </a:t>
+            </a:r>
+            <a:r>
+              <a:rPr lang="zh-CN" altLang="en-US" dirty="0">
+                <a:solidFill>
+                  <a:schemeClr val="bg1"/>
+                </a:solidFill>
+              </a:rPr>
+              <a:t>应用的技术手段及方法策略。</a:t>
+            </a:r>
+          </a:p>
+        </p:txBody>
+      </p:sp>
+    </p:spTree>
+    <p:extLst>
+      <p:ext uri="{BB962C8B-B14F-4D97-AF65-F5344CB8AC3E}">
+        <p14:creationId xmlns:p14="http://schemas.microsoft.com/office/powerpoint/2010/main" val="2868383086"/>
       </p:ext>
     </p:extLst>
   </p:cSld>

--- a/MicroFrontends/MicroFrontEnds.pptx
+++ b/MicroFrontends/MicroFrontEnds.pptx
@@ -5,17 +5,18 @@
     <p:sldMasterId id="2147483648" r:id="rId1"/>
   </p:sldMasterIdLst>
   <p:notesMasterIdLst>
-    <p:notesMasterId r:id="rId7"/>
+    <p:notesMasterId r:id="rId8"/>
   </p:notesMasterIdLst>
   <p:handoutMasterIdLst>
-    <p:handoutMasterId r:id="rId8"/>
+    <p:handoutMasterId r:id="rId9"/>
   </p:handoutMasterIdLst>
   <p:sldIdLst>
-    <p:sldId id="256" r:id="rId2"/>
+    <p:sldId id="257" r:id="rId2"/>
     <p:sldId id="259" r:id="rId3"/>
-    <p:sldId id="258" r:id="rId4"/>
-    <p:sldId id="257" r:id="rId5"/>
-    <p:sldId id="260" r:id="rId6"/>
+    <p:sldId id="260" r:id="rId4"/>
+    <p:sldId id="258" r:id="rId5"/>
+    <p:sldId id="261" r:id="rId6"/>
+    <p:sldId id="256" r:id="rId7"/>
   </p:sldIdLst>
   <p:sldSz cx="12192000" cy="6858000"/>
   <p:notesSz cx="6858000" cy="9144000"/>
@@ -219,7 +220,7 @@
           <a:p>
             <a:fld id="{BA35FD46-AEB9-4C59-AC85-4055F2AA7DF2}" type="datetimeFigureOut">
               <a:rPr lang="zh-CN" altLang="en-US" smtClean="0"/>
-              <a:t>2021/9/15</a:t>
+              <a:t>2021/9/22</a:t>
             </a:fld>
             <a:endParaRPr lang="zh-CN" altLang="en-US"/>
           </a:p>
@@ -396,7 +397,7 @@
           <a:p>
             <a:fld id="{8B9BF9A6-4856-4844-83F7-E6C95F935DBC}" type="datetimeFigureOut">
               <a:rPr lang="zh-CN" altLang="en-US" smtClean="0"/>
-              <a:t>2021/9/15</a:t>
+              <a:t>2021/9/22</a:t>
             </a:fld>
             <a:endParaRPr lang="zh-CN" altLang="en-US"/>
           </a:p>
@@ -723,6 +724,90 @@
           <a:bodyPr/>
           <a:lstStyle/>
           <a:p>
+            <a:endParaRPr lang="zh-CN" altLang="en-US" dirty="0"/>
+          </a:p>
+        </p:txBody>
+      </p:sp>
+      <p:sp>
+        <p:nvSpPr>
+          <p:cNvPr id="4" name="灯片编号占位符 3"/>
+          <p:cNvSpPr>
+            <a:spLocks noGrp="1"/>
+          </p:cNvSpPr>
+          <p:nvPr>
+            <p:ph type="sldNum" sz="quarter" idx="5"/>
+          </p:nvPr>
+        </p:nvSpPr>
+        <p:spPr/>
+        <p:txBody>
+          <a:bodyPr/>
+          <a:lstStyle/>
+          <a:p>
+            <a:fld id="{2EA3E182-4875-4591-9938-0BEA291C19C1}" type="slidenum">
+              <a:rPr lang="zh-CN" altLang="en-US" smtClean="0"/>
+              <a:t>2</a:t>
+            </a:fld>
+            <a:endParaRPr lang="zh-CN" altLang="en-US"/>
+          </a:p>
+        </p:txBody>
+      </p:sp>
+    </p:spTree>
+    <p:extLst>
+      <p:ext uri="{BB962C8B-B14F-4D97-AF65-F5344CB8AC3E}">
+        <p14:creationId xmlns:p14="http://schemas.microsoft.com/office/powerpoint/2010/main" val="3115844807"/>
+      </p:ext>
+    </p:extLst>
+  </p:cSld>
+  <p:clrMapOvr>
+    <a:masterClrMapping/>
+  </p:clrMapOvr>
+</p:notes>
+</file>
+
+<file path=ppt/notesSlides/notesSlide2.xml><?xml version="1.0" encoding="utf-8"?>
+<p:notes xmlns:a="http://schemas.openxmlformats.org/drawingml/2006/main" xmlns:r="http://schemas.openxmlformats.org/officeDocument/2006/relationships" xmlns:p="http://schemas.openxmlformats.org/presentationml/2006/main">
+  <p:cSld>
+    <p:spTree>
+      <p:nvGrpSpPr>
+        <p:cNvPr id="1" name=""/>
+        <p:cNvGrpSpPr/>
+        <p:nvPr/>
+      </p:nvGrpSpPr>
+      <p:grpSpPr>
+        <a:xfrm>
+          <a:off x="0" y="0"/>
+          <a:ext cx="0" cy="0"/>
+          <a:chOff x="0" y="0"/>
+          <a:chExt cx="0" cy="0"/>
+        </a:xfrm>
+      </p:grpSpPr>
+      <p:sp>
+        <p:nvSpPr>
+          <p:cNvPr id="2" name="幻灯片图像占位符 1"/>
+          <p:cNvSpPr>
+            <a:spLocks noGrp="1" noRot="1" noChangeAspect="1"/>
+          </p:cNvSpPr>
+          <p:nvPr>
+            <p:ph type="sldImg"/>
+          </p:nvPr>
+        </p:nvSpPr>
+        <p:spPr/>
+      </p:sp>
+      <p:sp>
+        <p:nvSpPr>
+          <p:cNvPr id="3" name="备注占位符 2"/>
+          <p:cNvSpPr>
+            <a:spLocks noGrp="1"/>
+          </p:cNvSpPr>
+          <p:nvPr>
+            <p:ph type="body" idx="1"/>
+          </p:nvPr>
+        </p:nvSpPr>
+        <p:spPr/>
+        <p:txBody>
+          <a:bodyPr/>
+          <a:lstStyle/>
+          <a:p>
             <a:pPr marL="0" marR="0" lvl="0" indent="0" algn="l" defTabSz="914400" rtl="0" eaLnBrk="1" fontAlgn="auto" latinLnBrk="0" hangingPunct="1">
               <a:lnSpc>
                 <a:spcPct val="100000"/>
@@ -800,9 +885,6 @@
               </a:solidFill>
             </a:endParaRPr>
           </a:p>
-          <a:p>
-            <a:endParaRPr lang="zh-CN" altLang="en-US" dirty="0"/>
-          </a:p>
         </p:txBody>
       </p:sp>
       <p:sp>
@@ -823,6 +905,117 @@
             <a:fld id="{2EA3E182-4875-4591-9938-0BEA291C19C1}" type="slidenum">
               <a:rPr lang="zh-CN" altLang="en-US" smtClean="0"/>
               <a:t>3</a:t>
+            </a:fld>
+            <a:endParaRPr lang="zh-CN" altLang="en-US"/>
+          </a:p>
+        </p:txBody>
+      </p:sp>
+    </p:spTree>
+    <p:extLst>
+      <p:ext uri="{BB962C8B-B14F-4D97-AF65-F5344CB8AC3E}">
+        <p14:creationId xmlns:p14="http://schemas.microsoft.com/office/powerpoint/2010/main" val="671679555"/>
+      </p:ext>
+    </p:extLst>
+  </p:cSld>
+  <p:clrMapOvr>
+    <a:masterClrMapping/>
+  </p:clrMapOvr>
+</p:notes>
+</file>
+
+<file path=ppt/notesSlides/notesSlide3.xml><?xml version="1.0" encoding="utf-8"?>
+<p:notes xmlns:a="http://schemas.openxmlformats.org/drawingml/2006/main" xmlns:r="http://schemas.openxmlformats.org/officeDocument/2006/relationships" xmlns:p="http://schemas.openxmlformats.org/presentationml/2006/main">
+  <p:cSld>
+    <p:spTree>
+      <p:nvGrpSpPr>
+        <p:cNvPr id="1" name=""/>
+        <p:cNvGrpSpPr/>
+        <p:nvPr/>
+      </p:nvGrpSpPr>
+      <p:grpSpPr>
+        <a:xfrm>
+          <a:off x="0" y="0"/>
+          <a:ext cx="0" cy="0"/>
+          <a:chOff x="0" y="0"/>
+          <a:chExt cx="0" cy="0"/>
+        </a:xfrm>
+      </p:grpSpPr>
+      <p:sp>
+        <p:nvSpPr>
+          <p:cNvPr id="2" name="幻灯片图像占位符 1"/>
+          <p:cNvSpPr>
+            <a:spLocks noGrp="1" noRot="1" noChangeAspect="1"/>
+          </p:cNvSpPr>
+          <p:nvPr>
+            <p:ph type="sldImg"/>
+          </p:nvPr>
+        </p:nvSpPr>
+        <p:spPr/>
+      </p:sp>
+      <p:sp>
+        <p:nvSpPr>
+          <p:cNvPr id="3" name="备注占位符 2"/>
+          <p:cNvSpPr>
+            <a:spLocks noGrp="1"/>
+          </p:cNvSpPr>
+          <p:nvPr>
+            <p:ph type="body" idx="1"/>
+          </p:nvPr>
+        </p:nvSpPr>
+        <p:spPr/>
+        <p:txBody>
+          <a:bodyPr/>
+          <a:lstStyle/>
+          <a:p>
+            <a:pPr marL="0" marR="0" lvl="0" indent="0" algn="l" defTabSz="914400" rtl="0" eaLnBrk="1" fontAlgn="auto" latinLnBrk="0" hangingPunct="1">
+              <a:lnSpc>
+                <a:spcPct val="100000"/>
+              </a:lnSpc>
+              <a:spcBef>
+                <a:spcPts val="0"/>
+              </a:spcBef>
+              <a:spcAft>
+                <a:spcPts val="0"/>
+              </a:spcAft>
+              <a:buClrTx/>
+              <a:buSzTx/>
+              <a:buFontTx/>
+              <a:buNone/>
+              <a:tabLst/>
+              <a:defRPr/>
+            </a:pPr>
+            <a:r>
+              <a:rPr lang="zh-CN" altLang="en-US" b="0" i="0" dirty="0">
+                <a:solidFill>
+                  <a:srgbClr val="333333"/>
+                </a:solidFill>
+                <a:effectLst/>
+                <a:latin typeface="Open Sans" panose="020B0606030504020204" pitchFamily="34" charset="0"/>
+              </a:rPr>
+              <a:t>实现微前端的方式有很多种，这只是我找到的其中四种比较常见的，关于微前端的实现方式我就不过多的和大家进行探讨，今天主要是和大家一起学习交流微前端的这种思想。</a:t>
+            </a:r>
+            <a:endParaRPr lang="zh-CN" altLang="en-US" dirty="0"/>
+          </a:p>
+        </p:txBody>
+      </p:sp>
+      <p:sp>
+        <p:nvSpPr>
+          <p:cNvPr id="4" name="灯片编号占位符 3"/>
+          <p:cNvSpPr>
+            <a:spLocks noGrp="1"/>
+          </p:cNvSpPr>
+          <p:nvPr>
+            <p:ph type="sldNum" sz="quarter" idx="5"/>
+          </p:nvPr>
+        </p:nvSpPr>
+        <p:spPr/>
+        <p:txBody>
+          <a:bodyPr/>
+          <a:lstStyle/>
+          <a:p>
+            <a:fld id="{2EA3E182-4875-4591-9938-0BEA291C19C1}" type="slidenum">
+              <a:rPr lang="zh-CN" altLang="en-US" smtClean="0"/>
+              <a:t>4</a:t>
             </a:fld>
             <a:endParaRPr lang="zh-CN" altLang="en-US"/>
           </a:p>
@@ -986,7 +1179,7 @@
           <a:p>
             <a:fld id="{760FBDFE-C587-4B4C-A407-44438C67B59E}" type="datetimeFigureOut">
               <a:rPr lang="zh-CN" altLang="en-US" smtClean="0"/>
-              <a:t>2021/9/15</a:t>
+              <a:t>2021/9/22</a:t>
             </a:fld>
             <a:endParaRPr lang="zh-CN" altLang="en-US"/>
           </a:p>
@@ -1085,7 +1278,7 @@
           <a:p>
             <a:fld id="{760FBDFE-C587-4B4C-A407-44438C67B59E}" type="datetimeFigureOut">
               <a:rPr lang="zh-CN" altLang="en-US" smtClean="0"/>
-              <a:t>2021/9/15</a:t>
+              <a:t>2021/9/22</a:t>
             </a:fld>
             <a:endParaRPr lang="zh-CN" altLang="en-US"/>
           </a:p>
@@ -1243,7 +1436,7 @@
           <a:p>
             <a:fld id="{760FBDFE-C587-4B4C-A407-44438C67B59E}" type="datetimeFigureOut">
               <a:rPr lang="zh-CN" altLang="en-US" smtClean="0"/>
-              <a:t>2021/9/15</a:t>
+              <a:t>2021/9/22</a:t>
             </a:fld>
             <a:endParaRPr lang="zh-CN" altLang="en-US"/>
           </a:p>
@@ -1528,7 +1721,7 @@
           <a:p>
             <a:fld id="{760FBDFE-C587-4B4C-A407-44438C67B59E}" type="datetimeFigureOut">
               <a:rPr lang="zh-CN" altLang="en-US" smtClean="0"/>
-              <a:t>2021/9/15</a:t>
+              <a:t>2021/9/22</a:t>
             </a:fld>
             <a:endParaRPr lang="zh-CN" altLang="en-US"/>
           </a:p>
@@ -1788,7 +1981,7 @@
           <a:p>
             <a:fld id="{760FBDFE-C587-4B4C-A407-44438C67B59E}" type="datetimeFigureOut">
               <a:rPr lang="zh-CN" altLang="en-US" smtClean="0"/>
-              <a:t>2021/9/15</a:t>
+              <a:t>2021/9/22</a:t>
             </a:fld>
             <a:endParaRPr lang="zh-CN" altLang="en-US"/>
           </a:p>
@@ -2054,7 +2247,7 @@
           <a:p>
             <a:fld id="{760FBDFE-C587-4B4C-A407-44438C67B59E}" type="datetimeFigureOut">
               <a:rPr lang="zh-CN" altLang="en-US" smtClean="0"/>
-              <a:t>2021/9/15</a:t>
+              <a:t>2021/9/22</a:t>
             </a:fld>
             <a:endParaRPr lang="zh-CN" altLang="en-US"/>
           </a:p>
@@ -2492,7 +2685,7 @@
           <a:p>
             <a:fld id="{760FBDFE-C587-4B4C-A407-44438C67B59E}" type="datetimeFigureOut">
               <a:rPr lang="zh-CN" altLang="en-US" smtClean="0"/>
-              <a:t>2021/9/15</a:t>
+              <a:t>2021/9/22</a:t>
             </a:fld>
             <a:endParaRPr lang="zh-CN" altLang="en-US"/>
           </a:p>
@@ -2626,7 +2819,7 @@
           <a:p>
             <a:fld id="{760FBDFE-C587-4B4C-A407-44438C67B59E}" type="datetimeFigureOut">
               <a:rPr lang="zh-CN" altLang="en-US" smtClean="0"/>
-              <a:t>2021/9/15</a:t>
+              <a:t>2021/9/22</a:t>
             </a:fld>
             <a:endParaRPr lang="zh-CN" altLang="en-US"/>
           </a:p>
@@ -2725,7 +2918,7 @@
           <a:p>
             <a:fld id="{760FBDFE-C587-4B4C-A407-44438C67B59E}" type="datetimeFigureOut">
               <a:rPr lang="zh-CN" altLang="en-US" smtClean="0"/>
-              <a:t>2021/9/15</a:t>
+              <a:t>2021/9/22</a:t>
             </a:fld>
             <a:endParaRPr lang="zh-CN" altLang="en-US"/>
           </a:p>
@@ -2901,7 +3094,7 @@
           <a:p>
             <a:fld id="{9EFD9D74-47D9-4702-A33C-335B63B48DBF}" type="datetimeFigureOut">
               <a:rPr lang="zh-CN" altLang="en-US" smtClean="0"/>
-              <a:t>2021/9/15</a:t>
+              <a:t>2021/9/22</a:t>
             </a:fld>
             <a:endParaRPr lang="zh-CN" altLang="en-US" dirty="0"/>
           </a:p>
@@ -3143,7 +3336,7 @@
           <a:p>
             <a:fld id="{760FBDFE-C587-4B4C-A407-44438C67B59E}" type="datetimeFigureOut">
               <a:rPr lang="zh-CN" altLang="en-US" smtClean="0"/>
-              <a:t>2021/9/15</a:t>
+              <a:t>2021/9/22</a:t>
             </a:fld>
             <a:endParaRPr lang="zh-CN" altLang="en-US"/>
           </a:p>
@@ -3377,7 +3570,7 @@
           <a:p>
             <a:fld id="{760FBDFE-C587-4B4C-A407-44438C67B59E}" type="datetimeFigureOut">
               <a:rPr lang="zh-CN" altLang="en-US" smtClean="0"/>
-              <a:t>2021/9/15</a:t>
+              <a:t>2021/9/22</a:t>
             </a:fld>
             <a:endParaRPr lang="zh-CN" altLang="en-US"/>
           </a:p>
@@ -3841,6 +4034,2899 @@
       </p:grpSpPr>
       <p:sp>
         <p:nvSpPr>
+          <p:cNvPr id="2" name="标题 1">
+            <a:extLst>
+              <a:ext uri="{FF2B5EF4-FFF2-40B4-BE49-F238E27FC236}">
+                <a16:creationId xmlns:a16="http://schemas.microsoft.com/office/drawing/2014/main" id="{8CC9DFCA-6BEF-4526-A5A9-66EFCE5AFDBC}"/>
+              </a:ext>
+            </a:extLst>
+          </p:cNvPr>
+          <p:cNvSpPr>
+            <a:spLocks noGrp="1"/>
+          </p:cNvSpPr>
+          <p:nvPr>
+            <p:ph type="title"/>
+          </p:nvPr>
+        </p:nvSpPr>
+        <p:spPr/>
+        <p:txBody>
+          <a:bodyPr/>
+          <a:lstStyle/>
+          <a:p>
+            <a:r>
+              <a:rPr lang="zh-CN" altLang="en-US" dirty="0">
+                <a:solidFill>
+                  <a:schemeClr val="bg1"/>
+                </a:solidFill>
+              </a:rPr>
+              <a:t>什么是微前端？</a:t>
+            </a:r>
+          </a:p>
+        </p:txBody>
+      </p:sp>
+      <p:sp>
+        <p:nvSpPr>
+          <p:cNvPr id="3" name="内容占位符 2">
+            <a:extLst>
+              <a:ext uri="{FF2B5EF4-FFF2-40B4-BE49-F238E27FC236}">
+                <a16:creationId xmlns:a16="http://schemas.microsoft.com/office/drawing/2014/main" id="{0957C590-63CB-412E-89CC-C8B4BD41B4DB}"/>
+              </a:ext>
+            </a:extLst>
+          </p:cNvPr>
+          <p:cNvSpPr>
+            <a:spLocks noGrp="1"/>
+          </p:cNvSpPr>
+          <p:nvPr>
+            <p:ph idx="1"/>
+          </p:nvPr>
+        </p:nvSpPr>
+        <p:spPr/>
+        <p:txBody>
+          <a:bodyPr/>
+          <a:lstStyle/>
+          <a:p>
+            <a:r>
+              <a:rPr lang="zh-CN" altLang="en-US" dirty="0">
+                <a:solidFill>
+                  <a:schemeClr val="bg1"/>
+                </a:solidFill>
+              </a:rPr>
+              <a:t>微前端（</a:t>
+            </a:r>
+            <a:r>
+              <a:rPr lang="en-US" altLang="zh-CN" dirty="0">
+                <a:solidFill>
+                  <a:schemeClr val="bg1"/>
+                </a:solidFill>
+              </a:rPr>
+              <a:t>Micro-Frontends</a:t>
+            </a:r>
+            <a:r>
+              <a:rPr lang="zh-CN" altLang="en-US" dirty="0">
+                <a:solidFill>
+                  <a:schemeClr val="bg1"/>
+                </a:solidFill>
+              </a:rPr>
+              <a:t>）是一种类似于微服务的架构，它将微服务的理念应用于浏览器端，即将</a:t>
+            </a:r>
+            <a:r>
+              <a:rPr lang="en-US" altLang="zh-CN" dirty="0">
+                <a:solidFill>
+                  <a:schemeClr val="bg1"/>
+                </a:solidFill>
+              </a:rPr>
+              <a:t>Web</a:t>
+            </a:r>
+            <a:r>
+              <a:rPr lang="zh-CN" altLang="en-US" dirty="0">
+                <a:solidFill>
+                  <a:schemeClr val="bg1"/>
+                </a:solidFill>
+              </a:rPr>
+              <a:t>应用由单一的单体应用转变为由多个小型前端应用聚合在一起的应用。各个前端应用还可以独立运行、独立开发、独立部署。微前端不再是单纯的前端框架或者工具，而是一套架构体系。</a:t>
+            </a:r>
+            <a:endParaRPr lang="en-US" altLang="zh-CN" dirty="0">
+              <a:solidFill>
+                <a:schemeClr val="bg1"/>
+              </a:solidFill>
+            </a:endParaRPr>
+          </a:p>
+          <a:p>
+            <a:r>
+              <a:rPr lang="zh-CN" altLang="en-US" dirty="0">
+                <a:solidFill>
+                  <a:schemeClr val="bg1"/>
+                </a:solidFill>
+              </a:rPr>
+              <a:t>微前端是一种多个团队通过独立发布功能的方式来共同构建现代化 </a:t>
+            </a:r>
+            <a:r>
+              <a:rPr lang="en-US" altLang="zh-CN" dirty="0">
+                <a:solidFill>
+                  <a:schemeClr val="bg1"/>
+                </a:solidFill>
+              </a:rPr>
+              <a:t>web </a:t>
+            </a:r>
+            <a:r>
+              <a:rPr lang="zh-CN" altLang="en-US" dirty="0">
+                <a:solidFill>
+                  <a:schemeClr val="bg1"/>
+                </a:solidFill>
+              </a:rPr>
+              <a:t>应用的技术手段及方法策略。</a:t>
+            </a:r>
+          </a:p>
+        </p:txBody>
+      </p:sp>
+    </p:spTree>
+    <p:extLst>
+      <p:ext uri="{BB962C8B-B14F-4D97-AF65-F5344CB8AC3E}">
+        <p14:creationId xmlns:p14="http://schemas.microsoft.com/office/powerpoint/2010/main" val="2868383086"/>
+      </p:ext>
+    </p:extLst>
+  </p:cSld>
+  <p:clrMapOvr>
+    <a:masterClrMapping/>
+  </p:clrMapOvr>
+</p:sld>
+</file>
+
+<file path=ppt/slides/slide2.xml><?xml version="1.0" encoding="utf-8"?>
+<p:sld xmlns:a="http://schemas.openxmlformats.org/drawingml/2006/main" xmlns:r="http://schemas.openxmlformats.org/officeDocument/2006/relationships" xmlns:p="http://schemas.openxmlformats.org/presentationml/2006/main">
+  <p:cSld>
+    <p:spTree>
+      <p:nvGrpSpPr>
+        <p:cNvPr id="1" name=""/>
+        <p:cNvGrpSpPr/>
+        <p:nvPr/>
+      </p:nvGrpSpPr>
+      <p:grpSpPr>
+        <a:xfrm>
+          <a:off x="0" y="0"/>
+          <a:ext cx="0" cy="0"/>
+          <a:chOff x="0" y="0"/>
+          <a:chExt cx="0" cy="0"/>
+        </a:xfrm>
+      </p:grpSpPr>
+      <p:pic>
+        <p:nvPicPr>
+          <p:cNvPr id="6" name="内容占位符 8">
+            <a:extLst>
+              <a:ext uri="{FF2B5EF4-FFF2-40B4-BE49-F238E27FC236}">
+                <a16:creationId xmlns:a16="http://schemas.microsoft.com/office/drawing/2014/main" id="{44E1BE04-3437-45CD-934C-88F23562B204}"/>
+              </a:ext>
+            </a:extLst>
+          </p:cNvPr>
+          <p:cNvPicPr>
+            <a:picLocks noGrp="1" noChangeAspect="1"/>
+          </p:cNvPicPr>
+          <p:nvPr>
+            <p:ph idx="1"/>
+          </p:nvPr>
+        </p:nvPicPr>
+        <p:blipFill rotWithShape="1">
+          <a:blip r:embed="rId3">
+            <a:extLst>
+              <a:ext uri="{28A0092B-C50C-407E-A947-70E740481C1C}">
+                <a14:useLocalDpi xmlns:a14="http://schemas.microsoft.com/office/drawing/2010/main" val="0"/>
+              </a:ext>
+            </a:extLst>
+          </a:blip>
+          <a:srcRect l="22601" t="9794" r="14869" b="7323"/>
+          <a:stretch/>
+        </p:blipFill>
+        <p:spPr>
+          <a:xfrm>
+            <a:off x="3409599" y="2316213"/>
+            <a:ext cx="4327453" cy="3944679"/>
+          </a:xfrm>
+        </p:spPr>
+      </p:pic>
+      <p:grpSp>
+        <p:nvGrpSpPr>
+          <p:cNvPr id="15" name="组合 14">
+            <a:extLst>
+              <a:ext uri="{FF2B5EF4-FFF2-40B4-BE49-F238E27FC236}">
+                <a16:creationId xmlns:a16="http://schemas.microsoft.com/office/drawing/2014/main" id="{3B4A4F20-C983-4530-81B4-69838279B8B4}"/>
+              </a:ext>
+            </a:extLst>
+          </p:cNvPr>
+          <p:cNvGrpSpPr/>
+          <p:nvPr/>
+        </p:nvGrpSpPr>
+        <p:grpSpPr>
+          <a:xfrm>
+            <a:off x="6749386" y="2199218"/>
+            <a:ext cx="4150762" cy="4139718"/>
+            <a:chOff x="4654291" y="1746282"/>
+            <a:chExt cx="4167520" cy="4139718"/>
+          </a:xfrm>
+        </p:grpSpPr>
+        <p:sp>
+          <p:nvSpPr>
+            <p:cNvPr id="8" name="椭圆 7">
+              <a:extLst>
+                <a:ext uri="{FF2B5EF4-FFF2-40B4-BE49-F238E27FC236}">
+                  <a16:creationId xmlns:a16="http://schemas.microsoft.com/office/drawing/2014/main" id="{9E54A0FA-5481-49ED-997D-2005464CB0A9}"/>
+                </a:ext>
+              </a:extLst>
+            </p:cNvPr>
+            <p:cNvSpPr/>
+            <p:nvPr/>
+          </p:nvSpPr>
+          <p:spPr bwMode="auto">
+            <a:xfrm>
+              <a:off x="4654293" y="1850066"/>
+              <a:ext cx="534988" cy="533400"/>
+            </a:xfrm>
+            <a:prstGeom prst="ellipse">
+              <a:avLst/>
+            </a:prstGeom>
+            <a:solidFill>
+              <a:srgbClr val="92D050"/>
+            </a:solidFill>
+            <a:ln w="25400" cap="flat" cmpd="sng" algn="ctr">
+              <a:noFill/>
+              <a:prstDash val="solid"/>
+            </a:ln>
+            <a:effectLst/>
+          </p:spPr>
+          <p:txBody>
+            <a:bodyPr anchor="ctr"/>
+            <a:lstStyle/>
+            <a:p>
+              <a:pPr marL="0" marR="0" lvl="0" indent="0" defTabSz="1105235" eaLnBrk="1" fontAlgn="auto" latinLnBrk="0" hangingPunct="1">
+                <a:lnSpc>
+                  <a:spcPct val="100000"/>
+                </a:lnSpc>
+                <a:spcBef>
+                  <a:spcPts val="0"/>
+                </a:spcBef>
+                <a:spcAft>
+                  <a:spcPts val="0"/>
+                </a:spcAft>
+                <a:buClrTx/>
+                <a:buSzTx/>
+                <a:buFontTx/>
+                <a:buNone/>
+                <a:tabLst/>
+                <a:defRPr/>
+              </a:pPr>
+              <a:r>
+                <a:rPr kumimoji="0" lang="en-US" altLang="zh-CN" sz="2400" b="0" i="0" u="none" strike="noStrike" kern="0" cap="none" spc="0" normalizeH="0" baseline="0" noProof="0" dirty="0">
+                  <a:ln>
+                    <a:noFill/>
+                  </a:ln>
+                  <a:solidFill>
+                    <a:prstClr val="white"/>
+                  </a:solidFill>
+                  <a:effectLst/>
+                  <a:uLnTx/>
+                  <a:uFillTx/>
+                  <a:latin typeface="Arial Unicode MS" pitchFamily="34" charset="-122"/>
+                  <a:ea typeface="Arial Unicode MS" pitchFamily="34" charset="-122"/>
+                  <a:cs typeface="Arial Unicode MS" pitchFamily="34" charset="-122"/>
+                </a:rPr>
+                <a:t>1</a:t>
+              </a:r>
+              <a:endParaRPr kumimoji="0" lang="zh-CN" altLang="en-US" sz="2400" b="0" i="0" u="none" strike="noStrike" kern="0" cap="none" spc="0" normalizeH="0" baseline="0" noProof="0" dirty="0">
+                <a:ln>
+                  <a:noFill/>
+                </a:ln>
+                <a:solidFill>
+                  <a:prstClr val="white"/>
+                </a:solidFill>
+                <a:effectLst/>
+                <a:uLnTx/>
+                <a:uFillTx/>
+                <a:latin typeface="Arial Unicode MS" pitchFamily="34" charset="-122"/>
+                <a:ea typeface="Arial Unicode MS" pitchFamily="34" charset="-122"/>
+                <a:cs typeface="Arial Unicode MS" pitchFamily="34" charset="-122"/>
+              </a:endParaRPr>
+            </a:p>
+          </p:txBody>
+        </p:sp>
+        <p:sp>
+          <p:nvSpPr>
+            <p:cNvPr id="10" name="标题 1">
+              <a:extLst>
+                <a:ext uri="{FF2B5EF4-FFF2-40B4-BE49-F238E27FC236}">
+                  <a16:creationId xmlns:a16="http://schemas.microsoft.com/office/drawing/2014/main" id="{9011B061-876B-487D-9476-EF330695DFD9}"/>
+                </a:ext>
+              </a:extLst>
+            </p:cNvPr>
+            <p:cNvSpPr txBox="1">
+              <a:spLocks/>
+            </p:cNvSpPr>
+            <p:nvPr/>
+          </p:nvSpPr>
+          <p:spPr>
+            <a:xfrm>
+              <a:off x="5498261" y="1746282"/>
+              <a:ext cx="3305664" cy="705600"/>
+            </a:xfrm>
+            <a:prstGeom prst="rect">
+              <a:avLst/>
+            </a:prstGeom>
+          </p:spPr>
+          <p:txBody>
+            <a:bodyPr vert="horz" lIns="90000" tIns="46800" rIns="90000" bIns="46800" rtlCol="0" anchor="ctr" anchorCtr="0">
+              <a:normAutofit/>
+            </a:bodyPr>
+            <a:lstStyle>
+              <a:lvl1pPr algn="l" defTabSz="914400" rtl="0" eaLnBrk="1" fontAlgn="auto" latinLnBrk="0" hangingPunct="1">
+                <a:lnSpc>
+                  <a:spcPct val="100000"/>
+                </a:lnSpc>
+                <a:spcBef>
+                  <a:spcPct val="0"/>
+                </a:spcBef>
+                <a:buNone/>
+                <a:defRPr sz="3600" b="1" u="none" strike="noStrike" kern="1200" cap="none" spc="300" normalizeH="0" baseline="0">
+                  <a:solidFill>
+                    <a:schemeClr val="tx1">
+                      <a:lumMod val="85000"/>
+                      <a:lumOff val="15000"/>
+                    </a:schemeClr>
+                  </a:solidFill>
+                  <a:uFillTx/>
+                  <a:latin typeface="Arial" panose="020B0604020202020204" pitchFamily="34" charset="0"/>
+                  <a:ea typeface="微软雅黑" panose="020B0503020204020204" pitchFamily="34" charset="-122"/>
+                  <a:cs typeface="+mj-cs"/>
+                </a:defRPr>
+              </a:lvl1pPr>
+            </a:lstStyle>
+            <a:p>
+              <a:r>
+                <a:rPr lang="zh-CN" altLang="en-US" dirty="0">
+                  <a:solidFill>
+                    <a:schemeClr val="bg1"/>
+                  </a:solidFill>
+                </a:rPr>
+                <a:t>拆什么？</a:t>
+              </a:r>
+            </a:p>
+          </p:txBody>
+        </p:sp>
+        <p:sp>
+          <p:nvSpPr>
+            <p:cNvPr id="12" name="标题 1">
+              <a:extLst>
+                <a:ext uri="{FF2B5EF4-FFF2-40B4-BE49-F238E27FC236}">
+                  <a16:creationId xmlns:a16="http://schemas.microsoft.com/office/drawing/2014/main" id="{80342335-2CCA-45FD-8C07-5AAE5896F076}"/>
+                </a:ext>
+              </a:extLst>
+            </p:cNvPr>
+            <p:cNvSpPr txBox="1">
+              <a:spLocks/>
+            </p:cNvSpPr>
+            <p:nvPr/>
+          </p:nvSpPr>
+          <p:spPr>
+            <a:xfrm>
+              <a:off x="5498262" y="5180400"/>
+              <a:ext cx="3305664" cy="705600"/>
+            </a:xfrm>
+            <a:prstGeom prst="rect">
+              <a:avLst/>
+            </a:prstGeom>
+          </p:spPr>
+          <p:txBody>
+            <a:bodyPr vert="horz" lIns="90000" tIns="46800" rIns="90000" bIns="46800" rtlCol="0" anchor="ctr" anchorCtr="0">
+              <a:normAutofit/>
+            </a:bodyPr>
+            <a:lstStyle>
+              <a:lvl1pPr algn="l" defTabSz="914400" rtl="0" eaLnBrk="1" fontAlgn="auto" latinLnBrk="0" hangingPunct="1">
+                <a:lnSpc>
+                  <a:spcPct val="100000"/>
+                </a:lnSpc>
+                <a:spcBef>
+                  <a:spcPct val="0"/>
+                </a:spcBef>
+                <a:buNone/>
+                <a:defRPr sz="3600" b="1" u="none" strike="noStrike" kern="1200" cap="none" spc="300" normalizeH="0" baseline="0">
+                  <a:solidFill>
+                    <a:schemeClr val="tx1">
+                      <a:lumMod val="85000"/>
+                      <a:lumOff val="15000"/>
+                    </a:schemeClr>
+                  </a:solidFill>
+                  <a:uFillTx/>
+                  <a:latin typeface="Arial" panose="020B0604020202020204" pitchFamily="34" charset="0"/>
+                  <a:ea typeface="微软雅黑" panose="020B0503020204020204" pitchFamily="34" charset="-122"/>
+                  <a:cs typeface="+mj-cs"/>
+                </a:defRPr>
+              </a:lvl1pPr>
+            </a:lstStyle>
+            <a:p>
+              <a:r>
+                <a:rPr lang="zh-CN" altLang="en-US" dirty="0">
+                  <a:solidFill>
+                    <a:schemeClr val="bg1"/>
+                  </a:solidFill>
+                </a:rPr>
+                <a:t>怎么拆？</a:t>
+              </a:r>
+            </a:p>
+          </p:txBody>
+        </p:sp>
+        <p:sp>
+          <p:nvSpPr>
+            <p:cNvPr id="13" name="椭圆 12">
+              <a:extLst>
+                <a:ext uri="{FF2B5EF4-FFF2-40B4-BE49-F238E27FC236}">
+                  <a16:creationId xmlns:a16="http://schemas.microsoft.com/office/drawing/2014/main" id="{97321D6E-AC41-4FF0-A279-1893E4BE814C}"/>
+                </a:ext>
+              </a:extLst>
+            </p:cNvPr>
+            <p:cNvSpPr/>
+            <p:nvPr/>
+          </p:nvSpPr>
+          <p:spPr bwMode="auto">
+            <a:xfrm>
+              <a:off x="4654291" y="5266500"/>
+              <a:ext cx="534988" cy="533400"/>
+            </a:xfrm>
+            <a:prstGeom prst="ellipse">
+              <a:avLst/>
+            </a:prstGeom>
+            <a:solidFill>
+              <a:srgbClr val="92D050"/>
+            </a:solidFill>
+            <a:ln w="25400" cap="flat" cmpd="sng" algn="ctr">
+              <a:noFill/>
+              <a:prstDash val="solid"/>
+            </a:ln>
+            <a:effectLst/>
+          </p:spPr>
+          <p:txBody>
+            <a:bodyPr anchor="ctr"/>
+            <a:lstStyle/>
+            <a:p>
+              <a:pPr marL="0" marR="0" lvl="0" indent="0" defTabSz="1105235" eaLnBrk="1" fontAlgn="auto" latinLnBrk="0" hangingPunct="1">
+                <a:lnSpc>
+                  <a:spcPct val="100000"/>
+                </a:lnSpc>
+                <a:spcBef>
+                  <a:spcPts val="0"/>
+                </a:spcBef>
+                <a:spcAft>
+                  <a:spcPts val="0"/>
+                </a:spcAft>
+                <a:buClrTx/>
+                <a:buSzTx/>
+                <a:buFontTx/>
+                <a:buNone/>
+                <a:tabLst/>
+                <a:defRPr/>
+              </a:pPr>
+              <a:r>
+                <a:rPr lang="en-US" altLang="zh-CN" sz="2400" kern="0" dirty="0">
+                  <a:solidFill>
+                    <a:prstClr val="white"/>
+                  </a:solidFill>
+                  <a:latin typeface="Arial Unicode MS" pitchFamily="34" charset="-122"/>
+                  <a:ea typeface="Arial Unicode MS" pitchFamily="34" charset="-122"/>
+                  <a:cs typeface="Arial Unicode MS" pitchFamily="34" charset="-122"/>
+                </a:rPr>
+                <a:t>3</a:t>
+              </a:r>
+              <a:endParaRPr kumimoji="0" lang="zh-CN" altLang="en-US" sz="2400" b="0" i="0" u="none" strike="noStrike" kern="0" cap="none" spc="0" normalizeH="0" baseline="0" noProof="0" dirty="0">
+                <a:ln>
+                  <a:noFill/>
+                </a:ln>
+                <a:solidFill>
+                  <a:prstClr val="white"/>
+                </a:solidFill>
+                <a:effectLst/>
+                <a:uLnTx/>
+                <a:uFillTx/>
+                <a:latin typeface="Arial Unicode MS" pitchFamily="34" charset="-122"/>
+                <a:ea typeface="Arial Unicode MS" pitchFamily="34" charset="-122"/>
+                <a:cs typeface="Arial Unicode MS" pitchFamily="34" charset="-122"/>
+              </a:endParaRPr>
+            </a:p>
+          </p:txBody>
+        </p:sp>
+        <p:sp>
+          <p:nvSpPr>
+            <p:cNvPr id="11" name="标题 1">
+              <a:extLst>
+                <a:ext uri="{FF2B5EF4-FFF2-40B4-BE49-F238E27FC236}">
+                  <a16:creationId xmlns:a16="http://schemas.microsoft.com/office/drawing/2014/main" id="{828EE419-9900-415E-8039-7901C628D607}"/>
+                </a:ext>
+              </a:extLst>
+            </p:cNvPr>
+            <p:cNvSpPr txBox="1">
+              <a:spLocks/>
+            </p:cNvSpPr>
+            <p:nvPr/>
+          </p:nvSpPr>
+          <p:spPr>
+            <a:xfrm>
+              <a:off x="5516147" y="3461550"/>
+              <a:ext cx="3305664" cy="705600"/>
+            </a:xfrm>
+            <a:prstGeom prst="rect">
+              <a:avLst/>
+            </a:prstGeom>
+          </p:spPr>
+          <p:txBody>
+            <a:bodyPr vert="horz" lIns="90000" tIns="46800" rIns="90000" bIns="46800" rtlCol="0" anchor="ctr" anchorCtr="0">
+              <a:normAutofit/>
+            </a:bodyPr>
+            <a:lstStyle>
+              <a:lvl1pPr algn="l" defTabSz="914400" rtl="0" eaLnBrk="1" fontAlgn="auto" latinLnBrk="0" hangingPunct="1">
+                <a:lnSpc>
+                  <a:spcPct val="100000"/>
+                </a:lnSpc>
+                <a:spcBef>
+                  <a:spcPct val="0"/>
+                </a:spcBef>
+                <a:buNone/>
+                <a:defRPr sz="3600" b="1" u="none" strike="noStrike" kern="1200" cap="none" spc="300" normalizeH="0" baseline="0">
+                  <a:solidFill>
+                    <a:schemeClr val="tx1">
+                      <a:lumMod val="85000"/>
+                      <a:lumOff val="15000"/>
+                    </a:schemeClr>
+                  </a:solidFill>
+                  <a:uFillTx/>
+                  <a:latin typeface="Arial" panose="020B0604020202020204" pitchFamily="34" charset="0"/>
+                  <a:ea typeface="微软雅黑" panose="020B0503020204020204" pitchFamily="34" charset="-122"/>
+                  <a:cs typeface="+mj-cs"/>
+                </a:defRPr>
+              </a:lvl1pPr>
+            </a:lstStyle>
+            <a:p>
+              <a:r>
+                <a:rPr lang="zh-CN" altLang="en-US" dirty="0">
+                  <a:solidFill>
+                    <a:schemeClr val="bg1"/>
+                  </a:solidFill>
+                </a:rPr>
+                <a:t>为什么要拆？</a:t>
+              </a:r>
+            </a:p>
+          </p:txBody>
+        </p:sp>
+        <p:sp>
+          <p:nvSpPr>
+            <p:cNvPr id="14" name="椭圆 13">
+              <a:extLst>
+                <a:ext uri="{FF2B5EF4-FFF2-40B4-BE49-F238E27FC236}">
+                  <a16:creationId xmlns:a16="http://schemas.microsoft.com/office/drawing/2014/main" id="{DDD94D23-ABE1-481D-BCF4-AF75D31B75E7}"/>
+                </a:ext>
+              </a:extLst>
+            </p:cNvPr>
+            <p:cNvSpPr/>
+            <p:nvPr/>
+          </p:nvSpPr>
+          <p:spPr bwMode="auto">
+            <a:xfrm>
+              <a:off x="4654292" y="3551974"/>
+              <a:ext cx="534988" cy="533400"/>
+            </a:xfrm>
+            <a:prstGeom prst="ellipse">
+              <a:avLst/>
+            </a:prstGeom>
+            <a:solidFill>
+              <a:srgbClr val="92D050"/>
+            </a:solidFill>
+            <a:ln w="25400" cap="flat" cmpd="sng" algn="ctr">
+              <a:noFill/>
+              <a:prstDash val="solid"/>
+            </a:ln>
+            <a:effectLst/>
+          </p:spPr>
+          <p:txBody>
+            <a:bodyPr anchor="ctr"/>
+            <a:lstStyle/>
+            <a:p>
+              <a:pPr marL="0" marR="0" lvl="0" indent="0" defTabSz="1105235" eaLnBrk="1" fontAlgn="auto" latinLnBrk="0" hangingPunct="1">
+                <a:lnSpc>
+                  <a:spcPct val="100000"/>
+                </a:lnSpc>
+                <a:spcBef>
+                  <a:spcPts val="0"/>
+                </a:spcBef>
+                <a:spcAft>
+                  <a:spcPts val="0"/>
+                </a:spcAft>
+                <a:buClrTx/>
+                <a:buSzTx/>
+                <a:buFontTx/>
+                <a:buNone/>
+                <a:tabLst/>
+                <a:defRPr/>
+              </a:pPr>
+              <a:r>
+                <a:rPr lang="en-US" altLang="zh-CN" sz="2400" kern="0" dirty="0">
+                  <a:solidFill>
+                    <a:prstClr val="white"/>
+                  </a:solidFill>
+                  <a:latin typeface="Arial Unicode MS" pitchFamily="34" charset="-122"/>
+                  <a:ea typeface="Arial Unicode MS" pitchFamily="34" charset="-122"/>
+                  <a:cs typeface="Arial Unicode MS" pitchFamily="34" charset="-122"/>
+                </a:rPr>
+                <a:t>2</a:t>
+              </a:r>
+              <a:endParaRPr kumimoji="0" lang="zh-CN" altLang="en-US" sz="2400" b="0" i="0" u="none" strike="noStrike" kern="0" cap="none" spc="0" normalizeH="0" baseline="0" noProof="0" dirty="0">
+                <a:ln>
+                  <a:noFill/>
+                </a:ln>
+                <a:solidFill>
+                  <a:prstClr val="white"/>
+                </a:solidFill>
+                <a:effectLst/>
+                <a:uLnTx/>
+                <a:uFillTx/>
+                <a:latin typeface="Arial Unicode MS" pitchFamily="34" charset="-122"/>
+                <a:ea typeface="Arial Unicode MS" pitchFamily="34" charset="-122"/>
+                <a:cs typeface="Arial Unicode MS" pitchFamily="34" charset="-122"/>
+              </a:endParaRPr>
+            </a:p>
+          </p:txBody>
+        </p:sp>
+      </p:grpSp>
+      <p:sp>
+        <p:nvSpPr>
+          <p:cNvPr id="2" name="标题 1">
+            <a:extLst>
+              <a:ext uri="{FF2B5EF4-FFF2-40B4-BE49-F238E27FC236}">
+                <a16:creationId xmlns:a16="http://schemas.microsoft.com/office/drawing/2014/main" id="{7CB36DE7-400B-4129-8A1C-C0E494945F4C}"/>
+              </a:ext>
+            </a:extLst>
+          </p:cNvPr>
+          <p:cNvSpPr>
+            <a:spLocks noGrp="1"/>
+          </p:cNvSpPr>
+          <p:nvPr>
+            <p:ph type="title"/>
+          </p:nvPr>
+        </p:nvSpPr>
+        <p:spPr>
+          <a:xfrm>
+            <a:off x="1281132" y="2564226"/>
+            <a:ext cx="9744832" cy="1609076"/>
+          </a:xfrm>
+        </p:spPr>
+        <p:txBody>
+          <a:bodyPr>
+            <a:normAutofit/>
+          </a:bodyPr>
+          <a:lstStyle/>
+          <a:p>
+            <a:r>
+              <a:rPr lang="zh-CN" altLang="en-US" sz="7200" dirty="0">
+                <a:solidFill>
+                  <a:schemeClr val="bg1"/>
+                </a:solidFill>
+              </a:rPr>
+              <a:t>微前端的核心是什么？</a:t>
+            </a:r>
+          </a:p>
+        </p:txBody>
+      </p:sp>
+    </p:spTree>
+    <p:extLst>
+      <p:ext uri="{BB962C8B-B14F-4D97-AF65-F5344CB8AC3E}">
+        <p14:creationId xmlns:p14="http://schemas.microsoft.com/office/powerpoint/2010/main" val="3116453119"/>
+      </p:ext>
+    </p:extLst>
+  </p:cSld>
+  <p:clrMapOvr>
+    <a:masterClrMapping/>
+  </p:clrMapOvr>
+  <p:timing>
+    <p:tnLst>
+      <p:par>
+        <p:cTn id="1" dur="indefinite" restart="never" nodeType="tmRoot">
+          <p:childTnLst>
+            <p:seq concurrent="1" nextAc="seek">
+              <p:cTn id="2" dur="indefinite" nodeType="mainSeq">
+                <p:childTnLst>
+                  <p:par>
+                    <p:cTn id="3" fill="hold">
+                      <p:stCondLst>
+                        <p:cond delay="indefinite"/>
+                      </p:stCondLst>
+                      <p:childTnLst>
+                        <p:par>
+                          <p:cTn id="4" fill="hold">
+                            <p:stCondLst>
+                              <p:cond delay="0"/>
+                            </p:stCondLst>
+                            <p:childTnLst>
+                              <p:par>
+                                <p:cTn id="5" presetID="42" presetClass="path" presetSubtype="0" accel="50000" decel="50000" fill="hold" grpId="0" nodeType="clickEffect">
+                                  <p:stCondLst>
+                                    <p:cond delay="0"/>
+                                  </p:stCondLst>
+                                  <p:childTnLst>
+                                    <p:animMotion origin="layout" path="M 2.5E-6 -3.7037E-6 L 0.00221 -0.34421 " pathEditMode="relative" rAng="0" ptsTypes="AA">
+                                      <p:cBhvr>
+                                        <p:cTn id="6" dur="2000" fill="hold"/>
+                                        <p:tgtEl>
+                                          <p:spTgt spid="2"/>
+                                        </p:tgtEl>
+                                        <p:attrNameLst>
+                                          <p:attrName>ppt_x</p:attrName>
+                                          <p:attrName>ppt_y</p:attrName>
+                                        </p:attrNameLst>
+                                      </p:cBhvr>
+                                      <p:rCtr x="104" y="-17222"/>
+                                    </p:animMotion>
+                                  </p:childTnLst>
+                                </p:cTn>
+                              </p:par>
+                              <p:par>
+                                <p:cTn id="7" presetID="10" presetClass="entr" presetSubtype="0" fill="hold" nodeType="withEffect">
+                                  <p:stCondLst>
+                                    <p:cond delay="2000"/>
+                                  </p:stCondLst>
+                                  <p:childTnLst>
+                                    <p:set>
+                                      <p:cBhvr>
+                                        <p:cTn id="8" dur="1" fill="hold">
+                                          <p:stCondLst>
+                                            <p:cond delay="0"/>
+                                          </p:stCondLst>
+                                        </p:cTn>
+                                        <p:tgtEl>
+                                          <p:spTgt spid="6"/>
+                                        </p:tgtEl>
+                                        <p:attrNameLst>
+                                          <p:attrName>style.visibility</p:attrName>
+                                        </p:attrNameLst>
+                                      </p:cBhvr>
+                                      <p:to>
+                                        <p:strVal val="visible"/>
+                                      </p:to>
+                                    </p:set>
+                                    <p:animEffect transition="in" filter="fade">
+                                      <p:cBhvr>
+                                        <p:cTn id="9" dur="500"/>
+                                        <p:tgtEl>
+                                          <p:spTgt spid="6"/>
+                                        </p:tgtEl>
+                                      </p:cBhvr>
+                                    </p:animEffect>
+                                  </p:childTnLst>
+                                </p:cTn>
+                              </p:par>
+                            </p:childTnLst>
+                          </p:cTn>
+                        </p:par>
+                      </p:childTnLst>
+                    </p:cTn>
+                  </p:par>
+                  <p:par>
+                    <p:cTn id="10" fill="hold">
+                      <p:stCondLst>
+                        <p:cond delay="indefinite"/>
+                      </p:stCondLst>
+                      <p:childTnLst>
+                        <p:par>
+                          <p:cTn id="11" fill="hold">
+                            <p:stCondLst>
+                              <p:cond delay="0"/>
+                            </p:stCondLst>
+                            <p:childTnLst>
+                              <p:par>
+                                <p:cTn id="12" presetID="42" presetClass="path" presetSubtype="0" accel="50000" decel="50000" fill="hold" nodeType="clickEffect">
+                                  <p:stCondLst>
+                                    <p:cond delay="0"/>
+                                  </p:stCondLst>
+                                  <p:childTnLst>
+                                    <p:animMotion origin="layout" path="M -1.45833E-6 -1.48148E-6 L -0.16588 -0.00694 " pathEditMode="relative" rAng="0" ptsTypes="AA">
+                                      <p:cBhvr>
+                                        <p:cTn id="13" dur="2000" fill="hold"/>
+                                        <p:tgtEl>
+                                          <p:spTgt spid="6"/>
+                                        </p:tgtEl>
+                                        <p:attrNameLst>
+                                          <p:attrName>ppt_x</p:attrName>
+                                          <p:attrName>ppt_y</p:attrName>
+                                        </p:attrNameLst>
+                                      </p:cBhvr>
+                                      <p:rCtr x="-8294" y="-347"/>
+                                    </p:animMotion>
+                                  </p:childTnLst>
+                                </p:cTn>
+                              </p:par>
+                              <p:par>
+                                <p:cTn id="14" presetID="2" presetClass="entr" presetSubtype="4" fill="hold" nodeType="withEffect">
+                                  <p:stCondLst>
+                                    <p:cond delay="2000"/>
+                                  </p:stCondLst>
+                                  <p:childTnLst>
+                                    <p:set>
+                                      <p:cBhvr>
+                                        <p:cTn id="15" dur="1" fill="hold">
+                                          <p:stCondLst>
+                                            <p:cond delay="0"/>
+                                          </p:stCondLst>
+                                        </p:cTn>
+                                        <p:tgtEl>
+                                          <p:spTgt spid="15"/>
+                                        </p:tgtEl>
+                                        <p:attrNameLst>
+                                          <p:attrName>style.visibility</p:attrName>
+                                        </p:attrNameLst>
+                                      </p:cBhvr>
+                                      <p:to>
+                                        <p:strVal val="visible"/>
+                                      </p:to>
+                                    </p:set>
+                                    <p:anim calcmode="lin" valueType="num">
+                                      <p:cBhvr additive="base">
+                                        <p:cTn id="16" dur="500" fill="hold"/>
+                                        <p:tgtEl>
+                                          <p:spTgt spid="15"/>
+                                        </p:tgtEl>
+                                        <p:attrNameLst>
+                                          <p:attrName>ppt_x</p:attrName>
+                                        </p:attrNameLst>
+                                      </p:cBhvr>
+                                      <p:tavLst>
+                                        <p:tav tm="0">
+                                          <p:val>
+                                            <p:strVal val="#ppt_x"/>
+                                          </p:val>
+                                        </p:tav>
+                                        <p:tav tm="100000">
+                                          <p:val>
+                                            <p:strVal val="#ppt_x"/>
+                                          </p:val>
+                                        </p:tav>
+                                      </p:tavLst>
+                                    </p:anim>
+                                    <p:anim calcmode="lin" valueType="num">
+                                      <p:cBhvr additive="base">
+                                        <p:cTn id="17" dur="500" fill="hold"/>
+                                        <p:tgtEl>
+                                          <p:spTgt spid="15"/>
+                                        </p:tgtEl>
+                                        <p:attrNameLst>
+                                          <p:attrName>ppt_y</p:attrName>
+                                        </p:attrNameLst>
+                                      </p:cBhvr>
+                                      <p:tavLst>
+                                        <p:tav tm="0">
+                                          <p:val>
+                                            <p:strVal val="1+#ppt_h/2"/>
+                                          </p:val>
+                                        </p:tav>
+                                        <p:tav tm="100000">
+                                          <p:val>
+                                            <p:strVal val="#ppt_y"/>
+                                          </p:val>
+                                        </p:tav>
+                                      </p:tavLst>
+                                    </p:anim>
+                                  </p:childTnLst>
+                                </p:cTn>
+                              </p:par>
+                            </p:childTnLst>
+                          </p:cTn>
+                        </p:par>
+                      </p:childTnLst>
+                    </p:cTn>
+                  </p:par>
+                </p:childTnLst>
+              </p:cTn>
+              <p:prevCondLst>
+                <p:cond evt="onPrev" delay="0">
+                  <p:tgtEl>
+                    <p:sldTgt/>
+                  </p:tgtEl>
+                </p:cond>
+              </p:prevCondLst>
+              <p:nextCondLst>
+                <p:cond evt="onNext" delay="0">
+                  <p:tgtEl>
+                    <p:sldTgt/>
+                  </p:tgtEl>
+                </p:cond>
+              </p:nextCondLst>
+            </p:seq>
+          </p:childTnLst>
+        </p:cTn>
+      </p:par>
+    </p:tnLst>
+    <p:bldLst>
+      <p:bldP spid="2" grpId="0"/>
+    </p:bldLst>
+  </p:timing>
+</p:sld>
+</file>
+
+<file path=ppt/slides/slide3.xml><?xml version="1.0" encoding="utf-8"?>
+<p:sld xmlns:a="http://schemas.openxmlformats.org/drawingml/2006/main" xmlns:r="http://schemas.openxmlformats.org/officeDocument/2006/relationships" xmlns:p="http://schemas.openxmlformats.org/presentationml/2006/main">
+  <p:cSld>
+    <p:spTree>
+      <p:nvGrpSpPr>
+        <p:cNvPr id="1" name=""/>
+        <p:cNvGrpSpPr/>
+        <p:nvPr/>
+      </p:nvGrpSpPr>
+      <p:grpSpPr>
+        <a:xfrm>
+          <a:off x="0" y="0"/>
+          <a:ext cx="0" cy="0"/>
+          <a:chOff x="0" y="0"/>
+          <a:chExt cx="0" cy="0"/>
+        </a:xfrm>
+      </p:grpSpPr>
+      <p:sp>
+        <p:nvSpPr>
+          <p:cNvPr id="2" name="标题 1">
+            <a:extLst>
+              <a:ext uri="{FF2B5EF4-FFF2-40B4-BE49-F238E27FC236}">
+                <a16:creationId xmlns:a16="http://schemas.microsoft.com/office/drawing/2014/main" id="{2D14E5D4-F319-4D8D-ADC0-4EDA3413A65F}"/>
+              </a:ext>
+            </a:extLst>
+          </p:cNvPr>
+          <p:cNvSpPr>
+            <a:spLocks noGrp="1"/>
+          </p:cNvSpPr>
+          <p:nvPr>
+            <p:ph type="title"/>
+          </p:nvPr>
+        </p:nvSpPr>
+        <p:spPr/>
+        <p:txBody>
+          <a:bodyPr/>
+          <a:lstStyle/>
+          <a:p>
+            <a:r>
+              <a:rPr lang="zh-CN" altLang="en-US" dirty="0">
+                <a:solidFill>
+                  <a:schemeClr val="bg1"/>
+                </a:solidFill>
+              </a:rPr>
+              <a:t>拆什么，为什么要拆？</a:t>
+            </a:r>
+          </a:p>
+        </p:txBody>
+      </p:sp>
+      <p:sp>
+        <p:nvSpPr>
+          <p:cNvPr id="3" name="内容占位符 2">
+            <a:extLst>
+              <a:ext uri="{FF2B5EF4-FFF2-40B4-BE49-F238E27FC236}">
+                <a16:creationId xmlns:a16="http://schemas.microsoft.com/office/drawing/2014/main" id="{99A4CCAA-B15F-41FE-9C77-E77433A296A5}"/>
+              </a:ext>
+            </a:extLst>
+          </p:cNvPr>
+          <p:cNvSpPr>
+            <a:spLocks noGrp="1"/>
+          </p:cNvSpPr>
+          <p:nvPr>
+            <p:ph idx="1"/>
+          </p:nvPr>
+        </p:nvSpPr>
+        <p:spPr>
+          <a:xfrm>
+            <a:off x="608400" y="1570144"/>
+            <a:ext cx="10364400" cy="1858856"/>
+          </a:xfrm>
+        </p:spPr>
+        <p:txBody>
+          <a:bodyPr>
+            <a:normAutofit/>
+          </a:bodyPr>
+          <a:lstStyle/>
+          <a:p>
+            <a:pPr marL="0" indent="0">
+              <a:buNone/>
+            </a:pPr>
+            <a:r>
+              <a:rPr lang="zh-CN" altLang="en-US" sz="6000" dirty="0">
+                <a:solidFill>
+                  <a:schemeClr val="bg1"/>
+                </a:solidFill>
+              </a:rPr>
+              <a:t>巨石应用</a:t>
+            </a:r>
+            <a:endParaRPr lang="en-US" altLang="zh-CN" sz="6000" dirty="0">
+              <a:solidFill>
+                <a:schemeClr val="bg1"/>
+              </a:solidFill>
+            </a:endParaRPr>
+          </a:p>
+        </p:txBody>
+      </p:sp>
+      <p:sp>
+        <p:nvSpPr>
+          <p:cNvPr id="6" name="内容占位符 2">
+            <a:extLst>
+              <a:ext uri="{FF2B5EF4-FFF2-40B4-BE49-F238E27FC236}">
+                <a16:creationId xmlns:a16="http://schemas.microsoft.com/office/drawing/2014/main" id="{215398E0-FD65-458B-A4A9-56776BA4E641}"/>
+              </a:ext>
+            </a:extLst>
+          </p:cNvPr>
+          <p:cNvSpPr txBox="1">
+            <a:spLocks/>
+          </p:cNvSpPr>
+          <p:nvPr/>
+        </p:nvSpPr>
+        <p:spPr>
+          <a:xfrm>
+            <a:off x="608400" y="3429000"/>
+            <a:ext cx="10364400" cy="1858856"/>
+          </a:xfrm>
+          <a:prstGeom prst="rect">
+            <a:avLst/>
+          </a:prstGeom>
+        </p:spPr>
+        <p:txBody>
+          <a:bodyPr vert="horz" lIns="90000" tIns="46800" rIns="90000" bIns="46800" rtlCol="0">
+            <a:normAutofit/>
+          </a:bodyPr>
+          <a:lstStyle>
+            <a:lvl1pPr marL="228600" indent="-228600" algn="l" defTabSz="914400" rtl="0" eaLnBrk="1" fontAlgn="auto" latinLnBrk="0" hangingPunct="1">
+              <a:lnSpc>
+                <a:spcPct val="130000"/>
+              </a:lnSpc>
+              <a:spcBef>
+                <a:spcPts val="0"/>
+              </a:spcBef>
+              <a:spcAft>
+                <a:spcPts val="1000"/>
+              </a:spcAft>
+              <a:buFont typeface="Arial" panose="020B0604020202020204" pitchFamily="34" charset="0"/>
+              <a:buChar char="●"/>
+              <a:defRPr sz="1800" u="none" strike="noStrike" kern="1200" cap="none" spc="150" normalizeH="0" baseline="0">
+                <a:solidFill>
+                  <a:schemeClr val="tx1">
+                    <a:lumMod val="65000"/>
+                    <a:lumOff val="35000"/>
+                  </a:schemeClr>
+                </a:solidFill>
+                <a:uFillTx/>
+                <a:latin typeface="Arial" panose="020B0604020202020204" pitchFamily="34" charset="0"/>
+                <a:ea typeface="微软雅黑" panose="020B0503020204020204" pitchFamily="34" charset="-122"/>
+                <a:cs typeface="+mn-cs"/>
+              </a:defRPr>
+            </a:lvl1pPr>
+            <a:lvl2pPr marL="685800" indent="-228600" algn="l" defTabSz="914400" rtl="0" eaLnBrk="1" fontAlgn="auto" latinLnBrk="0" hangingPunct="1">
+              <a:lnSpc>
+                <a:spcPct val="120000"/>
+              </a:lnSpc>
+              <a:spcBef>
+                <a:spcPts val="0"/>
+              </a:spcBef>
+              <a:spcAft>
+                <a:spcPts val="600"/>
+              </a:spcAft>
+              <a:buFont typeface="Arial" panose="020B0604020202020204" pitchFamily="34" charset="0"/>
+              <a:buChar char="●"/>
+              <a:tabLst>
+                <a:tab pos="1609725" algn="l"/>
+                <a:tab pos="1609725" algn="l"/>
+                <a:tab pos="1609725" algn="l"/>
+                <a:tab pos="1609725" algn="l"/>
+              </a:tabLst>
+              <a:defRPr sz="1600" u="none" strike="noStrike" kern="1200" cap="none" spc="150" normalizeH="0" baseline="0">
+                <a:solidFill>
+                  <a:schemeClr val="tx1">
+                    <a:lumMod val="65000"/>
+                    <a:lumOff val="35000"/>
+                  </a:schemeClr>
+                </a:solidFill>
+                <a:uFillTx/>
+                <a:latin typeface="Arial" panose="020B0604020202020204" pitchFamily="34" charset="0"/>
+                <a:ea typeface="微软雅黑" panose="020B0503020204020204" pitchFamily="34" charset="-122"/>
+                <a:cs typeface="+mn-cs"/>
+              </a:defRPr>
+            </a:lvl2pPr>
+            <a:lvl3pPr marL="1143000" indent="-228600" algn="l" defTabSz="914400" rtl="0" eaLnBrk="1" fontAlgn="auto" latinLnBrk="0" hangingPunct="1">
+              <a:lnSpc>
+                <a:spcPct val="120000"/>
+              </a:lnSpc>
+              <a:spcBef>
+                <a:spcPts val="0"/>
+              </a:spcBef>
+              <a:spcAft>
+                <a:spcPts val="600"/>
+              </a:spcAft>
+              <a:buFont typeface="Arial" panose="020B0604020202020204" pitchFamily="34" charset="0"/>
+              <a:buChar char="●"/>
+              <a:defRPr sz="1600" u="none" strike="noStrike" kern="1200" cap="none" spc="150" normalizeH="0" baseline="0">
+                <a:solidFill>
+                  <a:schemeClr val="tx1">
+                    <a:lumMod val="65000"/>
+                    <a:lumOff val="35000"/>
+                  </a:schemeClr>
+                </a:solidFill>
+                <a:uFillTx/>
+                <a:latin typeface="Arial" panose="020B0604020202020204" pitchFamily="34" charset="0"/>
+                <a:ea typeface="微软雅黑" panose="020B0503020204020204" pitchFamily="34" charset="-122"/>
+                <a:cs typeface="+mn-cs"/>
+              </a:defRPr>
+            </a:lvl3pPr>
+            <a:lvl4pPr marL="1600200" indent="-228600" algn="l" defTabSz="914400" rtl="0" eaLnBrk="1" fontAlgn="auto" latinLnBrk="0" hangingPunct="1">
+              <a:lnSpc>
+                <a:spcPct val="120000"/>
+              </a:lnSpc>
+              <a:spcBef>
+                <a:spcPts val="0"/>
+              </a:spcBef>
+              <a:spcAft>
+                <a:spcPts val="300"/>
+              </a:spcAft>
+              <a:buFont typeface="Wingdings" panose="05000000000000000000" charset="0"/>
+              <a:buChar char=""/>
+              <a:defRPr sz="1400" u="none" strike="noStrike" kern="1200" cap="none" spc="150" normalizeH="0" baseline="0">
+                <a:solidFill>
+                  <a:schemeClr val="tx1">
+                    <a:lumMod val="65000"/>
+                    <a:lumOff val="35000"/>
+                  </a:schemeClr>
+                </a:solidFill>
+                <a:uFillTx/>
+                <a:latin typeface="Arial" panose="020B0604020202020204" pitchFamily="34" charset="0"/>
+                <a:ea typeface="微软雅黑" panose="020B0503020204020204" pitchFamily="34" charset="-122"/>
+                <a:cs typeface="+mn-cs"/>
+              </a:defRPr>
+            </a:lvl4pPr>
+            <a:lvl5pPr marL="2057400" indent="-228600" algn="l" defTabSz="914400" rtl="0" eaLnBrk="1" fontAlgn="auto" latinLnBrk="0" hangingPunct="1">
+              <a:lnSpc>
+                <a:spcPct val="120000"/>
+              </a:lnSpc>
+              <a:spcBef>
+                <a:spcPts val="0"/>
+              </a:spcBef>
+              <a:spcAft>
+                <a:spcPts val="300"/>
+              </a:spcAft>
+              <a:buFont typeface="Arial" panose="020B0604020202020204" pitchFamily="34" charset="0"/>
+              <a:buChar char="•"/>
+              <a:defRPr sz="1400" u="none" strike="noStrike" kern="1200" cap="none" spc="150" normalizeH="0" baseline="0">
+                <a:solidFill>
+                  <a:schemeClr val="tx1">
+                    <a:lumMod val="65000"/>
+                    <a:lumOff val="35000"/>
+                  </a:schemeClr>
+                </a:solidFill>
+                <a:uFillTx/>
+                <a:latin typeface="Arial" panose="020B0604020202020204" pitchFamily="34" charset="0"/>
+                <a:ea typeface="微软雅黑" panose="020B0503020204020204" pitchFamily="34" charset="-122"/>
+                <a:cs typeface="+mn-cs"/>
+              </a:defRPr>
+            </a:lvl5pPr>
+            <a:lvl6pPr marL="2514600" indent="-228600" algn="l" defTabSz="914400" rtl="0" eaLnBrk="1" latinLnBrk="0" hangingPunct="1">
+              <a:lnSpc>
+                <a:spcPct val="90000"/>
+              </a:lnSpc>
+              <a:spcBef>
+                <a:spcPts val="500"/>
+              </a:spcBef>
+              <a:buFont typeface="Arial" panose="020B0604020202020204" pitchFamily="34" charset="0"/>
+              <a:buChar char="•"/>
+              <a:defRPr sz="1800" kern="1200">
+                <a:solidFill>
+                  <a:schemeClr val="tx1"/>
+                </a:solidFill>
+                <a:latin typeface="+mn-lt"/>
+                <a:ea typeface="+mn-ea"/>
+                <a:cs typeface="+mn-cs"/>
+              </a:defRPr>
+            </a:lvl6pPr>
+            <a:lvl7pPr marL="2971800" indent="-228600" algn="l" defTabSz="914400" rtl="0" eaLnBrk="1" latinLnBrk="0" hangingPunct="1">
+              <a:lnSpc>
+                <a:spcPct val="90000"/>
+              </a:lnSpc>
+              <a:spcBef>
+                <a:spcPts val="500"/>
+              </a:spcBef>
+              <a:buFont typeface="Arial" panose="020B0604020202020204" pitchFamily="34" charset="0"/>
+              <a:buChar char="•"/>
+              <a:defRPr sz="1800" kern="1200">
+                <a:solidFill>
+                  <a:schemeClr val="tx1"/>
+                </a:solidFill>
+                <a:latin typeface="+mn-lt"/>
+                <a:ea typeface="+mn-ea"/>
+                <a:cs typeface="+mn-cs"/>
+              </a:defRPr>
+            </a:lvl7pPr>
+            <a:lvl8pPr marL="3429000" indent="-228600" algn="l" defTabSz="914400" rtl="0" eaLnBrk="1" latinLnBrk="0" hangingPunct="1">
+              <a:lnSpc>
+                <a:spcPct val="90000"/>
+              </a:lnSpc>
+              <a:spcBef>
+                <a:spcPts val="500"/>
+              </a:spcBef>
+              <a:buFont typeface="Arial" panose="020B0604020202020204" pitchFamily="34" charset="0"/>
+              <a:buChar char="•"/>
+              <a:defRPr sz="1800" kern="1200">
+                <a:solidFill>
+                  <a:schemeClr val="tx1"/>
+                </a:solidFill>
+                <a:latin typeface="+mn-lt"/>
+                <a:ea typeface="+mn-ea"/>
+                <a:cs typeface="+mn-cs"/>
+              </a:defRPr>
+            </a:lvl8pPr>
+            <a:lvl9pPr marL="3886200" indent="-228600" algn="l" defTabSz="914400" rtl="0" eaLnBrk="1" latinLnBrk="0" hangingPunct="1">
+              <a:lnSpc>
+                <a:spcPct val="90000"/>
+              </a:lnSpc>
+              <a:spcBef>
+                <a:spcPts val="500"/>
+              </a:spcBef>
+              <a:buFont typeface="Arial" panose="020B0604020202020204" pitchFamily="34" charset="0"/>
+              <a:buChar char="•"/>
+              <a:defRPr sz="1800" kern="1200">
+                <a:solidFill>
+                  <a:schemeClr val="tx1"/>
+                </a:solidFill>
+                <a:latin typeface="+mn-lt"/>
+                <a:ea typeface="+mn-ea"/>
+                <a:cs typeface="+mn-cs"/>
+              </a:defRPr>
+            </a:lvl9pPr>
+          </a:lstStyle>
+          <a:p>
+            <a:pPr marL="0" indent="0">
+              <a:buNone/>
+            </a:pPr>
+            <a:r>
+              <a:rPr lang="zh-CN" altLang="en-US" sz="6000" dirty="0">
+                <a:solidFill>
+                  <a:schemeClr val="bg1"/>
+                </a:solidFill>
+              </a:rPr>
+              <a:t>历史遗留项目</a:t>
+            </a:r>
+          </a:p>
+        </p:txBody>
+      </p:sp>
+    </p:spTree>
+    <p:extLst>
+      <p:ext uri="{BB962C8B-B14F-4D97-AF65-F5344CB8AC3E}">
+        <p14:creationId xmlns:p14="http://schemas.microsoft.com/office/powerpoint/2010/main" val="3405610736"/>
+      </p:ext>
+    </p:extLst>
+  </p:cSld>
+  <p:clrMapOvr>
+    <a:masterClrMapping/>
+  </p:clrMapOvr>
+</p:sld>
+</file>
+
+<file path=ppt/slides/slide4.xml><?xml version="1.0" encoding="utf-8"?>
+<p:sld xmlns:a="http://schemas.openxmlformats.org/drawingml/2006/main" xmlns:r="http://schemas.openxmlformats.org/officeDocument/2006/relationships" xmlns:p="http://schemas.openxmlformats.org/presentationml/2006/main">
+  <p:cSld>
+    <p:spTree>
+      <p:nvGrpSpPr>
+        <p:cNvPr id="1" name=""/>
+        <p:cNvGrpSpPr/>
+        <p:nvPr/>
+      </p:nvGrpSpPr>
+      <p:grpSpPr>
+        <a:xfrm>
+          <a:off x="0" y="0"/>
+          <a:ext cx="0" cy="0"/>
+          <a:chOff x="0" y="0"/>
+          <a:chExt cx="0" cy="0"/>
+        </a:xfrm>
+      </p:grpSpPr>
+      <p:sp>
+        <p:nvSpPr>
+          <p:cNvPr id="2" name="标题 1">
+            <a:extLst>
+              <a:ext uri="{FF2B5EF4-FFF2-40B4-BE49-F238E27FC236}">
+                <a16:creationId xmlns:a16="http://schemas.microsoft.com/office/drawing/2014/main" id="{AACAAD80-7958-4CD5-8224-91AFD122E695}"/>
+              </a:ext>
+            </a:extLst>
+          </p:cNvPr>
+          <p:cNvSpPr>
+            <a:spLocks noGrp="1"/>
+          </p:cNvSpPr>
+          <p:nvPr>
+            <p:ph type="title"/>
+          </p:nvPr>
+        </p:nvSpPr>
+        <p:spPr>
+          <a:xfrm>
+            <a:off x="839972" y="318976"/>
+            <a:ext cx="2453777" cy="705600"/>
+          </a:xfrm>
+        </p:spPr>
+        <p:txBody>
+          <a:bodyPr/>
+          <a:lstStyle/>
+          <a:p>
+            <a:r>
+              <a:rPr lang="zh-CN" altLang="en-US" dirty="0">
+                <a:solidFill>
+                  <a:schemeClr val="bg1"/>
+                </a:solidFill>
+              </a:rPr>
+              <a:t>怎么拆？</a:t>
+            </a:r>
+          </a:p>
+        </p:txBody>
+      </p:sp>
+      <p:graphicFrame>
+        <p:nvGraphicFramePr>
+          <p:cNvPr id="5" name="表格 5">
+            <a:extLst>
+              <a:ext uri="{FF2B5EF4-FFF2-40B4-BE49-F238E27FC236}">
+                <a16:creationId xmlns:a16="http://schemas.microsoft.com/office/drawing/2014/main" id="{C8D8B24A-EBCA-4970-A889-E1AA794B5813}"/>
+              </a:ext>
+            </a:extLst>
+          </p:cNvPr>
+          <p:cNvGraphicFramePr>
+            <a:graphicFrameLocks noGrp="1"/>
+          </p:cNvGraphicFramePr>
+          <p:nvPr>
+            <p:ph idx="1"/>
+            <p:extLst>
+              <p:ext uri="{D42A27DB-BD31-4B8C-83A1-F6EECF244321}">
+                <p14:modId xmlns:p14="http://schemas.microsoft.com/office/powerpoint/2010/main" val="2021130539"/>
+              </p:ext>
+            </p:extLst>
+          </p:nvPr>
+        </p:nvGraphicFramePr>
+        <p:xfrm>
+          <a:off x="818707" y="1139788"/>
+          <a:ext cx="10600660" cy="5367337"/>
+        </p:xfrm>
+        <a:graphic>
+          <a:graphicData uri="http://schemas.openxmlformats.org/drawingml/2006/table">
+            <a:tbl>
+              <a:tblPr firstRow="1" bandRow="1">
+                <a:tableStyleId>{5C22544A-7EE6-4342-B048-85BDC9FD1C3A}</a:tableStyleId>
+              </a:tblPr>
+              <a:tblGrid>
+                <a:gridCol w="2083981">
+                  <a:extLst>
+                    <a:ext uri="{9D8B030D-6E8A-4147-A177-3AD203B41FA5}">
+                      <a16:colId xmlns:a16="http://schemas.microsoft.com/office/drawing/2014/main" val="1868491261"/>
+                    </a:ext>
+                  </a:extLst>
+                </a:gridCol>
+                <a:gridCol w="3014525">
+                  <a:extLst>
+                    <a:ext uri="{9D8B030D-6E8A-4147-A177-3AD203B41FA5}">
+                      <a16:colId xmlns:a16="http://schemas.microsoft.com/office/drawing/2014/main" val="578735332"/>
+                    </a:ext>
+                  </a:extLst>
+                </a:gridCol>
+                <a:gridCol w="2673894">
+                  <a:extLst>
+                    <a:ext uri="{9D8B030D-6E8A-4147-A177-3AD203B41FA5}">
+                      <a16:colId xmlns:a16="http://schemas.microsoft.com/office/drawing/2014/main" val="2530198444"/>
+                    </a:ext>
+                  </a:extLst>
+                </a:gridCol>
+                <a:gridCol w="2828260">
+                  <a:extLst>
+                    <a:ext uri="{9D8B030D-6E8A-4147-A177-3AD203B41FA5}">
+                      <a16:colId xmlns:a16="http://schemas.microsoft.com/office/drawing/2014/main" val="2327180557"/>
+                    </a:ext>
+                  </a:extLst>
+                </a:gridCol>
+              </a:tblGrid>
+              <a:tr h="340783">
+                <a:tc>
+                  <a:txBody>
+                    <a:bodyPr/>
+                    <a:lstStyle/>
+                    <a:p>
+                      <a:r>
+                        <a:rPr lang="zh-CN" altLang="en-US" sz="1600" dirty="0">
+                          <a:solidFill>
+                            <a:schemeClr val="bg1"/>
+                          </a:solidFill>
+                        </a:rPr>
+                        <a:t>方案</a:t>
+                      </a:r>
+                    </a:p>
+                  </a:txBody>
+                  <a:tcPr>
+                    <a:lnL w="12700" cap="flat" cmpd="sng" algn="ctr">
+                      <a:noFill/>
+                      <a:prstDash val="solid"/>
+                      <a:round/>
+                      <a:headEnd type="none" w="med" len="med"/>
+                      <a:tailEnd type="none" w="med" len="med"/>
+                    </a:lnL>
+                    <a:lnR w="12700" cap="flat" cmpd="sng" algn="ctr">
+                      <a:noFill/>
+                      <a:prstDash val="solid"/>
+                      <a:round/>
+                      <a:headEnd type="none" w="med" len="med"/>
+                      <a:tailEnd type="none" w="med" len="med"/>
+                    </a:lnR>
+                    <a:lnT w="12700" cap="flat" cmpd="sng" algn="ctr">
+                      <a:noFill/>
+                      <a:prstDash val="solid"/>
+                      <a:round/>
+                      <a:headEnd type="none" w="med" len="med"/>
+                      <a:tailEnd type="none" w="med" len="med"/>
+                    </a:lnT>
+                    <a:lnB w="12700" cap="flat" cmpd="sng" algn="ctr">
+                      <a:noFill/>
+                      <a:prstDash val="solid"/>
+                      <a:round/>
+                      <a:headEnd type="none" w="med" len="med"/>
+                      <a:tailEnd type="none" w="med" len="med"/>
+                    </a:lnB>
+                    <a:lnTlToBr w="12700" cmpd="sng">
+                      <a:noFill/>
+                      <a:prstDash val="solid"/>
+                    </a:lnTlToBr>
+                    <a:lnBlToTr w="12700" cmpd="sng">
+                      <a:noFill/>
+                      <a:prstDash val="solid"/>
+                    </a:lnBlToTr>
+                    <a:solidFill>
+                      <a:schemeClr val="tx1">
+                        <a:lumMod val="75000"/>
+                        <a:lumOff val="25000"/>
+                      </a:schemeClr>
+                    </a:solidFill>
+                  </a:tcPr>
+                </a:tc>
+                <a:tc>
+                  <a:txBody>
+                    <a:bodyPr/>
+                    <a:lstStyle/>
+                    <a:p>
+                      <a:r>
+                        <a:rPr lang="zh-CN" altLang="en-US" sz="1600" dirty="0">
+                          <a:solidFill>
+                            <a:schemeClr val="bg1"/>
+                          </a:solidFill>
+                        </a:rPr>
+                        <a:t>描述</a:t>
+                      </a:r>
+                    </a:p>
+                  </a:txBody>
+                  <a:tcPr>
+                    <a:lnL w="12700" cap="flat" cmpd="sng" algn="ctr">
+                      <a:noFill/>
+                      <a:prstDash val="solid"/>
+                      <a:round/>
+                      <a:headEnd type="none" w="med" len="med"/>
+                      <a:tailEnd type="none" w="med" len="med"/>
+                    </a:lnL>
+                    <a:lnR w="12700" cap="flat" cmpd="sng" algn="ctr">
+                      <a:noFill/>
+                      <a:prstDash val="solid"/>
+                      <a:round/>
+                      <a:headEnd type="none" w="med" len="med"/>
+                      <a:tailEnd type="none" w="med" len="med"/>
+                    </a:lnR>
+                    <a:lnT w="12700" cap="flat" cmpd="sng" algn="ctr">
+                      <a:noFill/>
+                      <a:prstDash val="solid"/>
+                      <a:round/>
+                      <a:headEnd type="none" w="med" len="med"/>
+                      <a:tailEnd type="none" w="med" len="med"/>
+                    </a:lnT>
+                    <a:lnB w="12700" cap="flat" cmpd="sng" algn="ctr">
+                      <a:noFill/>
+                      <a:prstDash val="solid"/>
+                      <a:round/>
+                      <a:headEnd type="none" w="med" len="med"/>
+                      <a:tailEnd type="none" w="med" len="med"/>
+                    </a:lnB>
+                    <a:lnTlToBr w="12700" cmpd="sng">
+                      <a:noFill/>
+                      <a:prstDash val="solid"/>
+                    </a:lnTlToBr>
+                    <a:lnBlToTr w="12700" cmpd="sng">
+                      <a:noFill/>
+                      <a:prstDash val="solid"/>
+                    </a:lnBlToTr>
+                    <a:solidFill>
+                      <a:schemeClr val="tx1">
+                        <a:lumMod val="75000"/>
+                        <a:lumOff val="25000"/>
+                      </a:schemeClr>
+                    </a:solidFill>
+                  </a:tcPr>
+                </a:tc>
+                <a:tc>
+                  <a:txBody>
+                    <a:bodyPr/>
+                    <a:lstStyle/>
+                    <a:p>
+                      <a:r>
+                        <a:rPr lang="zh-CN" altLang="en-US" sz="1600" dirty="0">
+                          <a:solidFill>
+                            <a:schemeClr val="bg1"/>
+                          </a:solidFill>
+                        </a:rPr>
+                        <a:t>优点</a:t>
+                      </a:r>
+                    </a:p>
+                  </a:txBody>
+                  <a:tcPr>
+                    <a:lnL w="12700" cap="flat" cmpd="sng" algn="ctr">
+                      <a:noFill/>
+                      <a:prstDash val="solid"/>
+                      <a:round/>
+                      <a:headEnd type="none" w="med" len="med"/>
+                      <a:tailEnd type="none" w="med" len="med"/>
+                    </a:lnL>
+                    <a:lnR w="12700" cap="flat" cmpd="sng" algn="ctr">
+                      <a:noFill/>
+                      <a:prstDash val="solid"/>
+                      <a:round/>
+                      <a:headEnd type="none" w="med" len="med"/>
+                      <a:tailEnd type="none" w="med" len="med"/>
+                    </a:lnR>
+                    <a:lnT w="12700" cap="flat" cmpd="sng" algn="ctr">
+                      <a:noFill/>
+                      <a:prstDash val="solid"/>
+                      <a:round/>
+                      <a:headEnd type="none" w="med" len="med"/>
+                      <a:tailEnd type="none" w="med" len="med"/>
+                    </a:lnT>
+                    <a:lnB w="12700" cap="flat" cmpd="sng" algn="ctr">
+                      <a:noFill/>
+                      <a:prstDash val="solid"/>
+                      <a:round/>
+                      <a:headEnd type="none" w="med" len="med"/>
+                      <a:tailEnd type="none" w="med" len="med"/>
+                    </a:lnB>
+                    <a:lnTlToBr w="12700" cmpd="sng">
+                      <a:noFill/>
+                      <a:prstDash val="solid"/>
+                    </a:lnTlToBr>
+                    <a:lnBlToTr w="12700" cmpd="sng">
+                      <a:noFill/>
+                      <a:prstDash val="solid"/>
+                    </a:lnBlToTr>
+                    <a:solidFill>
+                      <a:schemeClr val="tx1">
+                        <a:lumMod val="75000"/>
+                        <a:lumOff val="25000"/>
+                      </a:schemeClr>
+                    </a:solidFill>
+                  </a:tcPr>
+                </a:tc>
+                <a:tc>
+                  <a:txBody>
+                    <a:bodyPr/>
+                    <a:lstStyle/>
+                    <a:p>
+                      <a:r>
+                        <a:rPr lang="zh-CN" altLang="en-US" sz="1600" dirty="0">
+                          <a:solidFill>
+                            <a:schemeClr val="bg1"/>
+                          </a:solidFill>
+                        </a:rPr>
+                        <a:t>缺点</a:t>
+                      </a:r>
+                    </a:p>
+                  </a:txBody>
+                  <a:tcPr>
+                    <a:lnL w="12700" cap="flat" cmpd="sng" algn="ctr">
+                      <a:noFill/>
+                      <a:prstDash val="solid"/>
+                      <a:round/>
+                      <a:headEnd type="none" w="med" len="med"/>
+                      <a:tailEnd type="none" w="med" len="med"/>
+                    </a:lnL>
+                    <a:lnR w="12700" cap="flat" cmpd="sng" algn="ctr">
+                      <a:noFill/>
+                      <a:prstDash val="solid"/>
+                      <a:round/>
+                      <a:headEnd type="none" w="med" len="med"/>
+                      <a:tailEnd type="none" w="med" len="med"/>
+                    </a:lnR>
+                    <a:lnT w="12700" cap="flat" cmpd="sng" algn="ctr">
+                      <a:noFill/>
+                      <a:prstDash val="solid"/>
+                      <a:round/>
+                      <a:headEnd type="none" w="med" len="med"/>
+                      <a:tailEnd type="none" w="med" len="med"/>
+                    </a:lnT>
+                    <a:lnB w="12700" cap="flat" cmpd="sng" algn="ctr">
+                      <a:noFill/>
+                      <a:prstDash val="solid"/>
+                      <a:round/>
+                      <a:headEnd type="none" w="med" len="med"/>
+                      <a:tailEnd type="none" w="med" len="med"/>
+                    </a:lnB>
+                    <a:lnTlToBr w="12700" cmpd="sng">
+                      <a:noFill/>
+                      <a:prstDash val="solid"/>
+                    </a:lnTlToBr>
+                    <a:lnBlToTr w="12700" cmpd="sng">
+                      <a:noFill/>
+                      <a:prstDash val="solid"/>
+                    </a:lnBlToTr>
+                    <a:solidFill>
+                      <a:schemeClr val="tx1">
+                        <a:lumMod val="75000"/>
+                        <a:lumOff val="25000"/>
+                      </a:schemeClr>
+                    </a:solidFill>
+                  </a:tcPr>
+                </a:tc>
+                <a:extLst>
+                  <a:ext uri="{0D108BD9-81ED-4DB2-BD59-A6C34878D82A}">
+                    <a16:rowId xmlns:a16="http://schemas.microsoft.com/office/drawing/2014/main" val="2822047301"/>
+                  </a:ext>
+                </a:extLst>
+              </a:tr>
+              <a:tr h="873257">
+                <a:tc>
+                  <a:txBody>
+                    <a:bodyPr/>
+                    <a:lstStyle/>
+                    <a:p>
+                      <a:r>
+                        <a:rPr lang="en-US" sz="1600" b="1" dirty="0">
+                          <a:solidFill>
+                            <a:schemeClr val="bg1"/>
+                          </a:solidFill>
+                          <a:effectLst/>
+                        </a:rPr>
+                        <a:t>Nginx</a:t>
+                      </a:r>
+                      <a:r>
+                        <a:rPr lang="zh-CN" altLang="en-US" sz="1600" b="1" dirty="0">
+                          <a:solidFill>
+                            <a:schemeClr val="bg1"/>
+                          </a:solidFill>
+                          <a:effectLst/>
+                        </a:rPr>
+                        <a:t>路由转发</a:t>
+                      </a:r>
+                      <a:endParaRPr lang="zh-CN" altLang="en-US" sz="1600" dirty="0">
+                        <a:solidFill>
+                          <a:schemeClr val="bg1"/>
+                        </a:solidFill>
+                        <a:effectLst/>
+                      </a:endParaRPr>
+                    </a:p>
+                  </a:txBody>
+                  <a:tcPr marL="123825" marR="123825" marT="57150" marB="57150" anchor="ctr">
+                    <a:lnL w="12700" cap="flat" cmpd="sng" algn="ctr">
+                      <a:noFill/>
+                      <a:prstDash val="solid"/>
+                      <a:round/>
+                      <a:headEnd type="none" w="med" len="med"/>
+                      <a:tailEnd type="none" w="med" len="med"/>
+                    </a:lnL>
+                    <a:lnR w="12700" cap="flat" cmpd="sng" algn="ctr">
+                      <a:noFill/>
+                      <a:prstDash val="solid"/>
+                      <a:round/>
+                      <a:headEnd type="none" w="med" len="med"/>
+                      <a:tailEnd type="none" w="med" len="med"/>
+                    </a:lnR>
+                    <a:lnT w="12700" cap="flat" cmpd="sng" algn="ctr">
+                      <a:noFill/>
+                      <a:prstDash val="solid"/>
+                      <a:round/>
+                      <a:headEnd type="none" w="med" len="med"/>
+                      <a:tailEnd type="none" w="med" len="med"/>
+                    </a:lnT>
+                    <a:lnB w="12700" cap="flat" cmpd="sng" algn="ctr">
+                      <a:noFill/>
+                      <a:prstDash val="solid"/>
+                      <a:round/>
+                      <a:headEnd type="none" w="med" len="med"/>
+                      <a:tailEnd type="none" w="med" len="med"/>
+                    </a:lnB>
+                    <a:lnTlToBr w="12700" cmpd="sng">
+                      <a:noFill/>
+                      <a:prstDash val="solid"/>
+                    </a:lnTlToBr>
+                    <a:lnBlToTr w="12700" cmpd="sng">
+                      <a:noFill/>
+                      <a:prstDash val="solid"/>
+                    </a:lnBlToTr>
+                    <a:noFill/>
+                  </a:tcPr>
+                </a:tc>
+                <a:tc>
+                  <a:txBody>
+                    <a:bodyPr/>
+                    <a:lstStyle/>
+                    <a:p>
+                      <a:r>
+                        <a:rPr lang="zh-CN" altLang="en-US" sz="1600" dirty="0">
+                          <a:solidFill>
+                            <a:schemeClr val="bg1"/>
+                          </a:solidFill>
+                          <a:effectLst/>
+                        </a:rPr>
+                        <a:t>通过</a:t>
+                      </a:r>
+                      <a:r>
+                        <a:rPr lang="en-US" altLang="zh-CN" sz="1600" dirty="0">
+                          <a:solidFill>
+                            <a:schemeClr val="bg1"/>
+                          </a:solidFill>
+                          <a:effectLst/>
+                        </a:rPr>
+                        <a:t>Nginx</a:t>
+                      </a:r>
+                      <a:r>
+                        <a:rPr lang="zh-CN" altLang="en-US" sz="1600" dirty="0">
+                          <a:solidFill>
+                            <a:schemeClr val="bg1"/>
+                          </a:solidFill>
+                          <a:effectLst/>
+                        </a:rPr>
+                        <a:t>配置反向代理来实现不同路径映射到不同的应用</a:t>
+                      </a:r>
+                    </a:p>
+                  </a:txBody>
+                  <a:tcPr marL="123825" marR="123825" marT="57150" marB="57150" anchor="ctr">
+                    <a:lnL w="12700" cap="flat" cmpd="sng" algn="ctr">
+                      <a:noFill/>
+                      <a:prstDash val="solid"/>
+                      <a:round/>
+                      <a:headEnd type="none" w="med" len="med"/>
+                      <a:tailEnd type="none" w="med" len="med"/>
+                    </a:lnL>
+                    <a:lnR w="12700" cap="flat" cmpd="sng" algn="ctr">
+                      <a:noFill/>
+                      <a:prstDash val="solid"/>
+                      <a:round/>
+                      <a:headEnd type="none" w="med" len="med"/>
+                      <a:tailEnd type="none" w="med" len="med"/>
+                    </a:lnR>
+                    <a:lnT w="12700" cap="flat" cmpd="sng" algn="ctr">
+                      <a:noFill/>
+                      <a:prstDash val="solid"/>
+                      <a:round/>
+                      <a:headEnd type="none" w="med" len="med"/>
+                      <a:tailEnd type="none" w="med" len="med"/>
+                    </a:lnT>
+                    <a:lnB w="12700" cap="flat" cmpd="sng" algn="ctr">
+                      <a:noFill/>
+                      <a:prstDash val="solid"/>
+                      <a:round/>
+                      <a:headEnd type="none" w="med" len="med"/>
+                      <a:tailEnd type="none" w="med" len="med"/>
+                    </a:lnB>
+                    <a:lnTlToBr w="12700" cmpd="sng">
+                      <a:noFill/>
+                      <a:prstDash val="solid"/>
+                    </a:lnTlToBr>
+                    <a:lnBlToTr w="12700" cmpd="sng">
+                      <a:noFill/>
+                      <a:prstDash val="solid"/>
+                    </a:lnBlToTr>
+                    <a:noFill/>
+                  </a:tcPr>
+                </a:tc>
+                <a:tc>
+                  <a:txBody>
+                    <a:bodyPr/>
+                    <a:lstStyle/>
+                    <a:p>
+                      <a:r>
+                        <a:rPr lang="zh-CN" altLang="en-US" sz="1600" dirty="0">
+                          <a:solidFill>
+                            <a:schemeClr val="bg1"/>
+                          </a:solidFill>
+                          <a:effectLst/>
+                        </a:rPr>
+                        <a:t>简单、快速、易配置</a:t>
+                      </a:r>
+                    </a:p>
+                  </a:txBody>
+                  <a:tcPr marL="123825" marR="123825" marT="57150" marB="57150" anchor="ctr">
+                    <a:lnL w="12700" cap="flat" cmpd="sng" algn="ctr">
+                      <a:noFill/>
+                      <a:prstDash val="solid"/>
+                      <a:round/>
+                      <a:headEnd type="none" w="med" len="med"/>
+                      <a:tailEnd type="none" w="med" len="med"/>
+                    </a:lnL>
+                    <a:lnR w="12700" cap="flat" cmpd="sng" algn="ctr">
+                      <a:noFill/>
+                      <a:prstDash val="solid"/>
+                      <a:round/>
+                      <a:headEnd type="none" w="med" len="med"/>
+                      <a:tailEnd type="none" w="med" len="med"/>
+                    </a:lnR>
+                    <a:lnT w="12700" cap="flat" cmpd="sng" algn="ctr">
+                      <a:noFill/>
+                      <a:prstDash val="solid"/>
+                      <a:round/>
+                      <a:headEnd type="none" w="med" len="med"/>
+                      <a:tailEnd type="none" w="med" len="med"/>
+                    </a:lnT>
+                    <a:lnB w="12700" cap="flat" cmpd="sng" algn="ctr">
+                      <a:noFill/>
+                      <a:prstDash val="solid"/>
+                      <a:round/>
+                      <a:headEnd type="none" w="med" len="med"/>
+                      <a:tailEnd type="none" w="med" len="med"/>
+                    </a:lnB>
+                    <a:lnTlToBr w="12700" cmpd="sng">
+                      <a:noFill/>
+                      <a:prstDash val="solid"/>
+                    </a:lnTlToBr>
+                    <a:lnBlToTr w="12700" cmpd="sng">
+                      <a:noFill/>
+                      <a:prstDash val="solid"/>
+                    </a:lnBlToTr>
+                    <a:noFill/>
+                  </a:tcPr>
+                </a:tc>
+                <a:tc>
+                  <a:txBody>
+                    <a:bodyPr/>
+                    <a:lstStyle/>
+                    <a:p>
+                      <a:r>
+                        <a:rPr lang="zh-CN" altLang="en-US" sz="1600" dirty="0">
+                          <a:solidFill>
+                            <a:schemeClr val="bg1"/>
+                          </a:solidFill>
+                          <a:effectLst/>
+                        </a:rPr>
+                        <a:t>在切换应用时会触发浏览器刷新，影响体验</a:t>
+                      </a:r>
+                    </a:p>
+                  </a:txBody>
+                  <a:tcPr marL="123825" marR="123825" marT="57150" marB="57150" anchor="ctr">
+                    <a:lnL w="12700" cap="flat" cmpd="sng" algn="ctr">
+                      <a:noFill/>
+                      <a:prstDash val="solid"/>
+                      <a:round/>
+                      <a:headEnd type="none" w="med" len="med"/>
+                      <a:tailEnd type="none" w="med" len="med"/>
+                    </a:lnL>
+                    <a:lnR w="12700" cap="flat" cmpd="sng" algn="ctr">
+                      <a:noFill/>
+                      <a:prstDash val="solid"/>
+                      <a:round/>
+                      <a:headEnd type="none" w="med" len="med"/>
+                      <a:tailEnd type="none" w="med" len="med"/>
+                    </a:lnR>
+                    <a:lnT w="12700" cap="flat" cmpd="sng" algn="ctr">
+                      <a:noFill/>
+                      <a:prstDash val="solid"/>
+                      <a:round/>
+                      <a:headEnd type="none" w="med" len="med"/>
+                      <a:tailEnd type="none" w="med" len="med"/>
+                    </a:lnT>
+                    <a:lnB w="12700" cap="flat" cmpd="sng" algn="ctr">
+                      <a:noFill/>
+                      <a:prstDash val="solid"/>
+                      <a:round/>
+                      <a:headEnd type="none" w="med" len="med"/>
+                      <a:tailEnd type="none" w="med" len="med"/>
+                    </a:lnB>
+                    <a:lnTlToBr w="12700" cmpd="sng">
+                      <a:noFill/>
+                      <a:prstDash val="solid"/>
+                    </a:lnTlToBr>
+                    <a:lnBlToTr w="12700" cmpd="sng">
+                      <a:noFill/>
+                      <a:prstDash val="solid"/>
+                    </a:lnBlToTr>
+                    <a:noFill/>
+                  </a:tcPr>
+                </a:tc>
+                <a:extLst>
+                  <a:ext uri="{0D108BD9-81ED-4DB2-BD59-A6C34878D82A}">
+                    <a16:rowId xmlns:a16="http://schemas.microsoft.com/office/drawing/2014/main" val="1557447113"/>
+                  </a:ext>
+                </a:extLst>
+              </a:tr>
+              <a:tr h="1384432">
+                <a:tc>
+                  <a:txBody>
+                    <a:bodyPr/>
+                    <a:lstStyle/>
+                    <a:p>
+                      <a:r>
+                        <a:rPr lang="en-US" sz="1600" b="1" dirty="0">
+                          <a:solidFill>
+                            <a:schemeClr val="bg1"/>
+                          </a:solidFill>
+                          <a:effectLst/>
+                        </a:rPr>
+                        <a:t>iframe</a:t>
+                      </a:r>
+                      <a:r>
+                        <a:rPr lang="zh-CN" altLang="en-US" sz="1600" b="1" dirty="0">
+                          <a:solidFill>
+                            <a:schemeClr val="bg1"/>
+                          </a:solidFill>
+                          <a:effectLst/>
+                        </a:rPr>
+                        <a:t>嵌套</a:t>
+                      </a:r>
+                      <a:endParaRPr lang="zh-CN" altLang="en-US" sz="1600" dirty="0">
+                        <a:solidFill>
+                          <a:schemeClr val="bg1"/>
+                        </a:solidFill>
+                        <a:effectLst/>
+                      </a:endParaRPr>
+                    </a:p>
+                  </a:txBody>
+                  <a:tcPr marL="123825" marR="123825" marT="57150" marB="57150" anchor="ctr">
+                    <a:lnL w="12700" cap="flat" cmpd="sng" algn="ctr">
+                      <a:noFill/>
+                      <a:prstDash val="solid"/>
+                      <a:round/>
+                      <a:headEnd type="none" w="med" len="med"/>
+                      <a:tailEnd type="none" w="med" len="med"/>
+                    </a:lnL>
+                    <a:lnR w="12700" cap="flat" cmpd="sng" algn="ctr">
+                      <a:noFill/>
+                      <a:prstDash val="solid"/>
+                      <a:round/>
+                      <a:headEnd type="none" w="med" len="med"/>
+                      <a:tailEnd type="none" w="med" len="med"/>
+                    </a:lnR>
+                    <a:lnT w="12700" cap="flat" cmpd="sng" algn="ctr">
+                      <a:noFill/>
+                      <a:prstDash val="solid"/>
+                      <a:round/>
+                      <a:headEnd type="none" w="med" len="med"/>
+                      <a:tailEnd type="none" w="med" len="med"/>
+                    </a:lnT>
+                    <a:lnB w="12700" cap="flat" cmpd="sng" algn="ctr">
+                      <a:noFill/>
+                      <a:prstDash val="solid"/>
+                      <a:round/>
+                      <a:headEnd type="none" w="med" len="med"/>
+                      <a:tailEnd type="none" w="med" len="med"/>
+                    </a:lnB>
+                    <a:lnTlToBr w="12700" cmpd="sng">
+                      <a:noFill/>
+                      <a:prstDash val="solid"/>
+                    </a:lnTlToBr>
+                    <a:lnBlToTr w="12700" cmpd="sng">
+                      <a:noFill/>
+                      <a:prstDash val="solid"/>
+                    </a:lnBlToTr>
+                    <a:solidFill>
+                      <a:schemeClr val="tx1">
+                        <a:lumMod val="75000"/>
+                        <a:lumOff val="25000"/>
+                      </a:schemeClr>
+                    </a:solidFill>
+                  </a:tcPr>
+                </a:tc>
+                <a:tc>
+                  <a:txBody>
+                    <a:bodyPr/>
+                    <a:lstStyle/>
+                    <a:p>
+                      <a:r>
+                        <a:rPr lang="zh-CN" altLang="en-US" sz="1600" dirty="0">
+                          <a:solidFill>
+                            <a:schemeClr val="bg1"/>
+                          </a:solidFill>
+                          <a:effectLst/>
+                        </a:rPr>
+                        <a:t>父应用是一个单独的页面，每个子应用嵌套一个</a:t>
+                      </a:r>
+                      <a:r>
+                        <a:rPr lang="en-US" sz="1600" dirty="0">
+                          <a:solidFill>
+                            <a:schemeClr val="bg1"/>
+                          </a:solidFill>
+                          <a:effectLst/>
+                        </a:rPr>
+                        <a:t>iframe,</a:t>
+                      </a:r>
+                      <a:r>
+                        <a:rPr lang="zh-CN" altLang="en-US" sz="1600" dirty="0">
+                          <a:solidFill>
+                            <a:schemeClr val="bg1"/>
+                          </a:solidFill>
+                          <a:effectLst/>
+                        </a:rPr>
+                        <a:t>父子通信可采用</a:t>
+                      </a:r>
+                      <a:r>
+                        <a:rPr lang="en-US" sz="1600" dirty="0" err="1">
+                          <a:solidFill>
+                            <a:schemeClr val="bg1"/>
+                          </a:solidFill>
+                          <a:effectLst/>
+                        </a:rPr>
+                        <a:t>postMessage</a:t>
+                      </a:r>
+                      <a:r>
+                        <a:rPr lang="zh-CN" altLang="en-US" sz="1600" dirty="0">
+                          <a:solidFill>
+                            <a:schemeClr val="bg1"/>
+                          </a:solidFill>
+                          <a:effectLst/>
+                        </a:rPr>
+                        <a:t>或者</a:t>
+                      </a:r>
+                      <a:r>
+                        <a:rPr lang="en-US" sz="1600" dirty="0" err="1">
+                          <a:solidFill>
+                            <a:schemeClr val="bg1"/>
+                          </a:solidFill>
+                          <a:effectLst/>
+                        </a:rPr>
+                        <a:t>contentWindow</a:t>
+                      </a:r>
+                      <a:r>
+                        <a:rPr lang="zh-CN" altLang="en-US" sz="1600" dirty="0">
+                          <a:solidFill>
+                            <a:schemeClr val="bg1"/>
+                          </a:solidFill>
+                          <a:effectLst/>
+                        </a:rPr>
+                        <a:t>方式</a:t>
+                      </a:r>
+                    </a:p>
+                  </a:txBody>
+                  <a:tcPr marL="123825" marR="123825" marT="57150" marB="57150" anchor="ctr">
+                    <a:lnL w="12700" cap="flat" cmpd="sng" algn="ctr">
+                      <a:noFill/>
+                      <a:prstDash val="solid"/>
+                      <a:round/>
+                      <a:headEnd type="none" w="med" len="med"/>
+                      <a:tailEnd type="none" w="med" len="med"/>
+                    </a:lnL>
+                    <a:lnR w="12700" cap="flat" cmpd="sng" algn="ctr">
+                      <a:noFill/>
+                      <a:prstDash val="solid"/>
+                      <a:round/>
+                      <a:headEnd type="none" w="med" len="med"/>
+                      <a:tailEnd type="none" w="med" len="med"/>
+                    </a:lnR>
+                    <a:lnT w="12700" cap="flat" cmpd="sng" algn="ctr">
+                      <a:noFill/>
+                      <a:prstDash val="solid"/>
+                      <a:round/>
+                      <a:headEnd type="none" w="med" len="med"/>
+                      <a:tailEnd type="none" w="med" len="med"/>
+                    </a:lnT>
+                    <a:lnB w="12700" cap="flat" cmpd="sng" algn="ctr">
+                      <a:noFill/>
+                      <a:prstDash val="solid"/>
+                      <a:round/>
+                      <a:headEnd type="none" w="med" len="med"/>
+                      <a:tailEnd type="none" w="med" len="med"/>
+                    </a:lnB>
+                    <a:lnTlToBr w="12700" cmpd="sng">
+                      <a:noFill/>
+                      <a:prstDash val="solid"/>
+                    </a:lnTlToBr>
+                    <a:lnBlToTr w="12700" cmpd="sng">
+                      <a:noFill/>
+                      <a:prstDash val="solid"/>
+                    </a:lnBlToTr>
+                    <a:solidFill>
+                      <a:schemeClr val="tx1">
+                        <a:lumMod val="75000"/>
+                        <a:lumOff val="25000"/>
+                      </a:schemeClr>
+                    </a:solidFill>
+                  </a:tcPr>
+                </a:tc>
+                <a:tc>
+                  <a:txBody>
+                    <a:bodyPr/>
+                    <a:lstStyle/>
+                    <a:p>
+                      <a:r>
+                        <a:rPr lang="zh-CN" altLang="en-US" sz="1600" dirty="0">
+                          <a:solidFill>
+                            <a:schemeClr val="bg1"/>
+                          </a:solidFill>
+                          <a:effectLst/>
+                        </a:rPr>
+                        <a:t>实现简单，子应用之间自带沙箱，天然隔离，互不影响</a:t>
+                      </a:r>
+                    </a:p>
+                  </a:txBody>
+                  <a:tcPr marL="123825" marR="123825" marT="57150" marB="57150" anchor="ctr">
+                    <a:lnL w="12700" cap="flat" cmpd="sng" algn="ctr">
+                      <a:noFill/>
+                      <a:prstDash val="solid"/>
+                      <a:round/>
+                      <a:headEnd type="none" w="med" len="med"/>
+                      <a:tailEnd type="none" w="med" len="med"/>
+                    </a:lnL>
+                    <a:lnR w="12700" cap="flat" cmpd="sng" algn="ctr">
+                      <a:noFill/>
+                      <a:prstDash val="solid"/>
+                      <a:round/>
+                      <a:headEnd type="none" w="med" len="med"/>
+                      <a:tailEnd type="none" w="med" len="med"/>
+                    </a:lnR>
+                    <a:lnT w="12700" cap="flat" cmpd="sng" algn="ctr">
+                      <a:noFill/>
+                      <a:prstDash val="solid"/>
+                      <a:round/>
+                      <a:headEnd type="none" w="med" len="med"/>
+                      <a:tailEnd type="none" w="med" len="med"/>
+                    </a:lnT>
+                    <a:lnB w="12700" cap="flat" cmpd="sng" algn="ctr">
+                      <a:noFill/>
+                      <a:prstDash val="solid"/>
+                      <a:round/>
+                      <a:headEnd type="none" w="med" len="med"/>
+                      <a:tailEnd type="none" w="med" len="med"/>
+                    </a:lnB>
+                    <a:lnTlToBr w="12700" cmpd="sng">
+                      <a:noFill/>
+                      <a:prstDash val="solid"/>
+                    </a:lnTlToBr>
+                    <a:lnBlToTr w="12700" cmpd="sng">
+                      <a:noFill/>
+                      <a:prstDash val="solid"/>
+                    </a:lnBlToTr>
+                    <a:solidFill>
+                      <a:schemeClr val="tx1">
+                        <a:lumMod val="75000"/>
+                        <a:lumOff val="25000"/>
+                      </a:schemeClr>
+                    </a:solidFill>
+                  </a:tcPr>
+                </a:tc>
+                <a:tc>
+                  <a:txBody>
+                    <a:bodyPr/>
+                    <a:lstStyle/>
+                    <a:p>
+                      <a:r>
+                        <a:rPr lang="en-US" altLang="zh-CN" sz="1600" dirty="0">
+                          <a:solidFill>
+                            <a:schemeClr val="bg1"/>
+                          </a:solidFill>
+                          <a:effectLst/>
+                        </a:rPr>
+                        <a:t>iframe</a:t>
+                      </a:r>
+                      <a:r>
+                        <a:rPr lang="zh-CN" altLang="en-US" sz="1600" dirty="0">
+                          <a:solidFill>
+                            <a:schemeClr val="bg1"/>
+                          </a:solidFill>
+                          <a:effectLst/>
+                        </a:rPr>
+                        <a:t>的样式显示、兼容性都具有局限性，太过简单而显得</a:t>
+                      </a:r>
+                      <a:r>
+                        <a:rPr lang="en-US" altLang="zh-CN" sz="1600" dirty="0">
+                          <a:solidFill>
+                            <a:schemeClr val="bg1"/>
+                          </a:solidFill>
+                          <a:effectLst/>
+                        </a:rPr>
+                        <a:t>low</a:t>
+                      </a:r>
+                    </a:p>
+                  </a:txBody>
+                  <a:tcPr marL="123825" marR="123825" marT="57150" marB="57150" anchor="ctr">
+                    <a:lnL w="12700" cap="flat" cmpd="sng" algn="ctr">
+                      <a:noFill/>
+                      <a:prstDash val="solid"/>
+                      <a:round/>
+                      <a:headEnd type="none" w="med" len="med"/>
+                      <a:tailEnd type="none" w="med" len="med"/>
+                    </a:lnL>
+                    <a:lnR w="12700" cap="flat" cmpd="sng" algn="ctr">
+                      <a:noFill/>
+                      <a:prstDash val="solid"/>
+                      <a:round/>
+                      <a:headEnd type="none" w="med" len="med"/>
+                      <a:tailEnd type="none" w="med" len="med"/>
+                    </a:lnR>
+                    <a:lnT w="12700" cap="flat" cmpd="sng" algn="ctr">
+                      <a:noFill/>
+                      <a:prstDash val="solid"/>
+                      <a:round/>
+                      <a:headEnd type="none" w="med" len="med"/>
+                      <a:tailEnd type="none" w="med" len="med"/>
+                    </a:lnT>
+                    <a:lnB w="12700" cap="flat" cmpd="sng" algn="ctr">
+                      <a:noFill/>
+                      <a:prstDash val="solid"/>
+                      <a:round/>
+                      <a:headEnd type="none" w="med" len="med"/>
+                      <a:tailEnd type="none" w="med" len="med"/>
+                    </a:lnB>
+                    <a:lnTlToBr w="12700" cmpd="sng">
+                      <a:noFill/>
+                      <a:prstDash val="solid"/>
+                    </a:lnTlToBr>
+                    <a:lnBlToTr w="12700" cmpd="sng">
+                      <a:noFill/>
+                      <a:prstDash val="solid"/>
+                    </a:lnBlToTr>
+                    <a:solidFill>
+                      <a:schemeClr val="tx1">
+                        <a:lumMod val="75000"/>
+                        <a:lumOff val="25000"/>
+                      </a:schemeClr>
+                    </a:solidFill>
+                  </a:tcPr>
+                </a:tc>
+                <a:extLst>
+                  <a:ext uri="{0D108BD9-81ED-4DB2-BD59-A6C34878D82A}">
+                    <a16:rowId xmlns:a16="http://schemas.microsoft.com/office/drawing/2014/main" val="2532158659"/>
+                  </a:ext>
+                </a:extLst>
+              </a:tr>
+              <a:tr h="1128845">
+                <a:tc>
+                  <a:txBody>
+                    <a:bodyPr/>
+                    <a:lstStyle/>
+                    <a:p>
+                      <a:r>
+                        <a:rPr lang="en-US" sz="1600" b="1" dirty="0">
+                          <a:solidFill>
+                            <a:schemeClr val="bg1"/>
+                          </a:solidFill>
+                          <a:effectLst/>
+                        </a:rPr>
+                        <a:t>Web Components</a:t>
+                      </a:r>
+                      <a:endParaRPr lang="en-US" sz="1600" dirty="0">
+                        <a:solidFill>
+                          <a:schemeClr val="bg1"/>
+                        </a:solidFill>
+                        <a:effectLst/>
+                      </a:endParaRPr>
+                    </a:p>
+                  </a:txBody>
+                  <a:tcPr marL="123825" marR="123825" marT="57150" marB="57150" anchor="ctr">
+                    <a:lnL w="12700" cap="flat" cmpd="sng" algn="ctr">
+                      <a:noFill/>
+                      <a:prstDash val="solid"/>
+                      <a:round/>
+                      <a:headEnd type="none" w="med" len="med"/>
+                      <a:tailEnd type="none" w="med" len="med"/>
+                    </a:lnL>
+                    <a:lnR w="12700" cap="flat" cmpd="sng" algn="ctr">
+                      <a:noFill/>
+                      <a:prstDash val="solid"/>
+                      <a:round/>
+                      <a:headEnd type="none" w="med" len="med"/>
+                      <a:tailEnd type="none" w="med" len="med"/>
+                    </a:lnR>
+                    <a:lnT w="12700" cap="flat" cmpd="sng" algn="ctr">
+                      <a:noFill/>
+                      <a:prstDash val="solid"/>
+                      <a:round/>
+                      <a:headEnd type="none" w="med" len="med"/>
+                      <a:tailEnd type="none" w="med" len="med"/>
+                    </a:lnT>
+                    <a:lnB w="12700" cap="flat" cmpd="sng" algn="ctr">
+                      <a:noFill/>
+                      <a:prstDash val="solid"/>
+                      <a:round/>
+                      <a:headEnd type="none" w="med" len="med"/>
+                      <a:tailEnd type="none" w="med" len="med"/>
+                    </a:lnB>
+                    <a:lnTlToBr w="12700" cmpd="sng">
+                      <a:noFill/>
+                      <a:prstDash val="solid"/>
+                    </a:lnTlToBr>
+                    <a:lnBlToTr w="12700" cmpd="sng">
+                      <a:noFill/>
+                      <a:prstDash val="solid"/>
+                    </a:lnBlToTr>
+                    <a:noFill/>
+                  </a:tcPr>
+                </a:tc>
+                <a:tc>
+                  <a:txBody>
+                    <a:bodyPr/>
+                    <a:lstStyle/>
+                    <a:p>
+                      <a:r>
+                        <a:rPr lang="zh-CN" altLang="en-US" sz="1600" dirty="0">
+                          <a:solidFill>
+                            <a:schemeClr val="bg1"/>
+                          </a:solidFill>
+                          <a:effectLst/>
+                        </a:rPr>
+                        <a:t>每个子应用需要采用纯</a:t>
+                      </a:r>
+                      <a:r>
+                        <a:rPr lang="en-US" altLang="zh-CN" sz="1600" dirty="0">
+                          <a:solidFill>
+                            <a:schemeClr val="bg1"/>
+                          </a:solidFill>
+                          <a:effectLst/>
+                        </a:rPr>
+                        <a:t>Web Components </a:t>
+                      </a:r>
+                      <a:r>
+                        <a:rPr lang="zh-CN" altLang="en-US" sz="1600" dirty="0">
+                          <a:solidFill>
+                            <a:schemeClr val="bg1"/>
+                          </a:solidFill>
+                          <a:effectLst/>
+                        </a:rPr>
+                        <a:t>技术编写组件，这是一套全新的开发模式</a:t>
+                      </a:r>
+                    </a:p>
+                  </a:txBody>
+                  <a:tcPr marL="123825" marR="123825" marT="57150" marB="57150" anchor="ctr">
+                    <a:lnL w="12700" cap="flat" cmpd="sng" algn="ctr">
+                      <a:noFill/>
+                      <a:prstDash val="solid"/>
+                      <a:round/>
+                      <a:headEnd type="none" w="med" len="med"/>
+                      <a:tailEnd type="none" w="med" len="med"/>
+                    </a:lnL>
+                    <a:lnR w="12700" cap="flat" cmpd="sng" algn="ctr">
+                      <a:noFill/>
+                      <a:prstDash val="solid"/>
+                      <a:round/>
+                      <a:headEnd type="none" w="med" len="med"/>
+                      <a:tailEnd type="none" w="med" len="med"/>
+                    </a:lnR>
+                    <a:lnT w="12700" cap="flat" cmpd="sng" algn="ctr">
+                      <a:noFill/>
+                      <a:prstDash val="solid"/>
+                      <a:round/>
+                      <a:headEnd type="none" w="med" len="med"/>
+                      <a:tailEnd type="none" w="med" len="med"/>
+                    </a:lnT>
+                    <a:lnB w="12700" cap="flat" cmpd="sng" algn="ctr">
+                      <a:noFill/>
+                      <a:prstDash val="solid"/>
+                      <a:round/>
+                      <a:headEnd type="none" w="med" len="med"/>
+                      <a:tailEnd type="none" w="med" len="med"/>
+                    </a:lnB>
+                    <a:lnTlToBr w="12700" cmpd="sng">
+                      <a:noFill/>
+                      <a:prstDash val="solid"/>
+                    </a:lnTlToBr>
+                    <a:lnBlToTr w="12700" cmpd="sng">
+                      <a:noFill/>
+                      <a:prstDash val="solid"/>
+                    </a:lnBlToTr>
+                    <a:noFill/>
+                  </a:tcPr>
+                </a:tc>
+                <a:tc>
+                  <a:txBody>
+                    <a:bodyPr/>
+                    <a:lstStyle/>
+                    <a:p>
+                      <a:r>
+                        <a:rPr lang="zh-CN" altLang="en-US" sz="1600" dirty="0">
+                          <a:solidFill>
+                            <a:schemeClr val="bg1"/>
+                          </a:solidFill>
+                          <a:effectLst/>
+                        </a:rPr>
+                        <a:t>每个子应用拥有独立的</a:t>
+                      </a:r>
+                      <a:r>
+                        <a:rPr lang="en-US" altLang="zh-CN" sz="1600" dirty="0">
+                          <a:solidFill>
+                            <a:schemeClr val="bg1"/>
+                          </a:solidFill>
+                          <a:effectLst/>
+                        </a:rPr>
+                        <a:t>script</a:t>
+                      </a:r>
+                      <a:r>
+                        <a:rPr lang="zh-CN" altLang="en-US" sz="1600" dirty="0">
+                          <a:solidFill>
+                            <a:schemeClr val="bg1"/>
+                          </a:solidFill>
+                          <a:effectLst/>
+                        </a:rPr>
+                        <a:t>和</a:t>
+                      </a:r>
+                      <a:r>
+                        <a:rPr lang="en-US" altLang="zh-CN" sz="1600" dirty="0" err="1">
+                          <a:solidFill>
+                            <a:schemeClr val="bg1"/>
+                          </a:solidFill>
+                          <a:effectLst/>
+                        </a:rPr>
+                        <a:t>css</a:t>
+                      </a:r>
+                      <a:r>
+                        <a:rPr lang="zh-CN" altLang="en-US" sz="1600" dirty="0">
+                          <a:solidFill>
+                            <a:schemeClr val="bg1"/>
+                          </a:solidFill>
+                          <a:effectLst/>
+                        </a:rPr>
+                        <a:t>，也可以单独部署</a:t>
+                      </a:r>
+                    </a:p>
+                  </a:txBody>
+                  <a:tcPr marL="123825" marR="123825" marT="57150" marB="57150" anchor="ctr">
+                    <a:lnL w="12700" cap="flat" cmpd="sng" algn="ctr">
+                      <a:noFill/>
+                      <a:prstDash val="solid"/>
+                      <a:round/>
+                      <a:headEnd type="none" w="med" len="med"/>
+                      <a:tailEnd type="none" w="med" len="med"/>
+                    </a:lnL>
+                    <a:lnR w="12700" cap="flat" cmpd="sng" algn="ctr">
+                      <a:noFill/>
+                      <a:prstDash val="solid"/>
+                      <a:round/>
+                      <a:headEnd type="none" w="med" len="med"/>
+                      <a:tailEnd type="none" w="med" len="med"/>
+                    </a:lnR>
+                    <a:lnT w="12700" cap="flat" cmpd="sng" algn="ctr">
+                      <a:noFill/>
+                      <a:prstDash val="solid"/>
+                      <a:round/>
+                      <a:headEnd type="none" w="med" len="med"/>
+                      <a:tailEnd type="none" w="med" len="med"/>
+                    </a:lnT>
+                    <a:lnB w="12700" cap="flat" cmpd="sng" algn="ctr">
+                      <a:noFill/>
+                      <a:prstDash val="solid"/>
+                      <a:round/>
+                      <a:headEnd type="none" w="med" len="med"/>
+                      <a:tailEnd type="none" w="med" len="med"/>
+                    </a:lnB>
+                    <a:lnTlToBr w="12700" cmpd="sng">
+                      <a:noFill/>
+                      <a:prstDash val="solid"/>
+                    </a:lnTlToBr>
+                    <a:lnBlToTr w="12700" cmpd="sng">
+                      <a:noFill/>
+                      <a:prstDash val="solid"/>
+                    </a:lnBlToTr>
+                    <a:noFill/>
+                  </a:tcPr>
+                </a:tc>
+                <a:tc>
+                  <a:txBody>
+                    <a:bodyPr/>
+                    <a:lstStyle/>
+                    <a:p>
+                      <a:r>
+                        <a:rPr lang="zh-CN" altLang="en-US" sz="1600" dirty="0">
+                          <a:solidFill>
+                            <a:schemeClr val="bg1"/>
+                          </a:solidFill>
+                          <a:effectLst/>
+                        </a:rPr>
+                        <a:t>对于历史系统的改造成本过高，子应用通信较为复杂，容易踩坑</a:t>
+                      </a:r>
+                    </a:p>
+                  </a:txBody>
+                  <a:tcPr marL="123825" marR="123825" marT="57150" marB="57150" anchor="ctr">
+                    <a:lnL w="12700" cap="flat" cmpd="sng" algn="ctr">
+                      <a:noFill/>
+                      <a:prstDash val="solid"/>
+                      <a:round/>
+                      <a:headEnd type="none" w="med" len="med"/>
+                      <a:tailEnd type="none" w="med" len="med"/>
+                    </a:lnL>
+                    <a:lnR w="12700" cap="flat" cmpd="sng" algn="ctr">
+                      <a:noFill/>
+                      <a:prstDash val="solid"/>
+                      <a:round/>
+                      <a:headEnd type="none" w="med" len="med"/>
+                      <a:tailEnd type="none" w="med" len="med"/>
+                    </a:lnR>
+                    <a:lnT w="12700" cap="flat" cmpd="sng" algn="ctr">
+                      <a:noFill/>
+                      <a:prstDash val="solid"/>
+                      <a:round/>
+                      <a:headEnd type="none" w="med" len="med"/>
+                      <a:tailEnd type="none" w="med" len="med"/>
+                    </a:lnT>
+                    <a:lnB w="12700" cap="flat" cmpd="sng" algn="ctr">
+                      <a:noFill/>
+                      <a:prstDash val="solid"/>
+                      <a:round/>
+                      <a:headEnd type="none" w="med" len="med"/>
+                      <a:tailEnd type="none" w="med" len="med"/>
+                    </a:lnB>
+                    <a:lnTlToBr w="12700" cmpd="sng">
+                      <a:noFill/>
+                      <a:prstDash val="solid"/>
+                    </a:lnTlToBr>
+                    <a:lnBlToTr w="12700" cmpd="sng">
+                      <a:noFill/>
+                      <a:prstDash val="solid"/>
+                    </a:lnBlToTr>
+                    <a:noFill/>
+                  </a:tcPr>
+                </a:tc>
+                <a:extLst>
+                  <a:ext uri="{0D108BD9-81ED-4DB2-BD59-A6C34878D82A}">
+                    <a16:rowId xmlns:a16="http://schemas.microsoft.com/office/drawing/2014/main" val="3660941199"/>
+                  </a:ext>
+                </a:extLst>
+              </a:tr>
+              <a:tr h="1640020">
+                <a:tc>
+                  <a:txBody>
+                    <a:bodyPr/>
+                    <a:lstStyle/>
+                    <a:p>
+                      <a:r>
+                        <a:rPr lang="zh-CN" altLang="en-US" sz="1600" b="1" dirty="0">
+                          <a:solidFill>
+                            <a:schemeClr val="bg1"/>
+                          </a:solidFill>
+                          <a:effectLst/>
+                        </a:rPr>
+                        <a:t>组合式应用路由分发</a:t>
+                      </a:r>
+                      <a:endParaRPr lang="zh-CN" altLang="en-US" sz="1600" dirty="0">
+                        <a:solidFill>
+                          <a:schemeClr val="bg1"/>
+                        </a:solidFill>
+                        <a:effectLst/>
+                      </a:endParaRPr>
+                    </a:p>
+                  </a:txBody>
+                  <a:tcPr marL="123825" marR="123825" marT="57150" marB="57150" anchor="ctr">
+                    <a:lnL w="12700" cap="flat" cmpd="sng" algn="ctr">
+                      <a:noFill/>
+                      <a:prstDash val="solid"/>
+                      <a:round/>
+                      <a:headEnd type="none" w="med" len="med"/>
+                      <a:tailEnd type="none" w="med" len="med"/>
+                    </a:lnL>
+                    <a:lnR w="12700" cap="flat" cmpd="sng" algn="ctr">
+                      <a:noFill/>
+                      <a:prstDash val="solid"/>
+                      <a:round/>
+                      <a:headEnd type="none" w="med" len="med"/>
+                      <a:tailEnd type="none" w="med" len="med"/>
+                    </a:lnR>
+                    <a:lnT w="12700" cap="flat" cmpd="sng" algn="ctr">
+                      <a:noFill/>
+                      <a:prstDash val="solid"/>
+                      <a:round/>
+                      <a:headEnd type="none" w="med" len="med"/>
+                      <a:tailEnd type="none" w="med" len="med"/>
+                    </a:lnT>
+                    <a:lnB w="12700" cap="flat" cmpd="sng" algn="ctr">
+                      <a:noFill/>
+                      <a:prstDash val="solid"/>
+                      <a:round/>
+                      <a:headEnd type="none" w="med" len="med"/>
+                      <a:tailEnd type="none" w="med" len="med"/>
+                    </a:lnB>
+                    <a:lnTlToBr w="12700" cmpd="sng">
+                      <a:noFill/>
+                      <a:prstDash val="solid"/>
+                    </a:lnTlToBr>
+                    <a:lnBlToTr w="12700" cmpd="sng">
+                      <a:noFill/>
+                      <a:prstDash val="solid"/>
+                    </a:lnBlToTr>
+                    <a:solidFill>
+                      <a:schemeClr val="tx1">
+                        <a:lumMod val="75000"/>
+                        <a:lumOff val="25000"/>
+                      </a:schemeClr>
+                    </a:solidFill>
+                  </a:tcPr>
+                </a:tc>
+                <a:tc>
+                  <a:txBody>
+                    <a:bodyPr/>
+                    <a:lstStyle/>
+                    <a:p>
+                      <a:r>
+                        <a:rPr lang="zh-CN" altLang="en-US" sz="1600" dirty="0">
+                          <a:solidFill>
+                            <a:schemeClr val="bg1"/>
+                          </a:solidFill>
+                          <a:effectLst/>
+                        </a:rPr>
+                        <a:t>每个子应用独立构建和部署，运行时由父应用来进行路由管理，应用加载、启动、卸载以及通信机制</a:t>
+                      </a:r>
+                    </a:p>
+                  </a:txBody>
+                  <a:tcPr marL="123825" marR="123825" marT="57150" marB="57150" anchor="ctr">
+                    <a:lnL w="12700" cap="flat" cmpd="sng" algn="ctr">
+                      <a:noFill/>
+                      <a:prstDash val="solid"/>
+                      <a:round/>
+                      <a:headEnd type="none" w="med" len="med"/>
+                      <a:tailEnd type="none" w="med" len="med"/>
+                    </a:lnL>
+                    <a:lnR w="12700" cap="flat" cmpd="sng" algn="ctr">
+                      <a:noFill/>
+                      <a:prstDash val="solid"/>
+                      <a:round/>
+                      <a:headEnd type="none" w="med" len="med"/>
+                      <a:tailEnd type="none" w="med" len="med"/>
+                    </a:lnR>
+                    <a:lnT w="12700" cap="flat" cmpd="sng" algn="ctr">
+                      <a:noFill/>
+                      <a:prstDash val="solid"/>
+                      <a:round/>
+                      <a:headEnd type="none" w="med" len="med"/>
+                      <a:tailEnd type="none" w="med" len="med"/>
+                    </a:lnT>
+                    <a:lnB w="12700" cap="flat" cmpd="sng" algn="ctr">
+                      <a:noFill/>
+                      <a:prstDash val="solid"/>
+                      <a:round/>
+                      <a:headEnd type="none" w="med" len="med"/>
+                      <a:tailEnd type="none" w="med" len="med"/>
+                    </a:lnB>
+                    <a:lnTlToBr w="12700" cmpd="sng">
+                      <a:noFill/>
+                      <a:prstDash val="solid"/>
+                    </a:lnTlToBr>
+                    <a:lnBlToTr w="12700" cmpd="sng">
+                      <a:noFill/>
+                      <a:prstDash val="solid"/>
+                    </a:lnBlToTr>
+                    <a:solidFill>
+                      <a:schemeClr val="tx1">
+                        <a:lumMod val="75000"/>
+                        <a:lumOff val="25000"/>
+                      </a:schemeClr>
+                    </a:solidFill>
+                  </a:tcPr>
+                </a:tc>
+                <a:tc>
+                  <a:txBody>
+                    <a:bodyPr/>
+                    <a:lstStyle/>
+                    <a:p>
+                      <a:r>
+                        <a:rPr lang="zh-CN" altLang="en-US" sz="1600" dirty="0">
+                          <a:solidFill>
+                            <a:schemeClr val="bg1"/>
+                          </a:solidFill>
+                          <a:effectLst/>
+                        </a:rPr>
+                        <a:t>纯前端改造，体验良好，可无感知切换，子应用互相隔离</a:t>
+                      </a:r>
+                    </a:p>
+                  </a:txBody>
+                  <a:tcPr marL="123825" marR="123825" marT="57150" marB="57150" anchor="ctr">
+                    <a:lnL w="12700" cap="flat" cmpd="sng" algn="ctr">
+                      <a:noFill/>
+                      <a:prstDash val="solid"/>
+                      <a:round/>
+                      <a:headEnd type="none" w="med" len="med"/>
+                      <a:tailEnd type="none" w="med" len="med"/>
+                    </a:lnL>
+                    <a:lnR w="12700" cap="flat" cmpd="sng" algn="ctr">
+                      <a:noFill/>
+                      <a:prstDash val="solid"/>
+                      <a:round/>
+                      <a:headEnd type="none" w="med" len="med"/>
+                      <a:tailEnd type="none" w="med" len="med"/>
+                    </a:lnR>
+                    <a:lnT w="12700" cap="flat" cmpd="sng" algn="ctr">
+                      <a:noFill/>
+                      <a:prstDash val="solid"/>
+                      <a:round/>
+                      <a:headEnd type="none" w="med" len="med"/>
+                      <a:tailEnd type="none" w="med" len="med"/>
+                    </a:lnT>
+                    <a:lnB w="12700" cap="flat" cmpd="sng" algn="ctr">
+                      <a:noFill/>
+                      <a:prstDash val="solid"/>
+                      <a:round/>
+                      <a:headEnd type="none" w="med" len="med"/>
+                      <a:tailEnd type="none" w="med" len="med"/>
+                    </a:lnB>
+                    <a:lnTlToBr w="12700" cmpd="sng">
+                      <a:noFill/>
+                      <a:prstDash val="solid"/>
+                    </a:lnTlToBr>
+                    <a:lnBlToTr w="12700" cmpd="sng">
+                      <a:noFill/>
+                      <a:prstDash val="solid"/>
+                    </a:lnBlToTr>
+                    <a:solidFill>
+                      <a:schemeClr val="tx1">
+                        <a:lumMod val="75000"/>
+                        <a:lumOff val="25000"/>
+                      </a:schemeClr>
+                    </a:solidFill>
+                  </a:tcPr>
+                </a:tc>
+                <a:tc>
+                  <a:txBody>
+                    <a:bodyPr/>
+                    <a:lstStyle/>
+                    <a:p>
+                      <a:r>
+                        <a:rPr lang="zh-CN" altLang="en-US" sz="1600" dirty="0">
+                          <a:solidFill>
+                            <a:schemeClr val="bg1"/>
+                          </a:solidFill>
+                          <a:effectLst/>
+                        </a:rPr>
+                        <a:t>需要设计和开发，由于父子应用处于同一页面运行，需要解决子应用的样式冲突、变量对象污染、通信机制等技术点</a:t>
+                      </a:r>
+                    </a:p>
+                  </a:txBody>
+                  <a:tcPr marL="123825" marR="123825" marT="57150" marB="57150" anchor="ctr">
+                    <a:lnL w="12700" cap="flat" cmpd="sng" algn="ctr">
+                      <a:noFill/>
+                      <a:prstDash val="solid"/>
+                      <a:round/>
+                      <a:headEnd type="none" w="med" len="med"/>
+                      <a:tailEnd type="none" w="med" len="med"/>
+                    </a:lnL>
+                    <a:lnR w="12700" cap="flat" cmpd="sng" algn="ctr">
+                      <a:noFill/>
+                      <a:prstDash val="solid"/>
+                      <a:round/>
+                      <a:headEnd type="none" w="med" len="med"/>
+                      <a:tailEnd type="none" w="med" len="med"/>
+                    </a:lnR>
+                    <a:lnT w="12700" cap="flat" cmpd="sng" algn="ctr">
+                      <a:noFill/>
+                      <a:prstDash val="solid"/>
+                      <a:round/>
+                      <a:headEnd type="none" w="med" len="med"/>
+                      <a:tailEnd type="none" w="med" len="med"/>
+                    </a:lnT>
+                    <a:lnB w="12700" cap="flat" cmpd="sng" algn="ctr">
+                      <a:noFill/>
+                      <a:prstDash val="solid"/>
+                      <a:round/>
+                      <a:headEnd type="none" w="med" len="med"/>
+                      <a:tailEnd type="none" w="med" len="med"/>
+                    </a:lnB>
+                    <a:lnTlToBr w="12700" cmpd="sng">
+                      <a:noFill/>
+                      <a:prstDash val="solid"/>
+                    </a:lnTlToBr>
+                    <a:lnBlToTr w="12700" cmpd="sng">
+                      <a:noFill/>
+                      <a:prstDash val="solid"/>
+                    </a:lnBlToTr>
+                    <a:solidFill>
+                      <a:schemeClr val="tx1">
+                        <a:lumMod val="75000"/>
+                        <a:lumOff val="25000"/>
+                      </a:schemeClr>
+                    </a:solidFill>
+                  </a:tcPr>
+                </a:tc>
+                <a:extLst>
+                  <a:ext uri="{0D108BD9-81ED-4DB2-BD59-A6C34878D82A}">
+                    <a16:rowId xmlns:a16="http://schemas.microsoft.com/office/drawing/2014/main" val="4044885284"/>
+                  </a:ext>
+                </a:extLst>
+              </a:tr>
+            </a:tbl>
+          </a:graphicData>
+        </a:graphic>
+      </p:graphicFrame>
+    </p:spTree>
+    <p:extLst>
+      <p:ext uri="{BB962C8B-B14F-4D97-AF65-F5344CB8AC3E}">
+        <p14:creationId xmlns:p14="http://schemas.microsoft.com/office/powerpoint/2010/main" val="2279415007"/>
+      </p:ext>
+    </p:extLst>
+  </p:cSld>
+  <p:clrMapOvr>
+    <a:masterClrMapping/>
+  </p:clrMapOvr>
+</p:sld>
+</file>
+
+<file path=ppt/slides/slide5.xml><?xml version="1.0" encoding="utf-8"?>
+<p:sld xmlns:a="http://schemas.openxmlformats.org/drawingml/2006/main" xmlns:r="http://schemas.openxmlformats.org/officeDocument/2006/relationships" xmlns:p="http://schemas.openxmlformats.org/presentationml/2006/main">
+  <p:cSld>
+    <p:spTree>
+      <p:nvGrpSpPr>
+        <p:cNvPr id="1" name=""/>
+        <p:cNvGrpSpPr/>
+        <p:nvPr/>
+      </p:nvGrpSpPr>
+      <p:grpSpPr>
+        <a:xfrm>
+          <a:off x="0" y="0"/>
+          <a:ext cx="0" cy="0"/>
+          <a:chOff x="0" y="0"/>
+          <a:chExt cx="0" cy="0"/>
+        </a:xfrm>
+      </p:grpSpPr>
+      <p:sp>
+        <p:nvSpPr>
+          <p:cNvPr id="2" name="标题 1">
+            <a:extLst>
+              <a:ext uri="{FF2B5EF4-FFF2-40B4-BE49-F238E27FC236}">
+                <a16:creationId xmlns:a16="http://schemas.microsoft.com/office/drawing/2014/main" id="{C17987D7-5648-4ADD-92A4-F244E9BD721B}"/>
+              </a:ext>
+            </a:extLst>
+          </p:cNvPr>
+          <p:cNvSpPr>
+            <a:spLocks noGrp="1"/>
+          </p:cNvSpPr>
+          <p:nvPr>
+            <p:ph type="title"/>
+          </p:nvPr>
+        </p:nvSpPr>
+        <p:spPr/>
+        <p:txBody>
+          <a:bodyPr/>
+          <a:lstStyle/>
+          <a:p>
+            <a:endParaRPr lang="zh-CN" altLang="en-US"/>
+          </a:p>
+        </p:txBody>
+      </p:sp>
+      <p:sp>
+        <p:nvSpPr>
+          <p:cNvPr id="3" name="内容占位符 2">
+            <a:extLst>
+              <a:ext uri="{FF2B5EF4-FFF2-40B4-BE49-F238E27FC236}">
+                <a16:creationId xmlns:a16="http://schemas.microsoft.com/office/drawing/2014/main" id="{236D511B-F36E-40E5-B9CE-7C411E9FDBF6}"/>
+              </a:ext>
+            </a:extLst>
+          </p:cNvPr>
+          <p:cNvSpPr>
+            <a:spLocks noGrp="1"/>
+          </p:cNvSpPr>
+          <p:nvPr>
+            <p:ph idx="1"/>
+          </p:nvPr>
+        </p:nvSpPr>
+        <p:spPr/>
+        <p:txBody>
+          <a:bodyPr/>
+          <a:lstStyle/>
+          <a:p>
+            <a:endParaRPr lang="zh-CN" altLang="en-US"/>
+          </a:p>
+        </p:txBody>
+      </p:sp>
+    </p:spTree>
+    <p:extLst>
+      <p:ext uri="{BB962C8B-B14F-4D97-AF65-F5344CB8AC3E}">
+        <p14:creationId xmlns:p14="http://schemas.microsoft.com/office/powerpoint/2010/main" val="830213547"/>
+      </p:ext>
+    </p:extLst>
+  </p:cSld>
+  <p:clrMapOvr>
+    <a:masterClrMapping/>
+  </p:clrMapOvr>
+</p:sld>
+</file>
+
+<file path=ppt/slides/slide6.xml><?xml version="1.0" encoding="utf-8"?>
+<p:sld xmlns:a="http://schemas.openxmlformats.org/drawingml/2006/main" xmlns:r="http://schemas.openxmlformats.org/officeDocument/2006/relationships" xmlns:p="http://schemas.openxmlformats.org/presentationml/2006/main">
+  <p:cSld>
+    <p:spTree>
+      <p:nvGrpSpPr>
+        <p:cNvPr id="1" name=""/>
+        <p:cNvGrpSpPr/>
+        <p:nvPr/>
+      </p:nvGrpSpPr>
+      <p:grpSpPr>
+        <a:xfrm>
+          <a:off x="0" y="0"/>
+          <a:ext cx="0" cy="0"/>
+          <a:chOff x="0" y="0"/>
+          <a:chExt cx="0" cy="0"/>
+        </a:xfrm>
+      </p:grpSpPr>
+      <p:sp>
+        <p:nvSpPr>
           <p:cNvPr id="2" name="标题 1"/>
           <p:cNvSpPr>
             <a:spLocks noGrp="1"/>
@@ -5815,477 +8901,6 @@
     <p:custDataLst>
       <p:tags r:id="rId1"/>
     </p:custDataLst>
-  </p:cSld>
-  <p:clrMapOvr>
-    <a:masterClrMapping/>
-  </p:clrMapOvr>
-</p:sld>
-</file>
-
-<file path=ppt/slides/slide2.xml><?xml version="1.0" encoding="utf-8"?>
-<p:sld xmlns:a="http://schemas.openxmlformats.org/drawingml/2006/main" xmlns:r="http://schemas.openxmlformats.org/officeDocument/2006/relationships" xmlns:p="http://schemas.openxmlformats.org/presentationml/2006/main">
-  <p:cSld>
-    <p:spTree>
-      <p:nvGrpSpPr>
-        <p:cNvPr id="1" name=""/>
-        <p:cNvGrpSpPr/>
-        <p:nvPr/>
-      </p:nvGrpSpPr>
-      <p:grpSpPr>
-        <a:xfrm>
-          <a:off x="0" y="0"/>
-          <a:ext cx="0" cy="0"/>
-          <a:chOff x="0" y="0"/>
-          <a:chExt cx="0" cy="0"/>
-        </a:xfrm>
-      </p:grpSpPr>
-      <p:sp>
-        <p:nvSpPr>
-          <p:cNvPr id="2" name="标题 1">
-            <a:extLst>
-              <a:ext uri="{FF2B5EF4-FFF2-40B4-BE49-F238E27FC236}">
-                <a16:creationId xmlns:a16="http://schemas.microsoft.com/office/drawing/2014/main" id="{7CB36DE7-400B-4129-8A1C-C0E494945F4C}"/>
-              </a:ext>
-            </a:extLst>
-          </p:cNvPr>
-          <p:cNvSpPr>
-            <a:spLocks noGrp="1"/>
-          </p:cNvSpPr>
-          <p:nvPr>
-            <p:ph type="title"/>
-          </p:nvPr>
-        </p:nvSpPr>
-        <p:spPr>
-          <a:xfrm>
-            <a:off x="3201629" y="608400"/>
-            <a:ext cx="5788742" cy="705600"/>
-          </a:xfrm>
-        </p:spPr>
-        <p:txBody>
-          <a:bodyPr/>
-          <a:lstStyle/>
-          <a:p>
-            <a:r>
-              <a:rPr lang="zh-CN" altLang="en-US" dirty="0">
-                <a:solidFill>
-                  <a:schemeClr val="bg1"/>
-                </a:solidFill>
-              </a:rPr>
-              <a:t>微前端的核心是什么？</a:t>
-            </a:r>
-          </a:p>
-        </p:txBody>
-      </p:sp>
-      <p:pic>
-        <p:nvPicPr>
-          <p:cNvPr id="9" name="内容占位符 8">
-            <a:extLst>
-              <a:ext uri="{FF2B5EF4-FFF2-40B4-BE49-F238E27FC236}">
-                <a16:creationId xmlns:a16="http://schemas.microsoft.com/office/drawing/2014/main" id="{61462BDB-F4F3-4210-A22F-410AF1E4490C}"/>
-              </a:ext>
-            </a:extLst>
-          </p:cNvPr>
-          <p:cNvPicPr>
-            <a:picLocks noGrp="1" noChangeAspect="1"/>
-          </p:cNvPicPr>
-          <p:nvPr>
-            <p:ph idx="1"/>
-          </p:nvPr>
-        </p:nvPicPr>
-        <p:blipFill>
-          <a:blip r:embed="rId2">
-            <a:extLst>
-              <a:ext uri="{28A0092B-C50C-407E-A947-70E740481C1C}">
-                <a14:useLocalDpi xmlns:a14="http://schemas.microsoft.com/office/drawing/2010/main" val="0"/>
-              </a:ext>
-            </a:extLst>
-          </a:blip>
-          <a:stretch>
-            <a:fillRect/>
-          </a:stretch>
-        </p:blipFill>
-        <p:spPr>
-          <a:xfrm>
-            <a:off x="2287664" y="1708377"/>
-            <a:ext cx="6931055" cy="4759325"/>
-          </a:xfrm>
-        </p:spPr>
-      </p:pic>
-    </p:spTree>
-    <p:extLst>
-      <p:ext uri="{BB962C8B-B14F-4D97-AF65-F5344CB8AC3E}">
-        <p14:creationId xmlns:p14="http://schemas.microsoft.com/office/powerpoint/2010/main" val="3116453119"/>
-      </p:ext>
-    </p:extLst>
-  </p:cSld>
-  <p:clrMapOvr>
-    <a:masterClrMapping/>
-  </p:clrMapOvr>
-</p:sld>
-</file>
-
-<file path=ppt/slides/slide3.xml><?xml version="1.0" encoding="utf-8"?>
-<p:sld xmlns:a="http://schemas.openxmlformats.org/drawingml/2006/main" xmlns:r="http://schemas.openxmlformats.org/officeDocument/2006/relationships" xmlns:p="http://schemas.openxmlformats.org/presentationml/2006/main">
-  <p:cSld>
-    <p:spTree>
-      <p:nvGrpSpPr>
-        <p:cNvPr id="1" name=""/>
-        <p:cNvGrpSpPr/>
-        <p:nvPr/>
-      </p:nvGrpSpPr>
-      <p:grpSpPr>
-        <a:xfrm>
-          <a:off x="0" y="0"/>
-          <a:ext cx="0" cy="0"/>
-          <a:chOff x="0" y="0"/>
-          <a:chExt cx="0" cy="0"/>
-        </a:xfrm>
-      </p:grpSpPr>
-      <p:sp>
-        <p:nvSpPr>
-          <p:cNvPr id="2" name="标题 1">
-            <a:extLst>
-              <a:ext uri="{FF2B5EF4-FFF2-40B4-BE49-F238E27FC236}">
-                <a16:creationId xmlns:a16="http://schemas.microsoft.com/office/drawing/2014/main" id="{AACAAD80-7958-4CD5-8224-91AFD122E695}"/>
-              </a:ext>
-            </a:extLst>
-          </p:cNvPr>
-          <p:cNvSpPr>
-            <a:spLocks noGrp="1"/>
-          </p:cNvSpPr>
-          <p:nvPr>
-            <p:ph type="title"/>
-          </p:nvPr>
-        </p:nvSpPr>
-        <p:spPr/>
-        <p:txBody>
-          <a:bodyPr/>
-          <a:lstStyle/>
-          <a:p>
-            <a:r>
-              <a:rPr lang="zh-CN" altLang="en-US" dirty="0">
-                <a:solidFill>
-                  <a:schemeClr val="bg1"/>
-                </a:solidFill>
-              </a:rPr>
-              <a:t>巨石应用</a:t>
-            </a:r>
-          </a:p>
-        </p:txBody>
-      </p:sp>
-      <p:sp>
-        <p:nvSpPr>
-          <p:cNvPr id="3" name="内容占位符 2">
-            <a:extLst>
-              <a:ext uri="{FF2B5EF4-FFF2-40B4-BE49-F238E27FC236}">
-                <a16:creationId xmlns:a16="http://schemas.microsoft.com/office/drawing/2014/main" id="{9D106469-89A7-416E-B016-6815A680CBD0}"/>
-              </a:ext>
-            </a:extLst>
-          </p:cNvPr>
-          <p:cNvSpPr>
-            <a:spLocks noGrp="1"/>
-          </p:cNvSpPr>
-          <p:nvPr>
-            <p:ph idx="1"/>
-          </p:nvPr>
-        </p:nvSpPr>
-        <p:spPr>
-          <a:xfrm>
-            <a:off x="608400" y="1393371"/>
-            <a:ext cx="10969200" cy="4856229"/>
-          </a:xfrm>
-        </p:spPr>
-        <p:txBody>
-          <a:bodyPr/>
-          <a:lstStyle/>
-          <a:p>
-            <a:endParaRPr lang="zh-CN" altLang="en-US" dirty="0">
-              <a:solidFill>
-                <a:schemeClr val="bg1"/>
-              </a:solidFill>
-            </a:endParaRPr>
-          </a:p>
-        </p:txBody>
-      </p:sp>
-    </p:spTree>
-    <p:extLst>
-      <p:ext uri="{BB962C8B-B14F-4D97-AF65-F5344CB8AC3E}">
-        <p14:creationId xmlns:p14="http://schemas.microsoft.com/office/powerpoint/2010/main" val="2279415007"/>
-      </p:ext>
-    </p:extLst>
-  </p:cSld>
-  <p:clrMapOvr>
-    <a:masterClrMapping/>
-  </p:clrMapOvr>
-</p:sld>
-</file>
-
-<file path=ppt/slides/slide4.xml><?xml version="1.0" encoding="utf-8"?>
-<p:sld xmlns:a="http://schemas.openxmlformats.org/drawingml/2006/main" xmlns:r="http://schemas.openxmlformats.org/officeDocument/2006/relationships" xmlns:p="http://schemas.openxmlformats.org/presentationml/2006/main">
-  <p:cSld>
-    <p:spTree>
-      <p:nvGrpSpPr>
-        <p:cNvPr id="1" name=""/>
-        <p:cNvGrpSpPr/>
-        <p:nvPr/>
-      </p:nvGrpSpPr>
-      <p:grpSpPr>
-        <a:xfrm>
-          <a:off x="0" y="0"/>
-          <a:ext cx="0" cy="0"/>
-          <a:chOff x="0" y="0"/>
-          <a:chExt cx="0" cy="0"/>
-        </a:xfrm>
-      </p:grpSpPr>
-      <p:sp>
-        <p:nvSpPr>
-          <p:cNvPr id="2" name="标题 1">
-            <a:extLst>
-              <a:ext uri="{FF2B5EF4-FFF2-40B4-BE49-F238E27FC236}">
-                <a16:creationId xmlns:a16="http://schemas.microsoft.com/office/drawing/2014/main" id="{8CC9DFCA-6BEF-4526-A5A9-66EFCE5AFDBC}"/>
-              </a:ext>
-            </a:extLst>
-          </p:cNvPr>
-          <p:cNvSpPr>
-            <a:spLocks noGrp="1"/>
-          </p:cNvSpPr>
-          <p:nvPr>
-            <p:ph type="title"/>
-          </p:nvPr>
-        </p:nvSpPr>
-        <p:spPr/>
-        <p:txBody>
-          <a:bodyPr/>
-          <a:lstStyle/>
-          <a:p>
-            <a:r>
-              <a:rPr lang="zh-CN" altLang="en-US" dirty="0">
-                <a:solidFill>
-                  <a:schemeClr val="bg1"/>
-                </a:solidFill>
-              </a:rPr>
-              <a:t>什么是微前端</a:t>
-            </a:r>
-          </a:p>
-        </p:txBody>
-      </p:sp>
-      <p:sp>
-        <p:nvSpPr>
-          <p:cNvPr id="3" name="内容占位符 2">
-            <a:extLst>
-              <a:ext uri="{FF2B5EF4-FFF2-40B4-BE49-F238E27FC236}">
-                <a16:creationId xmlns:a16="http://schemas.microsoft.com/office/drawing/2014/main" id="{0957C590-63CB-412E-89CC-C8B4BD41B4DB}"/>
-              </a:ext>
-            </a:extLst>
-          </p:cNvPr>
-          <p:cNvSpPr>
-            <a:spLocks noGrp="1"/>
-          </p:cNvSpPr>
-          <p:nvPr>
-            <p:ph idx="1"/>
-          </p:nvPr>
-        </p:nvSpPr>
-        <p:spPr/>
-        <p:txBody>
-          <a:bodyPr/>
-          <a:lstStyle/>
-          <a:p>
-            <a:r>
-              <a:rPr lang="zh-CN" altLang="en-US" dirty="0">
-                <a:solidFill>
-                  <a:schemeClr val="bg1"/>
-                </a:solidFill>
-              </a:rPr>
-              <a:t>微前端（</a:t>
-            </a:r>
-            <a:r>
-              <a:rPr lang="en-US" altLang="zh-CN" dirty="0">
-                <a:solidFill>
-                  <a:schemeClr val="bg1"/>
-                </a:solidFill>
-              </a:rPr>
-              <a:t>Micro-Frontends</a:t>
-            </a:r>
-            <a:r>
-              <a:rPr lang="zh-CN" altLang="en-US" dirty="0">
-                <a:solidFill>
-                  <a:schemeClr val="bg1"/>
-                </a:solidFill>
-              </a:rPr>
-              <a:t>）是一种类似于微服务的架构，它将微服务的理念应用于浏览器端，即将</a:t>
-            </a:r>
-            <a:r>
-              <a:rPr lang="en-US" altLang="zh-CN" dirty="0">
-                <a:solidFill>
-                  <a:schemeClr val="bg1"/>
-                </a:solidFill>
-              </a:rPr>
-              <a:t>Web</a:t>
-            </a:r>
-            <a:r>
-              <a:rPr lang="zh-CN" altLang="en-US" dirty="0">
-                <a:solidFill>
-                  <a:schemeClr val="bg1"/>
-                </a:solidFill>
-              </a:rPr>
-              <a:t>应用由单一的单体应用转变为由多个小型前端应用聚合在一起的应用。各个前端应用还可以独立运行、独立开发、独立部署。微前端不再是单纯的前端框架或者工具，而是一套架构体系。</a:t>
-            </a:r>
-            <a:endParaRPr lang="en-US" altLang="zh-CN" dirty="0">
-              <a:solidFill>
-                <a:schemeClr val="bg1"/>
-              </a:solidFill>
-            </a:endParaRPr>
-          </a:p>
-          <a:p>
-            <a:r>
-              <a:rPr lang="zh-CN" altLang="en-US" dirty="0">
-                <a:solidFill>
-                  <a:schemeClr val="bg1"/>
-                </a:solidFill>
-              </a:rPr>
-              <a:t>微前端是一种多个团队通过独立发布功能的方式来共同构建现代化 </a:t>
-            </a:r>
-            <a:r>
-              <a:rPr lang="en-US" altLang="zh-CN" dirty="0">
-                <a:solidFill>
-                  <a:schemeClr val="bg1"/>
-                </a:solidFill>
-              </a:rPr>
-              <a:t>web </a:t>
-            </a:r>
-            <a:r>
-              <a:rPr lang="zh-CN" altLang="en-US" dirty="0">
-                <a:solidFill>
-                  <a:schemeClr val="bg1"/>
-                </a:solidFill>
-              </a:rPr>
-              <a:t>应用的技术手段及方法策略。</a:t>
-            </a:r>
-          </a:p>
-        </p:txBody>
-      </p:sp>
-    </p:spTree>
-    <p:extLst>
-      <p:ext uri="{BB962C8B-B14F-4D97-AF65-F5344CB8AC3E}">
-        <p14:creationId xmlns:p14="http://schemas.microsoft.com/office/powerpoint/2010/main" val="2868383086"/>
-      </p:ext>
-    </p:extLst>
-  </p:cSld>
-  <p:clrMapOvr>
-    <a:masterClrMapping/>
-  </p:clrMapOvr>
-</p:sld>
-</file>
-
-<file path=ppt/slides/slide5.xml><?xml version="1.0" encoding="utf-8"?>
-<p:sld xmlns:a="http://schemas.openxmlformats.org/drawingml/2006/main" xmlns:r="http://schemas.openxmlformats.org/officeDocument/2006/relationships" xmlns:p="http://schemas.openxmlformats.org/presentationml/2006/main">
-  <p:cSld>
-    <p:spTree>
-      <p:nvGrpSpPr>
-        <p:cNvPr id="1" name=""/>
-        <p:cNvGrpSpPr/>
-        <p:nvPr/>
-      </p:nvGrpSpPr>
-      <p:grpSpPr>
-        <a:xfrm>
-          <a:off x="0" y="0"/>
-          <a:ext cx="0" cy="0"/>
-          <a:chOff x="0" y="0"/>
-          <a:chExt cx="0" cy="0"/>
-        </a:xfrm>
-      </p:grpSpPr>
-      <p:sp>
-        <p:nvSpPr>
-          <p:cNvPr id="2" name="标题 1">
-            <a:extLst>
-              <a:ext uri="{FF2B5EF4-FFF2-40B4-BE49-F238E27FC236}">
-                <a16:creationId xmlns:a16="http://schemas.microsoft.com/office/drawing/2014/main" id="{2D14E5D4-F319-4D8D-ADC0-4EDA3413A65F}"/>
-              </a:ext>
-            </a:extLst>
-          </p:cNvPr>
-          <p:cNvSpPr>
-            <a:spLocks noGrp="1"/>
-          </p:cNvSpPr>
-          <p:nvPr>
-            <p:ph type="title"/>
-          </p:nvPr>
-        </p:nvSpPr>
-        <p:spPr/>
-        <p:txBody>
-          <a:bodyPr/>
-          <a:lstStyle/>
-          <a:p>
-            <a:r>
-              <a:rPr lang="zh-CN" altLang="en-US" dirty="0">
-                <a:solidFill>
-                  <a:schemeClr val="bg1"/>
-                </a:solidFill>
-              </a:rPr>
-              <a:t>为什么要拆？</a:t>
-            </a:r>
-          </a:p>
-        </p:txBody>
-      </p:sp>
-      <p:sp>
-        <p:nvSpPr>
-          <p:cNvPr id="3" name="内容占位符 2">
-            <a:extLst>
-              <a:ext uri="{FF2B5EF4-FFF2-40B4-BE49-F238E27FC236}">
-                <a16:creationId xmlns:a16="http://schemas.microsoft.com/office/drawing/2014/main" id="{99A4CCAA-B15F-41FE-9C77-E77433A296A5}"/>
-              </a:ext>
-            </a:extLst>
-          </p:cNvPr>
-          <p:cNvSpPr>
-            <a:spLocks noGrp="1"/>
-          </p:cNvSpPr>
-          <p:nvPr>
-            <p:ph idx="1"/>
-          </p:nvPr>
-        </p:nvSpPr>
-        <p:spPr>
-          <a:xfrm>
-            <a:off x="608400" y="1490400"/>
-            <a:ext cx="10364400" cy="4544640"/>
-          </a:xfrm>
-        </p:spPr>
-        <p:txBody>
-          <a:bodyPr>
-            <a:normAutofit/>
-          </a:bodyPr>
-          <a:lstStyle/>
-          <a:p>
-            <a:r>
-              <a:rPr lang="zh-CN" altLang="en-US" sz="2800" dirty="0">
-                <a:solidFill>
-                  <a:schemeClr val="bg1"/>
-                </a:solidFill>
-              </a:rPr>
-              <a:t>巨石应用</a:t>
-            </a:r>
-            <a:endParaRPr lang="en-US" altLang="zh-CN" sz="2800" dirty="0">
-              <a:solidFill>
-                <a:schemeClr val="bg1"/>
-              </a:solidFill>
-            </a:endParaRPr>
-          </a:p>
-          <a:p>
-            <a:r>
-              <a:rPr lang="zh-CN" altLang="en-US" sz="2800" dirty="0">
-                <a:solidFill>
-                  <a:schemeClr val="bg1"/>
-                </a:solidFill>
-              </a:rPr>
-              <a:t>历史遗留项目</a:t>
-            </a:r>
-          </a:p>
-        </p:txBody>
-      </p:sp>
-    </p:spTree>
-    <p:extLst>
-      <p:ext uri="{BB962C8B-B14F-4D97-AF65-F5344CB8AC3E}">
-        <p14:creationId xmlns:p14="http://schemas.microsoft.com/office/powerpoint/2010/main" val="3405610736"/>
-      </p:ext>
-    </p:extLst>
   </p:cSld>
   <p:clrMapOvr>
     <a:masterClrMapping/>

--- a/MicroFrontends/MicroFrontEnds.pptx
+++ b/MicroFrontends/MicroFrontEnds.pptx
@@ -220,7 +220,7 @@
           <a:p>
             <a:fld id="{BA35FD46-AEB9-4C59-AC85-4055F2AA7DF2}" type="datetimeFigureOut">
               <a:rPr lang="zh-CN" altLang="en-US" smtClean="0"/>
-              <a:t>2021/9/22</a:t>
+              <a:t>2021/9/23</a:t>
             </a:fld>
             <a:endParaRPr lang="zh-CN" altLang="en-US"/>
           </a:p>
@@ -397,7 +397,7 @@
           <a:p>
             <a:fld id="{8B9BF9A6-4856-4844-83F7-E6C95F935DBC}" type="datetimeFigureOut">
               <a:rPr lang="zh-CN" altLang="en-US" smtClean="0"/>
-              <a:t>2021/9/22</a:t>
+              <a:t>2021/9/23</a:t>
             </a:fld>
             <a:endParaRPr lang="zh-CN" altLang="en-US"/>
           </a:p>
@@ -994,7 +994,56 @@
               </a:rPr>
               <a:t>实现微前端的方式有很多种，这只是我找到的其中四种比较常见的，关于微前端的实现方式我就不过多的和大家进行探讨，今天主要是和大家一起学习交流微前端的这种思想。</a:t>
             </a:r>
-            <a:endParaRPr lang="zh-CN" altLang="en-US" dirty="0"/>
+            <a:endParaRPr lang="en-US" altLang="zh-CN" b="0" i="0" dirty="0">
+              <a:solidFill>
+                <a:srgbClr val="333333"/>
+              </a:solidFill>
+              <a:effectLst/>
+              <a:latin typeface="Open Sans" panose="020B0606030504020204" pitchFamily="34" charset="0"/>
+            </a:endParaRPr>
+          </a:p>
+          <a:p>
+            <a:pPr algn="l"/>
+            <a:r>
+              <a:rPr lang="en-US" altLang="zh-CN" b="0" i="0" dirty="0">
+                <a:solidFill>
+                  <a:srgbClr val="121212"/>
+                </a:solidFill>
+                <a:effectLst/>
+                <a:latin typeface="-apple-system"/>
+              </a:rPr>
+              <a:t>Web Components</a:t>
+            </a:r>
+            <a:r>
+              <a:rPr lang="zh-CN" altLang="en-US" b="0" i="0" dirty="0">
+                <a:solidFill>
+                  <a:srgbClr val="121212"/>
+                </a:solidFill>
+                <a:effectLst/>
+                <a:latin typeface="-apple-system"/>
+              </a:rPr>
+              <a:t>是通过创建自定义元素</a:t>
+            </a:r>
+            <a:r>
+              <a:rPr lang="en-US" altLang="zh-CN" b="0" i="0" dirty="0">
+                <a:solidFill>
+                  <a:srgbClr val="121212"/>
+                </a:solidFill>
+                <a:effectLst/>
+                <a:latin typeface="-apple-system"/>
+              </a:rPr>
+              <a:t>+</a:t>
+            </a:r>
+            <a:r>
+              <a:rPr lang="zh-CN" altLang="en-US" b="0" i="0" dirty="0">
+                <a:solidFill>
+                  <a:srgbClr val="121212"/>
+                </a:solidFill>
+                <a:effectLst/>
+                <a:latin typeface="-apple-system"/>
+              </a:rPr>
+              <a:t>服务端渲染实现微前端的，过程略繁琐，通信也很复杂</a:t>
+            </a:r>
           </a:p>
         </p:txBody>
       </p:sp>
@@ -1025,6 +1074,93 @@
     <p:extLst>
       <p:ext uri="{BB962C8B-B14F-4D97-AF65-F5344CB8AC3E}">
         <p14:creationId xmlns:p14="http://schemas.microsoft.com/office/powerpoint/2010/main" val="1396333788"/>
+      </p:ext>
+    </p:extLst>
+  </p:cSld>
+  <p:clrMapOvr>
+    <a:masterClrMapping/>
+  </p:clrMapOvr>
+</p:notes>
+</file>
+
+<file path=ppt/notesSlides/notesSlide4.xml><?xml version="1.0" encoding="utf-8"?>
+<p:notes xmlns:a="http://schemas.openxmlformats.org/drawingml/2006/main" xmlns:r="http://schemas.openxmlformats.org/officeDocument/2006/relationships" xmlns:p="http://schemas.openxmlformats.org/presentationml/2006/main">
+  <p:cSld>
+    <p:spTree>
+      <p:nvGrpSpPr>
+        <p:cNvPr id="1" name=""/>
+        <p:cNvGrpSpPr/>
+        <p:nvPr/>
+      </p:nvGrpSpPr>
+      <p:grpSpPr>
+        <a:xfrm>
+          <a:off x="0" y="0"/>
+          <a:ext cx="0" cy="0"/>
+          <a:chOff x="0" y="0"/>
+          <a:chExt cx="0" cy="0"/>
+        </a:xfrm>
+      </p:grpSpPr>
+      <p:sp>
+        <p:nvSpPr>
+          <p:cNvPr id="2" name="幻灯片图像占位符 1"/>
+          <p:cNvSpPr>
+            <a:spLocks noGrp="1" noRot="1" noChangeAspect="1"/>
+          </p:cNvSpPr>
+          <p:nvPr>
+            <p:ph type="sldImg"/>
+          </p:nvPr>
+        </p:nvSpPr>
+        <p:spPr/>
+      </p:sp>
+      <p:sp>
+        <p:nvSpPr>
+          <p:cNvPr id="3" name="备注占位符 2"/>
+          <p:cNvSpPr>
+            <a:spLocks noGrp="1"/>
+          </p:cNvSpPr>
+          <p:nvPr>
+            <p:ph type="body" idx="1"/>
+          </p:nvPr>
+        </p:nvSpPr>
+        <p:spPr/>
+        <p:txBody>
+          <a:bodyPr/>
+          <a:lstStyle/>
+          <a:p>
+            <a:r>
+              <a:rPr lang="zh-CN" altLang="en-US" dirty="0"/>
+              <a:t>通过前面对微前端的介绍我们简单的分析一下微前端思想的</a:t>
+            </a:r>
+          </a:p>
+        </p:txBody>
+      </p:sp>
+      <p:sp>
+        <p:nvSpPr>
+          <p:cNvPr id="4" name="灯片编号占位符 3"/>
+          <p:cNvSpPr>
+            <a:spLocks noGrp="1"/>
+          </p:cNvSpPr>
+          <p:nvPr>
+            <p:ph type="sldNum" sz="quarter" idx="5"/>
+          </p:nvPr>
+        </p:nvSpPr>
+        <p:spPr/>
+        <p:txBody>
+          <a:bodyPr/>
+          <a:lstStyle/>
+          <a:p>
+            <a:fld id="{2EA3E182-4875-4591-9938-0BEA291C19C1}" type="slidenum">
+              <a:rPr lang="zh-CN" altLang="en-US" smtClean="0"/>
+              <a:t>5</a:t>
+            </a:fld>
+            <a:endParaRPr lang="zh-CN" altLang="en-US"/>
+          </a:p>
+        </p:txBody>
+      </p:sp>
+    </p:spTree>
+    <p:extLst>
+      <p:ext uri="{BB962C8B-B14F-4D97-AF65-F5344CB8AC3E}">
+        <p14:creationId xmlns:p14="http://schemas.microsoft.com/office/powerpoint/2010/main" val="4146239397"/>
       </p:ext>
     </p:extLst>
   </p:cSld>
@@ -1179,7 +1315,7 @@
           <a:p>
             <a:fld id="{760FBDFE-C587-4B4C-A407-44438C67B59E}" type="datetimeFigureOut">
               <a:rPr lang="zh-CN" altLang="en-US" smtClean="0"/>
-              <a:t>2021/9/22</a:t>
+              <a:t>2021/9/23</a:t>
             </a:fld>
             <a:endParaRPr lang="zh-CN" altLang="en-US"/>
           </a:p>
@@ -1278,7 +1414,7 @@
           <a:p>
             <a:fld id="{760FBDFE-C587-4B4C-A407-44438C67B59E}" type="datetimeFigureOut">
               <a:rPr lang="zh-CN" altLang="en-US" smtClean="0"/>
-              <a:t>2021/9/22</a:t>
+              <a:t>2021/9/23</a:t>
             </a:fld>
             <a:endParaRPr lang="zh-CN" altLang="en-US"/>
           </a:p>
@@ -1436,7 +1572,7 @@
           <a:p>
             <a:fld id="{760FBDFE-C587-4B4C-A407-44438C67B59E}" type="datetimeFigureOut">
               <a:rPr lang="zh-CN" altLang="en-US" smtClean="0"/>
-              <a:t>2021/9/22</a:t>
+              <a:t>2021/9/23</a:t>
             </a:fld>
             <a:endParaRPr lang="zh-CN" altLang="en-US"/>
           </a:p>
@@ -1721,7 +1857,7 @@
           <a:p>
             <a:fld id="{760FBDFE-C587-4B4C-A407-44438C67B59E}" type="datetimeFigureOut">
               <a:rPr lang="zh-CN" altLang="en-US" smtClean="0"/>
-              <a:t>2021/9/22</a:t>
+              <a:t>2021/9/23</a:t>
             </a:fld>
             <a:endParaRPr lang="zh-CN" altLang="en-US"/>
           </a:p>
@@ -1981,7 +2117,7 @@
           <a:p>
             <a:fld id="{760FBDFE-C587-4B4C-A407-44438C67B59E}" type="datetimeFigureOut">
               <a:rPr lang="zh-CN" altLang="en-US" smtClean="0"/>
-              <a:t>2021/9/22</a:t>
+              <a:t>2021/9/23</a:t>
             </a:fld>
             <a:endParaRPr lang="zh-CN" altLang="en-US"/>
           </a:p>
@@ -2247,7 +2383,7 @@
           <a:p>
             <a:fld id="{760FBDFE-C587-4B4C-A407-44438C67B59E}" type="datetimeFigureOut">
               <a:rPr lang="zh-CN" altLang="en-US" smtClean="0"/>
-              <a:t>2021/9/22</a:t>
+              <a:t>2021/9/23</a:t>
             </a:fld>
             <a:endParaRPr lang="zh-CN" altLang="en-US"/>
           </a:p>
@@ -2685,7 +2821,7 @@
           <a:p>
             <a:fld id="{760FBDFE-C587-4B4C-A407-44438C67B59E}" type="datetimeFigureOut">
               <a:rPr lang="zh-CN" altLang="en-US" smtClean="0"/>
-              <a:t>2021/9/22</a:t>
+              <a:t>2021/9/23</a:t>
             </a:fld>
             <a:endParaRPr lang="zh-CN" altLang="en-US"/>
           </a:p>
@@ -2819,7 +2955,7 @@
           <a:p>
             <a:fld id="{760FBDFE-C587-4B4C-A407-44438C67B59E}" type="datetimeFigureOut">
               <a:rPr lang="zh-CN" altLang="en-US" smtClean="0"/>
-              <a:t>2021/9/22</a:t>
+              <a:t>2021/9/23</a:t>
             </a:fld>
             <a:endParaRPr lang="zh-CN" altLang="en-US"/>
           </a:p>
@@ -2918,7 +3054,7 @@
           <a:p>
             <a:fld id="{760FBDFE-C587-4B4C-A407-44438C67B59E}" type="datetimeFigureOut">
               <a:rPr lang="zh-CN" altLang="en-US" smtClean="0"/>
-              <a:t>2021/9/22</a:t>
+              <a:t>2021/9/23</a:t>
             </a:fld>
             <a:endParaRPr lang="zh-CN" altLang="en-US"/>
           </a:p>
@@ -3094,7 +3230,7 @@
           <a:p>
             <a:fld id="{9EFD9D74-47D9-4702-A33C-335B63B48DBF}" type="datetimeFigureOut">
               <a:rPr lang="zh-CN" altLang="en-US" smtClean="0"/>
-              <a:t>2021/9/22</a:t>
+              <a:t>2021/9/23</a:t>
             </a:fld>
             <a:endParaRPr lang="zh-CN" altLang="en-US" dirty="0"/>
           </a:p>
@@ -3336,7 +3472,7 @@
           <a:p>
             <a:fld id="{760FBDFE-C587-4B4C-A407-44438C67B59E}" type="datetimeFigureOut">
               <a:rPr lang="zh-CN" altLang="en-US" smtClean="0"/>
-              <a:t>2021/9/22</a:t>
+              <a:t>2021/9/23</a:t>
             </a:fld>
             <a:endParaRPr lang="zh-CN" altLang="en-US"/>
           </a:p>
@@ -3570,7 +3706,7 @@
           <a:p>
             <a:fld id="{760FBDFE-C587-4B4C-A407-44438C67B59E}" type="datetimeFigureOut">
               <a:rPr lang="zh-CN" altLang="en-US" smtClean="0"/>
-              <a:t>2021/9/22</a:t>
+              <a:t>2021/9/23</a:t>
             </a:fld>
             <a:endParaRPr lang="zh-CN" altLang="en-US"/>
           </a:p>
@@ -4976,7 +5112,12 @@
             <p:ph type="title"/>
           </p:nvPr>
         </p:nvSpPr>
-        <p:spPr/>
+        <p:spPr>
+          <a:xfrm>
+            <a:off x="533972" y="470177"/>
+            <a:ext cx="10969200" cy="705600"/>
+          </a:xfrm>
+        </p:spPr>
         <p:txBody>
           <a:bodyPr/>
           <a:lstStyle/>
@@ -4994,57 +5135,10 @@
       </p:sp>
       <p:sp>
         <p:nvSpPr>
-          <p:cNvPr id="3" name="内容占位符 2">
+          <p:cNvPr id="8" name="内容占位符 2">
             <a:extLst>
               <a:ext uri="{FF2B5EF4-FFF2-40B4-BE49-F238E27FC236}">
-                <a16:creationId xmlns:a16="http://schemas.microsoft.com/office/drawing/2014/main" id="{99A4CCAA-B15F-41FE-9C77-E77433A296A5}"/>
-              </a:ext>
-            </a:extLst>
-          </p:cNvPr>
-          <p:cNvSpPr>
-            <a:spLocks noGrp="1"/>
-          </p:cNvSpPr>
-          <p:nvPr>
-            <p:ph idx="1"/>
-          </p:nvPr>
-        </p:nvSpPr>
-        <p:spPr>
-          <a:xfrm>
-            <a:off x="608400" y="1570144"/>
-            <a:ext cx="10364400" cy="1858856"/>
-          </a:xfrm>
-        </p:spPr>
-        <p:txBody>
-          <a:bodyPr>
-            <a:normAutofit/>
-          </a:bodyPr>
-          <a:lstStyle/>
-          <a:p>
-            <a:pPr marL="0" indent="0">
-              <a:buNone/>
-            </a:pPr>
-            <a:r>
-              <a:rPr lang="zh-CN" altLang="en-US" sz="6000" dirty="0">
-                <a:solidFill>
-                  <a:schemeClr val="bg1"/>
-                </a:solidFill>
-              </a:rPr>
-              <a:t>巨石应用</a:t>
-            </a:r>
-            <a:endParaRPr lang="en-US" altLang="zh-CN" sz="6000" dirty="0">
-              <a:solidFill>
-                <a:schemeClr val="bg1"/>
-              </a:solidFill>
-            </a:endParaRPr>
-          </a:p>
-        </p:txBody>
-      </p:sp>
-      <p:sp>
-        <p:nvSpPr>
-          <p:cNvPr id="6" name="内容占位符 2">
-            <a:extLst>
-              <a:ext uri="{FF2B5EF4-FFF2-40B4-BE49-F238E27FC236}">
-                <a16:creationId xmlns:a16="http://schemas.microsoft.com/office/drawing/2014/main" id="{215398E0-FD65-458B-A4A9-56776BA4E641}"/>
+                <a16:creationId xmlns:a16="http://schemas.microsoft.com/office/drawing/2014/main" id="{DE40233F-2786-43B8-8AC3-19BC8DED6D87}"/>
               </a:ext>
             </a:extLst>
           </p:cNvPr>
@@ -5055,8 +5149,8 @@
         </p:nvSpPr>
         <p:spPr>
           <a:xfrm>
-            <a:off x="608400" y="3429000"/>
-            <a:ext cx="10364400" cy="1858856"/>
+            <a:off x="4090563" y="1612744"/>
+            <a:ext cx="3400074" cy="1204954"/>
           </a:xfrm>
           <a:prstGeom prst="rect">
             <a:avLst/>
@@ -5273,16 +5367,651 @@
           </a:lstStyle>
           <a:p>
             <a:pPr marL="0" indent="0">
+              <a:buFont typeface="Arial" panose="020B0604020202020204" pitchFamily="34" charset="0"/>
+              <a:buNone/>
+            </a:pPr>
+            <a:endParaRPr lang="en-US" altLang="zh-CN" sz="6000" dirty="0">
+              <a:solidFill>
+                <a:schemeClr val="bg1"/>
+              </a:solidFill>
+            </a:endParaRPr>
+          </a:p>
+        </p:txBody>
+      </p:sp>
+      <p:sp>
+        <p:nvSpPr>
+          <p:cNvPr id="12" name="内容占位符 2">
+            <a:extLst>
+              <a:ext uri="{FF2B5EF4-FFF2-40B4-BE49-F238E27FC236}">
+                <a16:creationId xmlns:a16="http://schemas.microsoft.com/office/drawing/2014/main" id="{7912AAA8-8584-446B-BEF9-C0AD55D051E3}"/>
+              </a:ext>
+            </a:extLst>
+          </p:cNvPr>
+          <p:cNvSpPr txBox="1">
+            <a:spLocks/>
+          </p:cNvSpPr>
+          <p:nvPr/>
+        </p:nvSpPr>
+        <p:spPr>
+          <a:xfrm>
+            <a:off x="4653177" y="1563482"/>
+            <a:ext cx="7167998" cy="1944891"/>
+          </a:xfrm>
+          <a:prstGeom prst="rect">
+            <a:avLst/>
+          </a:prstGeom>
+        </p:spPr>
+        <p:txBody>
+          <a:bodyPr vert="horz" lIns="90000" tIns="46800" rIns="90000" bIns="46800" rtlCol="0">
+            <a:normAutofit fontScale="85000" lnSpcReduction="10000"/>
+          </a:bodyPr>
+          <a:lstStyle>
+            <a:lvl1pPr marL="228600" indent="-228600" algn="l" defTabSz="914400" rtl="0" eaLnBrk="1" fontAlgn="auto" latinLnBrk="0" hangingPunct="1">
+              <a:lnSpc>
+                <a:spcPct val="130000"/>
+              </a:lnSpc>
+              <a:spcBef>
+                <a:spcPts val="0"/>
+              </a:spcBef>
+              <a:spcAft>
+                <a:spcPts val="1000"/>
+              </a:spcAft>
+              <a:buFont typeface="Arial" panose="020B0604020202020204" pitchFamily="34" charset="0"/>
+              <a:buChar char="●"/>
+              <a:defRPr sz="1800" u="none" strike="noStrike" kern="1200" cap="none" spc="150" normalizeH="0" baseline="0">
+                <a:solidFill>
+                  <a:schemeClr val="tx1">
+                    <a:lumMod val="65000"/>
+                    <a:lumOff val="35000"/>
+                  </a:schemeClr>
+                </a:solidFill>
+                <a:uFillTx/>
+                <a:latin typeface="Arial" panose="020B0604020202020204" pitchFamily="34" charset="0"/>
+                <a:ea typeface="微软雅黑" panose="020B0503020204020204" pitchFamily="34" charset="-122"/>
+                <a:cs typeface="+mn-cs"/>
+              </a:defRPr>
+            </a:lvl1pPr>
+            <a:lvl2pPr marL="685800" indent="-228600" algn="l" defTabSz="914400" rtl="0" eaLnBrk="1" fontAlgn="auto" latinLnBrk="0" hangingPunct="1">
+              <a:lnSpc>
+                <a:spcPct val="120000"/>
+              </a:lnSpc>
+              <a:spcBef>
+                <a:spcPts val="0"/>
+              </a:spcBef>
+              <a:spcAft>
+                <a:spcPts val="600"/>
+              </a:spcAft>
+              <a:buFont typeface="Arial" panose="020B0604020202020204" pitchFamily="34" charset="0"/>
+              <a:buChar char="●"/>
+              <a:tabLst>
+                <a:tab pos="1609725" algn="l"/>
+                <a:tab pos="1609725" algn="l"/>
+                <a:tab pos="1609725" algn="l"/>
+                <a:tab pos="1609725" algn="l"/>
+              </a:tabLst>
+              <a:defRPr sz="1600" u="none" strike="noStrike" kern="1200" cap="none" spc="150" normalizeH="0" baseline="0">
+                <a:solidFill>
+                  <a:schemeClr val="tx1">
+                    <a:lumMod val="65000"/>
+                    <a:lumOff val="35000"/>
+                  </a:schemeClr>
+                </a:solidFill>
+                <a:uFillTx/>
+                <a:latin typeface="Arial" panose="020B0604020202020204" pitchFamily="34" charset="0"/>
+                <a:ea typeface="微软雅黑" panose="020B0503020204020204" pitchFamily="34" charset="-122"/>
+                <a:cs typeface="+mn-cs"/>
+              </a:defRPr>
+            </a:lvl2pPr>
+            <a:lvl3pPr marL="1143000" indent="-228600" algn="l" defTabSz="914400" rtl="0" eaLnBrk="1" fontAlgn="auto" latinLnBrk="0" hangingPunct="1">
+              <a:lnSpc>
+                <a:spcPct val="120000"/>
+              </a:lnSpc>
+              <a:spcBef>
+                <a:spcPts val="0"/>
+              </a:spcBef>
+              <a:spcAft>
+                <a:spcPts val="600"/>
+              </a:spcAft>
+              <a:buFont typeface="Arial" panose="020B0604020202020204" pitchFamily="34" charset="0"/>
+              <a:buChar char="●"/>
+              <a:defRPr sz="1600" u="none" strike="noStrike" kern="1200" cap="none" spc="150" normalizeH="0" baseline="0">
+                <a:solidFill>
+                  <a:schemeClr val="tx1">
+                    <a:lumMod val="65000"/>
+                    <a:lumOff val="35000"/>
+                  </a:schemeClr>
+                </a:solidFill>
+                <a:uFillTx/>
+                <a:latin typeface="Arial" panose="020B0604020202020204" pitchFamily="34" charset="0"/>
+                <a:ea typeface="微软雅黑" panose="020B0503020204020204" pitchFamily="34" charset="-122"/>
+                <a:cs typeface="+mn-cs"/>
+              </a:defRPr>
+            </a:lvl3pPr>
+            <a:lvl4pPr marL="1600200" indent="-228600" algn="l" defTabSz="914400" rtl="0" eaLnBrk="1" fontAlgn="auto" latinLnBrk="0" hangingPunct="1">
+              <a:lnSpc>
+                <a:spcPct val="120000"/>
+              </a:lnSpc>
+              <a:spcBef>
+                <a:spcPts val="0"/>
+              </a:spcBef>
+              <a:spcAft>
+                <a:spcPts val="300"/>
+              </a:spcAft>
+              <a:buFont typeface="Wingdings" panose="05000000000000000000" charset="0"/>
+              <a:buChar char=""/>
+              <a:defRPr sz="1400" u="none" strike="noStrike" kern="1200" cap="none" spc="150" normalizeH="0" baseline="0">
+                <a:solidFill>
+                  <a:schemeClr val="tx1">
+                    <a:lumMod val="65000"/>
+                    <a:lumOff val="35000"/>
+                  </a:schemeClr>
+                </a:solidFill>
+                <a:uFillTx/>
+                <a:latin typeface="Arial" panose="020B0604020202020204" pitchFamily="34" charset="0"/>
+                <a:ea typeface="微软雅黑" panose="020B0503020204020204" pitchFamily="34" charset="-122"/>
+                <a:cs typeface="+mn-cs"/>
+              </a:defRPr>
+            </a:lvl4pPr>
+            <a:lvl5pPr marL="2057400" indent="-228600" algn="l" defTabSz="914400" rtl="0" eaLnBrk="1" fontAlgn="auto" latinLnBrk="0" hangingPunct="1">
+              <a:lnSpc>
+                <a:spcPct val="120000"/>
+              </a:lnSpc>
+              <a:spcBef>
+                <a:spcPts val="0"/>
+              </a:spcBef>
+              <a:spcAft>
+                <a:spcPts val="300"/>
+              </a:spcAft>
+              <a:buFont typeface="Arial" panose="020B0604020202020204" pitchFamily="34" charset="0"/>
+              <a:buChar char="•"/>
+              <a:defRPr sz="1400" u="none" strike="noStrike" kern="1200" cap="none" spc="150" normalizeH="0" baseline="0">
+                <a:solidFill>
+                  <a:schemeClr val="tx1">
+                    <a:lumMod val="65000"/>
+                    <a:lumOff val="35000"/>
+                  </a:schemeClr>
+                </a:solidFill>
+                <a:uFillTx/>
+                <a:latin typeface="Arial" panose="020B0604020202020204" pitchFamily="34" charset="0"/>
+                <a:ea typeface="微软雅黑" panose="020B0503020204020204" pitchFamily="34" charset="-122"/>
+                <a:cs typeface="+mn-cs"/>
+              </a:defRPr>
+            </a:lvl5pPr>
+            <a:lvl6pPr marL="2514600" indent="-228600" algn="l" defTabSz="914400" rtl="0" eaLnBrk="1" latinLnBrk="0" hangingPunct="1">
+              <a:lnSpc>
+                <a:spcPct val="90000"/>
+              </a:lnSpc>
+              <a:spcBef>
+                <a:spcPts val="500"/>
+              </a:spcBef>
+              <a:buFont typeface="Arial" panose="020B0604020202020204" pitchFamily="34" charset="0"/>
+              <a:buChar char="•"/>
+              <a:defRPr sz="1800" kern="1200">
+                <a:solidFill>
+                  <a:schemeClr val="tx1"/>
+                </a:solidFill>
+                <a:latin typeface="+mn-lt"/>
+                <a:ea typeface="+mn-ea"/>
+                <a:cs typeface="+mn-cs"/>
+              </a:defRPr>
+            </a:lvl6pPr>
+            <a:lvl7pPr marL="2971800" indent="-228600" algn="l" defTabSz="914400" rtl="0" eaLnBrk="1" latinLnBrk="0" hangingPunct="1">
+              <a:lnSpc>
+                <a:spcPct val="90000"/>
+              </a:lnSpc>
+              <a:spcBef>
+                <a:spcPts val="500"/>
+              </a:spcBef>
+              <a:buFont typeface="Arial" panose="020B0604020202020204" pitchFamily="34" charset="0"/>
+              <a:buChar char="•"/>
+              <a:defRPr sz="1800" kern="1200">
+                <a:solidFill>
+                  <a:schemeClr val="tx1"/>
+                </a:solidFill>
+                <a:latin typeface="+mn-lt"/>
+                <a:ea typeface="+mn-ea"/>
+                <a:cs typeface="+mn-cs"/>
+              </a:defRPr>
+            </a:lvl7pPr>
+            <a:lvl8pPr marL="3429000" indent="-228600" algn="l" defTabSz="914400" rtl="0" eaLnBrk="1" latinLnBrk="0" hangingPunct="1">
+              <a:lnSpc>
+                <a:spcPct val="90000"/>
+              </a:lnSpc>
+              <a:spcBef>
+                <a:spcPts val="500"/>
+              </a:spcBef>
+              <a:buFont typeface="Arial" panose="020B0604020202020204" pitchFamily="34" charset="0"/>
+              <a:buChar char="•"/>
+              <a:defRPr sz="1800" kern="1200">
+                <a:solidFill>
+                  <a:schemeClr val="tx1"/>
+                </a:solidFill>
+                <a:latin typeface="+mn-lt"/>
+                <a:ea typeface="+mn-ea"/>
+                <a:cs typeface="+mn-cs"/>
+              </a:defRPr>
+            </a:lvl8pPr>
+            <a:lvl9pPr marL="3886200" indent="-228600" algn="l" defTabSz="914400" rtl="0" eaLnBrk="1" latinLnBrk="0" hangingPunct="1">
+              <a:lnSpc>
+                <a:spcPct val="90000"/>
+              </a:lnSpc>
+              <a:spcBef>
+                <a:spcPts val="500"/>
+              </a:spcBef>
+              <a:buFont typeface="Arial" panose="020B0604020202020204" pitchFamily="34" charset="0"/>
+              <a:buChar char="•"/>
+              <a:defRPr sz="1800" kern="1200">
+                <a:solidFill>
+                  <a:schemeClr val="tx1"/>
+                </a:solidFill>
+                <a:latin typeface="+mn-lt"/>
+                <a:ea typeface="+mn-ea"/>
+                <a:cs typeface="+mn-cs"/>
+              </a:defRPr>
+            </a:lvl9pPr>
+          </a:lstStyle>
+          <a:p>
+            <a:pPr marL="0" indent="0">
+              <a:buFont typeface="Arial" panose="020B0604020202020204" pitchFamily="34" charset="0"/>
               <a:buNone/>
             </a:pPr>
             <a:r>
-              <a:rPr lang="zh-CN" altLang="en-US" sz="6000" dirty="0">
+              <a:rPr lang="zh-CN" altLang="en-US" sz="2000" dirty="0">
                 <a:solidFill>
                   <a:schemeClr val="bg1"/>
                 </a:solidFill>
               </a:rPr>
-              <a:t>历史遗留项目</a:t>
+              <a:t>当前的前端领域，</a:t>
             </a:r>
+            <a:r>
+              <a:rPr lang="en-US" altLang="zh-CN" sz="2000" dirty="0">
+                <a:solidFill>
+                  <a:schemeClr val="bg1"/>
+                </a:solidFill>
+              </a:rPr>
+              <a:t>SPA</a:t>
+            </a:r>
+            <a:r>
+              <a:rPr lang="zh-CN" altLang="en-US" sz="2000" dirty="0">
+                <a:solidFill>
+                  <a:schemeClr val="bg1"/>
+                </a:solidFill>
+              </a:rPr>
+              <a:t>是非常流行的项目形态之一，但是随着项目的完善及应用功能的丰富，</a:t>
+            </a:r>
+            <a:r>
+              <a:rPr lang="en-US" altLang="zh-CN" sz="2000" dirty="0">
+                <a:solidFill>
+                  <a:schemeClr val="bg1"/>
+                </a:solidFill>
+              </a:rPr>
+              <a:t>SPA</a:t>
+            </a:r>
+            <a:r>
+              <a:rPr lang="zh-CN" altLang="en-US" sz="2000" dirty="0">
+                <a:solidFill>
+                  <a:schemeClr val="bg1"/>
+                </a:solidFill>
+              </a:rPr>
+              <a:t>变得越来越庞大，越来越难以维护，往往最后就变成了改一处而动全身的局面，项目的开发、维护成本也越来越高。微前端的目的就是将庞大的应用进行拆分解耦，使得每个独立的模块可以进行单独开发、维护及部署，提升效率。</a:t>
+            </a:r>
+            <a:endParaRPr lang="en-US" altLang="zh-CN" sz="2000" dirty="0">
+              <a:solidFill>
+                <a:schemeClr val="bg1"/>
+              </a:solidFill>
+            </a:endParaRPr>
+          </a:p>
+        </p:txBody>
+      </p:sp>
+      <p:sp>
+        <p:nvSpPr>
+          <p:cNvPr id="16" name="矩形 15">
+            <a:extLst>
+              <a:ext uri="{FF2B5EF4-FFF2-40B4-BE49-F238E27FC236}">
+                <a16:creationId xmlns:a16="http://schemas.microsoft.com/office/drawing/2014/main" id="{25DB1E2A-680A-49CD-A779-209F8822B5F8}"/>
+              </a:ext>
+            </a:extLst>
+          </p:cNvPr>
+          <p:cNvSpPr/>
+          <p:nvPr/>
+        </p:nvSpPr>
+        <p:spPr>
+          <a:xfrm>
+            <a:off x="3948823" y="2772240"/>
+            <a:ext cx="4288354" cy="1323439"/>
+          </a:xfrm>
+          <a:prstGeom prst="rect">
+            <a:avLst/>
+          </a:prstGeom>
+          <a:noFill/>
+        </p:spPr>
+        <p:txBody>
+          <a:bodyPr wrap="none" lIns="91440" tIns="45720" rIns="91440" bIns="45720">
+            <a:spAutoFit/>
+            <a:scene3d>
+              <a:camera prst="orthographicFront"/>
+              <a:lightRig rig="soft" dir="t">
+                <a:rot lat="0" lon="0" rev="15600000"/>
+              </a:lightRig>
+            </a:scene3d>
+            <a:sp3d extrusionH="57150" prstMaterial="softEdge">
+              <a:bevelT w="25400" h="38100"/>
+            </a:sp3d>
+          </a:bodyPr>
+          <a:lstStyle/>
+          <a:p>
+            <a:pPr algn="ctr"/>
+            <a:r>
+              <a:rPr lang="zh-CN" altLang="en-US" sz="8000" b="1" dirty="0">
+                <a:ln/>
+                <a:solidFill>
+                  <a:schemeClr val="accent4"/>
+                </a:solidFill>
+              </a:rPr>
+              <a:t>巨石应用</a:t>
+            </a:r>
+          </a:p>
+        </p:txBody>
+      </p:sp>
+      <p:sp>
+        <p:nvSpPr>
+          <p:cNvPr id="17" name="矩形 16">
+            <a:extLst>
+              <a:ext uri="{FF2B5EF4-FFF2-40B4-BE49-F238E27FC236}">
+                <a16:creationId xmlns:a16="http://schemas.microsoft.com/office/drawing/2014/main" id="{32D09CCC-5963-4905-9B0A-E1AA20D21BC4}"/>
+              </a:ext>
+            </a:extLst>
+          </p:cNvPr>
+          <p:cNvSpPr/>
+          <p:nvPr/>
+        </p:nvSpPr>
+        <p:spPr>
+          <a:xfrm>
+            <a:off x="3948823" y="2767280"/>
+            <a:ext cx="4288353" cy="1323439"/>
+          </a:xfrm>
+          <a:prstGeom prst="rect">
+            <a:avLst/>
+          </a:prstGeom>
+          <a:noFill/>
+        </p:spPr>
+        <p:txBody>
+          <a:bodyPr wrap="none" lIns="91440" tIns="45720" rIns="91440" bIns="45720">
+            <a:spAutoFit/>
+            <a:scene3d>
+              <a:camera prst="orthographicFront"/>
+              <a:lightRig rig="soft" dir="t">
+                <a:rot lat="0" lon="0" rev="15600000"/>
+              </a:lightRig>
+            </a:scene3d>
+            <a:sp3d extrusionH="57150" prstMaterial="softEdge">
+              <a:bevelT w="25400" h="38100"/>
+            </a:sp3d>
+          </a:bodyPr>
+          <a:lstStyle/>
+          <a:p>
+            <a:pPr algn="ctr"/>
+            <a:r>
+              <a:rPr lang="zh-CN" altLang="en-US" sz="8000" b="1" dirty="0">
+                <a:ln/>
+                <a:solidFill>
+                  <a:schemeClr val="accent4"/>
+                </a:solidFill>
+              </a:rPr>
+              <a:t>历史项目</a:t>
+            </a:r>
+          </a:p>
+        </p:txBody>
+      </p:sp>
+      <p:sp>
+        <p:nvSpPr>
+          <p:cNvPr id="18" name="内容占位符 2">
+            <a:extLst>
+              <a:ext uri="{FF2B5EF4-FFF2-40B4-BE49-F238E27FC236}">
+                <a16:creationId xmlns:a16="http://schemas.microsoft.com/office/drawing/2014/main" id="{D28C8864-B27A-4EB5-96A8-BA0702BB3921}"/>
+              </a:ext>
+            </a:extLst>
+          </p:cNvPr>
+          <p:cNvSpPr txBox="1">
+            <a:spLocks/>
+          </p:cNvSpPr>
+          <p:nvPr/>
+        </p:nvSpPr>
+        <p:spPr>
+          <a:xfrm>
+            <a:off x="4653178" y="4483384"/>
+            <a:ext cx="7167998" cy="1622125"/>
+          </a:xfrm>
+          <a:prstGeom prst="rect">
+            <a:avLst/>
+          </a:prstGeom>
+        </p:spPr>
+        <p:txBody>
+          <a:bodyPr vert="horz" lIns="90000" tIns="46800" rIns="90000" bIns="46800" rtlCol="0">
+            <a:normAutofit fontScale="85000" lnSpcReduction="10000"/>
+          </a:bodyPr>
+          <a:lstStyle>
+            <a:lvl1pPr marL="228600" indent="-228600" algn="l" defTabSz="914400" rtl="0" eaLnBrk="1" fontAlgn="auto" latinLnBrk="0" hangingPunct="1">
+              <a:lnSpc>
+                <a:spcPct val="130000"/>
+              </a:lnSpc>
+              <a:spcBef>
+                <a:spcPts val="0"/>
+              </a:spcBef>
+              <a:spcAft>
+                <a:spcPts val="1000"/>
+              </a:spcAft>
+              <a:buFont typeface="Arial" panose="020B0604020202020204" pitchFamily="34" charset="0"/>
+              <a:buChar char="●"/>
+              <a:defRPr sz="1800" u="none" strike="noStrike" kern="1200" cap="none" spc="150" normalizeH="0" baseline="0">
+                <a:solidFill>
+                  <a:schemeClr val="tx1">
+                    <a:lumMod val="65000"/>
+                    <a:lumOff val="35000"/>
+                  </a:schemeClr>
+                </a:solidFill>
+                <a:uFillTx/>
+                <a:latin typeface="Arial" panose="020B0604020202020204" pitchFamily="34" charset="0"/>
+                <a:ea typeface="微软雅黑" panose="020B0503020204020204" pitchFamily="34" charset="-122"/>
+                <a:cs typeface="+mn-cs"/>
+              </a:defRPr>
+            </a:lvl1pPr>
+            <a:lvl2pPr marL="685800" indent="-228600" algn="l" defTabSz="914400" rtl="0" eaLnBrk="1" fontAlgn="auto" latinLnBrk="0" hangingPunct="1">
+              <a:lnSpc>
+                <a:spcPct val="120000"/>
+              </a:lnSpc>
+              <a:spcBef>
+                <a:spcPts val="0"/>
+              </a:spcBef>
+              <a:spcAft>
+                <a:spcPts val="600"/>
+              </a:spcAft>
+              <a:buFont typeface="Arial" panose="020B0604020202020204" pitchFamily="34" charset="0"/>
+              <a:buChar char="●"/>
+              <a:tabLst>
+                <a:tab pos="1609725" algn="l"/>
+                <a:tab pos="1609725" algn="l"/>
+                <a:tab pos="1609725" algn="l"/>
+                <a:tab pos="1609725" algn="l"/>
+              </a:tabLst>
+              <a:defRPr sz="1600" u="none" strike="noStrike" kern="1200" cap="none" spc="150" normalizeH="0" baseline="0">
+                <a:solidFill>
+                  <a:schemeClr val="tx1">
+                    <a:lumMod val="65000"/>
+                    <a:lumOff val="35000"/>
+                  </a:schemeClr>
+                </a:solidFill>
+                <a:uFillTx/>
+                <a:latin typeface="Arial" panose="020B0604020202020204" pitchFamily="34" charset="0"/>
+                <a:ea typeface="微软雅黑" panose="020B0503020204020204" pitchFamily="34" charset="-122"/>
+                <a:cs typeface="+mn-cs"/>
+              </a:defRPr>
+            </a:lvl2pPr>
+            <a:lvl3pPr marL="1143000" indent="-228600" algn="l" defTabSz="914400" rtl="0" eaLnBrk="1" fontAlgn="auto" latinLnBrk="0" hangingPunct="1">
+              <a:lnSpc>
+                <a:spcPct val="120000"/>
+              </a:lnSpc>
+              <a:spcBef>
+                <a:spcPts val="0"/>
+              </a:spcBef>
+              <a:spcAft>
+                <a:spcPts val="600"/>
+              </a:spcAft>
+              <a:buFont typeface="Arial" panose="020B0604020202020204" pitchFamily="34" charset="0"/>
+              <a:buChar char="●"/>
+              <a:defRPr sz="1600" u="none" strike="noStrike" kern="1200" cap="none" spc="150" normalizeH="0" baseline="0">
+                <a:solidFill>
+                  <a:schemeClr val="tx1">
+                    <a:lumMod val="65000"/>
+                    <a:lumOff val="35000"/>
+                  </a:schemeClr>
+                </a:solidFill>
+                <a:uFillTx/>
+                <a:latin typeface="Arial" panose="020B0604020202020204" pitchFamily="34" charset="0"/>
+                <a:ea typeface="微软雅黑" panose="020B0503020204020204" pitchFamily="34" charset="-122"/>
+                <a:cs typeface="+mn-cs"/>
+              </a:defRPr>
+            </a:lvl3pPr>
+            <a:lvl4pPr marL="1600200" indent="-228600" algn="l" defTabSz="914400" rtl="0" eaLnBrk="1" fontAlgn="auto" latinLnBrk="0" hangingPunct="1">
+              <a:lnSpc>
+                <a:spcPct val="120000"/>
+              </a:lnSpc>
+              <a:spcBef>
+                <a:spcPts val="0"/>
+              </a:spcBef>
+              <a:spcAft>
+                <a:spcPts val="300"/>
+              </a:spcAft>
+              <a:buFont typeface="Wingdings" panose="05000000000000000000" charset="0"/>
+              <a:buChar char=""/>
+              <a:defRPr sz="1400" u="none" strike="noStrike" kern="1200" cap="none" spc="150" normalizeH="0" baseline="0">
+                <a:solidFill>
+                  <a:schemeClr val="tx1">
+                    <a:lumMod val="65000"/>
+                    <a:lumOff val="35000"/>
+                  </a:schemeClr>
+                </a:solidFill>
+                <a:uFillTx/>
+                <a:latin typeface="Arial" panose="020B0604020202020204" pitchFamily="34" charset="0"/>
+                <a:ea typeface="微软雅黑" panose="020B0503020204020204" pitchFamily="34" charset="-122"/>
+                <a:cs typeface="+mn-cs"/>
+              </a:defRPr>
+            </a:lvl4pPr>
+            <a:lvl5pPr marL="2057400" indent="-228600" algn="l" defTabSz="914400" rtl="0" eaLnBrk="1" fontAlgn="auto" latinLnBrk="0" hangingPunct="1">
+              <a:lnSpc>
+                <a:spcPct val="120000"/>
+              </a:lnSpc>
+              <a:spcBef>
+                <a:spcPts val="0"/>
+              </a:spcBef>
+              <a:spcAft>
+                <a:spcPts val="300"/>
+              </a:spcAft>
+              <a:buFont typeface="Arial" panose="020B0604020202020204" pitchFamily="34" charset="0"/>
+              <a:buChar char="•"/>
+              <a:defRPr sz="1400" u="none" strike="noStrike" kern="1200" cap="none" spc="150" normalizeH="0" baseline="0">
+                <a:solidFill>
+                  <a:schemeClr val="tx1">
+                    <a:lumMod val="65000"/>
+                    <a:lumOff val="35000"/>
+                  </a:schemeClr>
+                </a:solidFill>
+                <a:uFillTx/>
+                <a:latin typeface="Arial" panose="020B0604020202020204" pitchFamily="34" charset="0"/>
+                <a:ea typeface="微软雅黑" panose="020B0503020204020204" pitchFamily="34" charset="-122"/>
+                <a:cs typeface="+mn-cs"/>
+              </a:defRPr>
+            </a:lvl5pPr>
+            <a:lvl6pPr marL="2514600" indent="-228600" algn="l" defTabSz="914400" rtl="0" eaLnBrk="1" latinLnBrk="0" hangingPunct="1">
+              <a:lnSpc>
+                <a:spcPct val="90000"/>
+              </a:lnSpc>
+              <a:spcBef>
+                <a:spcPts val="500"/>
+              </a:spcBef>
+              <a:buFont typeface="Arial" panose="020B0604020202020204" pitchFamily="34" charset="0"/>
+              <a:buChar char="•"/>
+              <a:defRPr sz="1800" kern="1200">
+                <a:solidFill>
+                  <a:schemeClr val="tx1"/>
+                </a:solidFill>
+                <a:latin typeface="+mn-lt"/>
+                <a:ea typeface="+mn-ea"/>
+                <a:cs typeface="+mn-cs"/>
+              </a:defRPr>
+            </a:lvl6pPr>
+            <a:lvl7pPr marL="2971800" indent="-228600" algn="l" defTabSz="914400" rtl="0" eaLnBrk="1" latinLnBrk="0" hangingPunct="1">
+              <a:lnSpc>
+                <a:spcPct val="90000"/>
+              </a:lnSpc>
+              <a:spcBef>
+                <a:spcPts val="500"/>
+              </a:spcBef>
+              <a:buFont typeface="Arial" panose="020B0604020202020204" pitchFamily="34" charset="0"/>
+              <a:buChar char="•"/>
+              <a:defRPr sz="1800" kern="1200">
+                <a:solidFill>
+                  <a:schemeClr val="tx1"/>
+                </a:solidFill>
+                <a:latin typeface="+mn-lt"/>
+                <a:ea typeface="+mn-ea"/>
+                <a:cs typeface="+mn-cs"/>
+              </a:defRPr>
+            </a:lvl7pPr>
+            <a:lvl8pPr marL="3429000" indent="-228600" algn="l" defTabSz="914400" rtl="0" eaLnBrk="1" latinLnBrk="0" hangingPunct="1">
+              <a:lnSpc>
+                <a:spcPct val="90000"/>
+              </a:lnSpc>
+              <a:spcBef>
+                <a:spcPts val="500"/>
+              </a:spcBef>
+              <a:buFont typeface="Arial" panose="020B0604020202020204" pitchFamily="34" charset="0"/>
+              <a:buChar char="•"/>
+              <a:defRPr sz="1800" kern="1200">
+                <a:solidFill>
+                  <a:schemeClr val="tx1"/>
+                </a:solidFill>
+                <a:latin typeface="+mn-lt"/>
+                <a:ea typeface="+mn-ea"/>
+                <a:cs typeface="+mn-cs"/>
+              </a:defRPr>
+            </a:lvl8pPr>
+            <a:lvl9pPr marL="3886200" indent="-228600" algn="l" defTabSz="914400" rtl="0" eaLnBrk="1" latinLnBrk="0" hangingPunct="1">
+              <a:lnSpc>
+                <a:spcPct val="90000"/>
+              </a:lnSpc>
+              <a:spcBef>
+                <a:spcPts val="500"/>
+              </a:spcBef>
+              <a:buFont typeface="Arial" panose="020B0604020202020204" pitchFamily="34" charset="0"/>
+              <a:buChar char="•"/>
+              <a:defRPr sz="1800" kern="1200">
+                <a:solidFill>
+                  <a:schemeClr val="tx1"/>
+                </a:solidFill>
+                <a:latin typeface="+mn-lt"/>
+                <a:ea typeface="+mn-ea"/>
+                <a:cs typeface="+mn-cs"/>
+              </a:defRPr>
+            </a:lvl9pPr>
+          </a:lstStyle>
+          <a:p>
+            <a:pPr marL="0" indent="0">
+              <a:buNone/>
+            </a:pPr>
+            <a:r>
+              <a:rPr lang="zh-CN" altLang="en-US" sz="2000" dirty="0">
+                <a:solidFill>
+                  <a:schemeClr val="bg1"/>
+                </a:solidFill>
+              </a:rPr>
+              <a:t>在不少的业务中，或多或少的会存在一些历史项目，并且还在照常运行。现在需要将其融合到新项目中，但是由于使用的框架过于老旧，合在一起的话只能重写，浪费时间和精力。不过通过微前端将这些系统进行整合的话就可以在不修改逻辑的同时使得新老两套系统并行运行。</a:t>
+            </a:r>
+            <a:endParaRPr lang="en-US" altLang="zh-CN" sz="2000" dirty="0">
+              <a:solidFill>
+                <a:schemeClr val="bg1"/>
+              </a:solidFill>
+            </a:endParaRPr>
           </a:p>
         </p:txBody>
       </p:sp>
@@ -5296,6 +6025,380 @@
   <p:clrMapOvr>
     <a:masterClrMapping/>
   </p:clrMapOvr>
+  <mc:AlternateContent xmlns:mc="http://schemas.openxmlformats.org/markup-compatibility/2006">
+    <mc:Choice xmlns:p14="http://schemas.microsoft.com/office/powerpoint/2010/main" Requires="p14">
+      <p:transition p14:dur="10"/>
+    </mc:Choice>
+    <mc:Fallback>
+      <p:transition/>
+    </mc:Fallback>
+  </mc:AlternateContent>
+  <p:timing>
+    <p:tnLst>
+      <p:par>
+        <p:cTn id="1" dur="indefinite" restart="never" nodeType="tmRoot">
+          <p:childTnLst>
+            <p:seq concurrent="1" nextAc="seek">
+              <p:cTn id="2" dur="indefinite" nodeType="mainSeq">
+                <p:childTnLst>
+                  <p:par>
+                    <p:cTn id="3" fill="hold">
+                      <p:stCondLst>
+                        <p:cond delay="indefinite"/>
+                      </p:stCondLst>
+                      <p:childTnLst>
+                        <p:par>
+                          <p:cTn id="4" fill="hold">
+                            <p:stCondLst>
+                              <p:cond delay="0"/>
+                            </p:stCondLst>
+                            <p:childTnLst>
+                              <p:par>
+                                <p:cTn id="5" presetID="14" presetClass="entr" presetSubtype="10" fill="hold" grpId="0" nodeType="clickEffect">
+                                  <p:stCondLst>
+                                    <p:cond delay="0"/>
+                                  </p:stCondLst>
+                                  <p:childTnLst>
+                                    <p:set>
+                                      <p:cBhvr>
+                                        <p:cTn id="6" dur="1" fill="hold">
+                                          <p:stCondLst>
+                                            <p:cond delay="0"/>
+                                          </p:stCondLst>
+                                        </p:cTn>
+                                        <p:tgtEl>
+                                          <p:spTgt spid="16"/>
+                                        </p:tgtEl>
+                                        <p:attrNameLst>
+                                          <p:attrName>style.visibility</p:attrName>
+                                        </p:attrNameLst>
+                                      </p:cBhvr>
+                                      <p:to>
+                                        <p:strVal val="visible"/>
+                                      </p:to>
+                                    </p:set>
+                                    <p:animEffect transition="in" filter="randombar(horizontal)">
+                                      <p:cBhvr>
+                                        <p:cTn id="7" dur="2000"/>
+                                        <p:tgtEl>
+                                          <p:spTgt spid="16"/>
+                                        </p:tgtEl>
+                                      </p:cBhvr>
+                                    </p:animEffect>
+                                  </p:childTnLst>
+                                </p:cTn>
+                              </p:par>
+                            </p:childTnLst>
+                          </p:cTn>
+                        </p:par>
+                      </p:childTnLst>
+                    </p:cTn>
+                  </p:par>
+                  <p:par>
+                    <p:cTn id="8" fill="hold">
+                      <p:stCondLst>
+                        <p:cond delay="indefinite"/>
+                      </p:stCondLst>
+                      <p:childTnLst>
+                        <p:par>
+                          <p:cTn id="9" fill="hold">
+                            <p:stCondLst>
+                              <p:cond delay="0"/>
+                            </p:stCondLst>
+                            <p:childTnLst>
+                              <p:par>
+                                <p:cTn id="10" presetID="10" presetClass="exit" presetSubtype="0" fill="hold" grpId="2" nodeType="clickEffect">
+                                  <p:stCondLst>
+                                    <p:cond delay="0"/>
+                                  </p:stCondLst>
+                                  <p:childTnLst>
+                                    <p:animEffect transition="out" filter="fade">
+                                      <p:cBhvr>
+                                        <p:cTn id="11" dur="500"/>
+                                        <p:tgtEl>
+                                          <p:spTgt spid="16"/>
+                                        </p:tgtEl>
+                                      </p:cBhvr>
+                                    </p:animEffect>
+                                    <p:set>
+                                      <p:cBhvr>
+                                        <p:cTn id="12" dur="1" fill="hold">
+                                          <p:stCondLst>
+                                            <p:cond delay="499"/>
+                                          </p:stCondLst>
+                                        </p:cTn>
+                                        <p:tgtEl>
+                                          <p:spTgt spid="16"/>
+                                        </p:tgtEl>
+                                        <p:attrNameLst>
+                                          <p:attrName>style.visibility</p:attrName>
+                                        </p:attrNameLst>
+                                      </p:cBhvr>
+                                      <p:to>
+                                        <p:strVal val="hidden"/>
+                                      </p:to>
+                                    </p:set>
+                                  </p:childTnLst>
+                                </p:cTn>
+                              </p:par>
+                              <p:par>
+                                <p:cTn id="13" presetID="14" presetClass="entr" presetSubtype="10" fill="hold" grpId="0" nodeType="withEffect">
+                                  <p:stCondLst>
+                                    <p:cond delay="500"/>
+                                  </p:stCondLst>
+                                  <p:childTnLst>
+                                    <p:set>
+                                      <p:cBhvr>
+                                        <p:cTn id="14" dur="1" fill="hold">
+                                          <p:stCondLst>
+                                            <p:cond delay="0"/>
+                                          </p:stCondLst>
+                                        </p:cTn>
+                                        <p:tgtEl>
+                                          <p:spTgt spid="17"/>
+                                        </p:tgtEl>
+                                        <p:attrNameLst>
+                                          <p:attrName>style.visibility</p:attrName>
+                                        </p:attrNameLst>
+                                      </p:cBhvr>
+                                      <p:to>
+                                        <p:strVal val="visible"/>
+                                      </p:to>
+                                    </p:set>
+                                    <p:animEffect transition="in" filter="randombar(horizontal)">
+                                      <p:cBhvr>
+                                        <p:cTn id="15" dur="2000"/>
+                                        <p:tgtEl>
+                                          <p:spTgt spid="17"/>
+                                        </p:tgtEl>
+                                      </p:cBhvr>
+                                    </p:animEffect>
+                                  </p:childTnLst>
+                                </p:cTn>
+                              </p:par>
+                            </p:childTnLst>
+                          </p:cTn>
+                        </p:par>
+                      </p:childTnLst>
+                    </p:cTn>
+                  </p:par>
+                  <p:par>
+                    <p:cTn id="16" fill="hold">
+                      <p:stCondLst>
+                        <p:cond delay="indefinite"/>
+                      </p:stCondLst>
+                      <p:childTnLst>
+                        <p:par>
+                          <p:cTn id="17" fill="hold">
+                            <p:stCondLst>
+                              <p:cond delay="0"/>
+                            </p:stCondLst>
+                            <p:childTnLst>
+                              <p:par>
+                                <p:cTn id="18" presetID="10" presetClass="entr" presetSubtype="0" fill="hold" grpId="3" nodeType="clickEffect">
+                                  <p:stCondLst>
+                                    <p:cond delay="0"/>
+                                  </p:stCondLst>
+                                  <p:childTnLst>
+                                    <p:set>
+                                      <p:cBhvr>
+                                        <p:cTn id="19" dur="1" fill="hold">
+                                          <p:stCondLst>
+                                            <p:cond delay="0"/>
+                                          </p:stCondLst>
+                                        </p:cTn>
+                                        <p:tgtEl>
+                                          <p:spTgt spid="16"/>
+                                        </p:tgtEl>
+                                        <p:attrNameLst>
+                                          <p:attrName>style.visibility</p:attrName>
+                                        </p:attrNameLst>
+                                      </p:cBhvr>
+                                      <p:to>
+                                        <p:strVal val="visible"/>
+                                      </p:to>
+                                    </p:set>
+                                    <p:animEffect transition="in" filter="fade">
+                                      <p:cBhvr>
+                                        <p:cTn id="20" dur="500"/>
+                                        <p:tgtEl>
+                                          <p:spTgt spid="16"/>
+                                        </p:tgtEl>
+                                      </p:cBhvr>
+                                    </p:animEffect>
+                                  </p:childTnLst>
+                                </p:cTn>
+                              </p:par>
+                            </p:childTnLst>
+                          </p:cTn>
+                        </p:par>
+                        <p:par>
+                          <p:cTn id="21" fill="hold">
+                            <p:stCondLst>
+                              <p:cond delay="500"/>
+                            </p:stCondLst>
+                            <p:childTnLst>
+                              <p:par>
+                                <p:cTn id="22" presetID="42" presetClass="path" presetSubtype="0" accel="50000" decel="50000" fill="hold" grpId="1" nodeType="afterEffect">
+                                  <p:stCondLst>
+                                    <p:cond delay="0"/>
+                                  </p:stCondLst>
+                                  <p:childTnLst>
+                                    <p:animMotion origin="layout" path="M 4.16667E-7 -4.44444E-6 L -0.2905 -0.19305 " pathEditMode="relative" rAng="0" ptsTypes="AA">
+                                      <p:cBhvr>
+                                        <p:cTn id="23" dur="2000" fill="hold"/>
+                                        <p:tgtEl>
+                                          <p:spTgt spid="16"/>
+                                        </p:tgtEl>
+                                        <p:attrNameLst>
+                                          <p:attrName>ppt_x</p:attrName>
+                                          <p:attrName>ppt_y</p:attrName>
+                                        </p:attrNameLst>
+                                      </p:cBhvr>
+                                      <p:rCtr x="-14531" y="-9653"/>
+                                    </p:animMotion>
+                                  </p:childTnLst>
+                                </p:cTn>
+                              </p:par>
+                              <p:par>
+                                <p:cTn id="24" presetID="42" presetClass="path" presetSubtype="0" accel="50000" decel="50000" fill="hold" grpId="1" nodeType="withEffect">
+                                  <p:stCondLst>
+                                    <p:cond delay="0"/>
+                                  </p:stCondLst>
+                                  <p:childTnLst>
+                                    <p:animMotion origin="layout" path="M -0.0013 0 L -0.28021 0.23657 " pathEditMode="relative" rAng="0" ptsTypes="AA">
+                                      <p:cBhvr>
+                                        <p:cTn id="25" dur="2000" fill="hold"/>
+                                        <p:tgtEl>
+                                          <p:spTgt spid="17"/>
+                                        </p:tgtEl>
+                                        <p:attrNameLst>
+                                          <p:attrName>ppt_x</p:attrName>
+                                          <p:attrName>ppt_y</p:attrName>
+                                        </p:attrNameLst>
+                                      </p:cBhvr>
+                                      <p:rCtr x="-13945" y="11829"/>
+                                    </p:animMotion>
+                                  </p:childTnLst>
+                                </p:cTn>
+                              </p:par>
+                            </p:childTnLst>
+                          </p:cTn>
+                        </p:par>
+                        <p:par>
+                          <p:cTn id="26" fill="hold">
+                            <p:stCondLst>
+                              <p:cond delay="2500"/>
+                            </p:stCondLst>
+                            <p:childTnLst>
+                              <p:par>
+                                <p:cTn id="27" presetID="10" presetClass="entr" presetSubtype="0" fill="hold" grpId="0" nodeType="afterEffect">
+                                  <p:stCondLst>
+                                    <p:cond delay="0"/>
+                                  </p:stCondLst>
+                                  <p:childTnLst>
+                                    <p:set>
+                                      <p:cBhvr>
+                                        <p:cTn id="28" dur="1" fill="hold">
+                                          <p:stCondLst>
+                                            <p:cond delay="0"/>
+                                          </p:stCondLst>
+                                        </p:cTn>
+                                        <p:tgtEl>
+                                          <p:spTgt spid="18"/>
+                                        </p:tgtEl>
+                                        <p:attrNameLst>
+                                          <p:attrName>style.visibility</p:attrName>
+                                        </p:attrNameLst>
+                                      </p:cBhvr>
+                                      <p:to>
+                                        <p:strVal val="visible"/>
+                                      </p:to>
+                                    </p:set>
+                                    <p:animEffect transition="in" filter="fade">
+                                      <p:cBhvr>
+                                        <p:cTn id="29" dur="500"/>
+                                        <p:tgtEl>
+                                          <p:spTgt spid="18"/>
+                                        </p:tgtEl>
+                                      </p:cBhvr>
+                                    </p:animEffect>
+                                  </p:childTnLst>
+                                </p:cTn>
+                              </p:par>
+                              <p:par>
+                                <p:cTn id="30" presetID="10" presetClass="entr" presetSubtype="0" fill="hold" grpId="0" nodeType="withEffect">
+                                  <p:stCondLst>
+                                    <p:cond delay="0"/>
+                                  </p:stCondLst>
+                                  <p:childTnLst>
+                                    <p:set>
+                                      <p:cBhvr>
+                                        <p:cTn id="31" dur="1" fill="hold">
+                                          <p:stCondLst>
+                                            <p:cond delay="0"/>
+                                          </p:stCondLst>
+                                        </p:cTn>
+                                        <p:tgtEl>
+                                          <p:spTgt spid="12"/>
+                                        </p:tgtEl>
+                                        <p:attrNameLst>
+                                          <p:attrName>style.visibility</p:attrName>
+                                        </p:attrNameLst>
+                                      </p:cBhvr>
+                                      <p:to>
+                                        <p:strVal val="visible"/>
+                                      </p:to>
+                                    </p:set>
+                                    <p:animEffect transition="in" filter="fade">
+                                      <p:cBhvr>
+                                        <p:cTn id="32" dur="500"/>
+                                        <p:tgtEl>
+                                          <p:spTgt spid="12"/>
+                                        </p:tgtEl>
+                                      </p:cBhvr>
+                                    </p:animEffect>
+                                  </p:childTnLst>
+                                </p:cTn>
+                              </p:par>
+                            </p:childTnLst>
+                          </p:cTn>
+                        </p:par>
+                      </p:childTnLst>
+                    </p:cTn>
+                  </p:par>
+                </p:childTnLst>
+              </p:cTn>
+              <p:prevCondLst>
+                <p:cond evt="onPrev" delay="0">
+                  <p:tgtEl>
+                    <p:sldTgt/>
+                  </p:tgtEl>
+                </p:cond>
+              </p:prevCondLst>
+              <p:nextCondLst>
+                <p:cond evt="onNext" delay="0">
+                  <p:tgtEl>
+                    <p:sldTgt/>
+                  </p:tgtEl>
+                </p:cond>
+              </p:nextCondLst>
+            </p:seq>
+          </p:childTnLst>
+        </p:cTn>
+      </p:par>
+    </p:tnLst>
+    <p:bldLst>
+      <p:bldP spid="12" grpId="0"/>
+      <p:bldP spid="16" grpId="0"/>
+      <p:bldP spid="16" grpId="1"/>
+      <p:bldP spid="16" grpId="2"/>
+      <p:bldP spid="16" grpId="3"/>
+      <p:bldP spid="17" grpId="0"/>
+      <p:bldP spid="17" grpId="1"/>
+      <p:bldP spid="18" grpId="0"/>
+    </p:bldLst>
+  </p:timing>
 </p:sld>
 </file>
 
@@ -5334,7 +6437,7 @@
         </p:nvSpPr>
         <p:spPr>
           <a:xfrm>
-            <a:off x="839972" y="318976"/>
+            <a:off x="765541" y="297710"/>
             <a:ext cx="2453777" cy="705600"/>
           </a:xfrm>
         </p:spPr>
@@ -6847,31 +7950,6 @@
       </p:grpSpPr>
       <p:sp>
         <p:nvSpPr>
-          <p:cNvPr id="2" name="标题 1">
-            <a:extLst>
-              <a:ext uri="{FF2B5EF4-FFF2-40B4-BE49-F238E27FC236}">
-                <a16:creationId xmlns:a16="http://schemas.microsoft.com/office/drawing/2014/main" id="{C17987D7-5648-4ADD-92A4-F244E9BD721B}"/>
-              </a:ext>
-            </a:extLst>
-          </p:cNvPr>
-          <p:cNvSpPr>
-            <a:spLocks noGrp="1"/>
-          </p:cNvSpPr>
-          <p:nvPr>
-            <p:ph type="title"/>
-          </p:nvPr>
-        </p:nvSpPr>
-        <p:spPr/>
-        <p:txBody>
-          <a:bodyPr/>
-          <a:lstStyle/>
-          <a:p>
-            <a:endParaRPr lang="zh-CN" altLang="en-US"/>
-          </a:p>
-        </p:txBody>
-      </p:sp>
-      <p:sp>
-        <p:nvSpPr>
           <p:cNvPr id="3" name="内容占位符 2">
             <a:extLst>
               <a:ext uri="{FF2B5EF4-FFF2-40B4-BE49-F238E27FC236}">
@@ -6886,12 +7964,31 @@
             <p:ph idx="1"/>
           </p:nvPr>
         </p:nvSpPr>
-        <p:spPr/>
+        <p:spPr>
+          <a:xfrm>
+            <a:off x="608400" y="414670"/>
+            <a:ext cx="10969200" cy="5834930"/>
+          </a:xfrm>
+        </p:spPr>
         <p:txBody>
           <a:bodyPr/>
           <a:lstStyle/>
           <a:p>
-            <a:endParaRPr lang="zh-CN" altLang="en-US"/>
+            <a:r>
+              <a:rPr lang="zh-CN" altLang="en-US" dirty="0"/>
+              <a:t>拆分项目服务，实现业务逻辑的解耦，然后分而治之</a:t>
+            </a:r>
+            <a:endParaRPr lang="en-US" altLang="zh-CN" dirty="0"/>
+          </a:p>
+          <a:p>
+            <a:r>
+              <a:rPr lang="zh-CN" altLang="en-US" dirty="0"/>
+              <a:t>解耦的应用具备完全的自主权利，微应用可以进行独立开发、独立部署、独立运行</a:t>
+            </a:r>
+            <a:endParaRPr lang="en-US" altLang="zh-CN" dirty="0"/>
+          </a:p>
+          <a:p>
+            <a:endParaRPr lang="zh-CN" altLang="en-US" dirty="0"/>
           </a:p>
         </p:txBody>
       </p:sp>

--- a/MicroFrontends/MicroFrontEnds.pptx
+++ b/MicroFrontends/MicroFrontEnds.pptx
@@ -220,7 +220,7 @@
           <a:p>
             <a:fld id="{BA35FD46-AEB9-4C59-AC85-4055F2AA7DF2}" type="datetimeFigureOut">
               <a:rPr lang="zh-CN" altLang="en-US" smtClean="0"/>
-              <a:t>2021/9/23</a:t>
+              <a:t>2021/9/24</a:t>
             </a:fld>
             <a:endParaRPr lang="zh-CN" altLang="en-US"/>
           </a:p>
@@ -397,7 +397,7 @@
           <a:p>
             <a:fld id="{8B9BF9A6-4856-4844-83F7-E6C95F935DBC}" type="datetimeFigureOut">
               <a:rPr lang="zh-CN" altLang="en-US" smtClean="0"/>
-              <a:t>2021/9/23</a:t>
+              <a:t>2021/9/24</a:t>
             </a:fld>
             <a:endParaRPr lang="zh-CN" altLang="en-US"/>
           </a:p>
@@ -841,7 +841,7 @@
                 <a:effectLst/>
                 <a:latin typeface="-apple-system"/>
               </a:rPr>
-              <a:t>随着公司业务的不断发展，应用开始变得庞大臃肿，逐渐成为一个巨石应用，难以维护不说，每次开发、上线新需求时还需要花费不少的时间来构建项目，对开发人员的开发效率和体验都造成了不好的影响。</a:t>
+              <a:t>随着项目的完善、应用功能更新迭代、新功能的增加，应用开始变得庞大臃肿，逐渐成为一个巨石应用，有些功能的开发可能涉及全局，牵一发而动全身，应用越来越难以维护，维护成本也越来越高。每次开发、上线新需求时还需要花费不少的时间来构建项目，对开发人员的开发效率和体验都造成了不好的影响。</a:t>
             </a:r>
             <a:endParaRPr lang="en-US" altLang="zh-CN" i="0" dirty="0">
               <a:solidFill>
@@ -1042,7 +1042,7 @@
                 <a:effectLst/>
                 <a:latin typeface="-apple-system"/>
               </a:rPr>
-              <a:t>服务端渲染实现微前端的，过程略繁琐，通信也很复杂</a:t>
+              <a:t>服务端渲染实现微前端的，过程略繁琐，通信也很复杂，并且需要使用浏览器的新特性实现，兼容性不太好</a:t>
             </a:r>
           </a:p>
         </p:txBody>
@@ -1315,7 +1315,7 @@
           <a:p>
             <a:fld id="{760FBDFE-C587-4B4C-A407-44438C67B59E}" type="datetimeFigureOut">
               <a:rPr lang="zh-CN" altLang="en-US" smtClean="0"/>
-              <a:t>2021/9/23</a:t>
+              <a:t>2021/9/24</a:t>
             </a:fld>
             <a:endParaRPr lang="zh-CN" altLang="en-US"/>
           </a:p>
@@ -1414,7 +1414,7 @@
           <a:p>
             <a:fld id="{760FBDFE-C587-4B4C-A407-44438C67B59E}" type="datetimeFigureOut">
               <a:rPr lang="zh-CN" altLang="en-US" smtClean="0"/>
-              <a:t>2021/9/23</a:t>
+              <a:t>2021/9/24</a:t>
             </a:fld>
             <a:endParaRPr lang="zh-CN" altLang="en-US"/>
           </a:p>
@@ -1572,7 +1572,7 @@
           <a:p>
             <a:fld id="{760FBDFE-C587-4B4C-A407-44438C67B59E}" type="datetimeFigureOut">
               <a:rPr lang="zh-CN" altLang="en-US" smtClean="0"/>
-              <a:t>2021/9/23</a:t>
+              <a:t>2021/9/24</a:t>
             </a:fld>
             <a:endParaRPr lang="zh-CN" altLang="en-US"/>
           </a:p>
@@ -1857,7 +1857,7 @@
           <a:p>
             <a:fld id="{760FBDFE-C587-4B4C-A407-44438C67B59E}" type="datetimeFigureOut">
               <a:rPr lang="zh-CN" altLang="en-US" smtClean="0"/>
-              <a:t>2021/9/23</a:t>
+              <a:t>2021/9/24</a:t>
             </a:fld>
             <a:endParaRPr lang="zh-CN" altLang="en-US"/>
           </a:p>
@@ -2117,7 +2117,7 @@
           <a:p>
             <a:fld id="{760FBDFE-C587-4B4C-A407-44438C67B59E}" type="datetimeFigureOut">
               <a:rPr lang="zh-CN" altLang="en-US" smtClean="0"/>
-              <a:t>2021/9/23</a:t>
+              <a:t>2021/9/24</a:t>
             </a:fld>
             <a:endParaRPr lang="zh-CN" altLang="en-US"/>
           </a:p>
@@ -2383,7 +2383,7 @@
           <a:p>
             <a:fld id="{760FBDFE-C587-4B4C-A407-44438C67B59E}" type="datetimeFigureOut">
               <a:rPr lang="zh-CN" altLang="en-US" smtClean="0"/>
-              <a:t>2021/9/23</a:t>
+              <a:t>2021/9/24</a:t>
             </a:fld>
             <a:endParaRPr lang="zh-CN" altLang="en-US"/>
           </a:p>
@@ -2821,7 +2821,7 @@
           <a:p>
             <a:fld id="{760FBDFE-C587-4B4C-A407-44438C67B59E}" type="datetimeFigureOut">
               <a:rPr lang="zh-CN" altLang="en-US" smtClean="0"/>
-              <a:t>2021/9/23</a:t>
+              <a:t>2021/9/24</a:t>
             </a:fld>
             <a:endParaRPr lang="zh-CN" altLang="en-US"/>
           </a:p>
@@ -2955,7 +2955,7 @@
           <a:p>
             <a:fld id="{760FBDFE-C587-4B4C-A407-44438C67B59E}" type="datetimeFigureOut">
               <a:rPr lang="zh-CN" altLang="en-US" smtClean="0"/>
-              <a:t>2021/9/23</a:t>
+              <a:t>2021/9/24</a:t>
             </a:fld>
             <a:endParaRPr lang="zh-CN" altLang="en-US"/>
           </a:p>
@@ -3054,7 +3054,7 @@
           <a:p>
             <a:fld id="{760FBDFE-C587-4B4C-A407-44438C67B59E}" type="datetimeFigureOut">
               <a:rPr lang="zh-CN" altLang="en-US" smtClean="0"/>
-              <a:t>2021/9/23</a:t>
+              <a:t>2021/9/24</a:t>
             </a:fld>
             <a:endParaRPr lang="zh-CN" altLang="en-US"/>
           </a:p>
@@ -3230,7 +3230,7 @@
           <a:p>
             <a:fld id="{9EFD9D74-47D9-4702-A33C-335B63B48DBF}" type="datetimeFigureOut">
               <a:rPr lang="zh-CN" altLang="en-US" smtClean="0"/>
-              <a:t>2021/9/23</a:t>
+              <a:t>2021/9/24</a:t>
             </a:fld>
             <a:endParaRPr lang="zh-CN" altLang="en-US" dirty="0"/>
           </a:p>
@@ -3472,7 +3472,7 @@
           <a:p>
             <a:fld id="{760FBDFE-C587-4B4C-A407-44438C67B59E}" type="datetimeFigureOut">
               <a:rPr lang="zh-CN" altLang="en-US" smtClean="0"/>
-              <a:t>2021/9/23</a:t>
+              <a:t>2021/9/24</a:t>
             </a:fld>
             <a:endParaRPr lang="zh-CN" altLang="en-US"/>
           </a:p>
@@ -3706,7 +3706,7 @@
           <a:p>
             <a:fld id="{760FBDFE-C587-4B4C-A407-44438C67B59E}" type="datetimeFigureOut">
               <a:rPr lang="zh-CN" altLang="en-US" smtClean="0"/>
-              <a:t>2021/9/23</a:t>
+              <a:t>2021/9/24</a:t>
             </a:fld>
             <a:endParaRPr lang="zh-CN" altLang="en-US"/>
           </a:p>
@@ -6025,11 +6025,11 @@
   <p:clrMapOvr>
     <a:masterClrMapping/>
   </p:clrMapOvr>
-  <mc:AlternateContent xmlns:mc="http://schemas.openxmlformats.org/markup-compatibility/2006">
-    <mc:Choice xmlns:p14="http://schemas.microsoft.com/office/powerpoint/2010/main" Requires="p14">
+  <mc:AlternateContent xmlns:mc="http://schemas.openxmlformats.org/markup-compatibility/2006" xmlns:p14="http://schemas.microsoft.com/office/powerpoint/2010/main">
+    <mc:Choice Requires="p14">
       <p:transition p14:dur="10"/>
     </mc:Choice>
-    <mc:Fallback>
+    <mc:Fallback xmlns="">
       <p:transition/>
     </mc:Fallback>
   </mc:AlternateContent>
